--- a/図.pptx
+++ b/図.pptx
@@ -7,14 +7,32 @@
   <p:sldIdLst>
     <p:sldId id="256" r:id="rId2"/>
     <p:sldId id="266" r:id="rId3"/>
-    <p:sldId id="258" r:id="rId4"/>
-    <p:sldId id="260" r:id="rId5"/>
-    <p:sldId id="257" r:id="rId6"/>
-    <p:sldId id="261" r:id="rId7"/>
-    <p:sldId id="263" r:id="rId8"/>
-    <p:sldId id="264" r:id="rId9"/>
-    <p:sldId id="265" r:id="rId10"/>
-    <p:sldId id="262" r:id="rId11"/>
+    <p:sldId id="281" r:id="rId4"/>
+    <p:sldId id="258" r:id="rId5"/>
+    <p:sldId id="282" r:id="rId6"/>
+    <p:sldId id="260" r:id="rId7"/>
+    <p:sldId id="257" r:id="rId8"/>
+    <p:sldId id="261" r:id="rId9"/>
+    <p:sldId id="283" r:id="rId10"/>
+    <p:sldId id="263" r:id="rId11"/>
+    <p:sldId id="284" r:id="rId12"/>
+    <p:sldId id="264" r:id="rId13"/>
+    <p:sldId id="265" r:id="rId14"/>
+    <p:sldId id="262" r:id="rId15"/>
+    <p:sldId id="267" r:id="rId16"/>
+    <p:sldId id="268" r:id="rId17"/>
+    <p:sldId id="269" r:id="rId18"/>
+    <p:sldId id="270" r:id="rId19"/>
+    <p:sldId id="271" r:id="rId20"/>
+    <p:sldId id="272" r:id="rId21"/>
+    <p:sldId id="273" r:id="rId22"/>
+    <p:sldId id="274" r:id="rId23"/>
+    <p:sldId id="275" r:id="rId24"/>
+    <p:sldId id="276" r:id="rId25"/>
+    <p:sldId id="277" r:id="rId26"/>
+    <p:sldId id="278" r:id="rId27"/>
+    <p:sldId id="279" r:id="rId28"/>
+    <p:sldId id="280" r:id="rId29"/>
   </p:sldIdLst>
   <p:sldSz cx="12192000" cy="6858000"/>
   <p:notesSz cx="6858000" cy="9144000"/>
@@ -113,6 +131,11 @@
       </a:defRPr>
     </a:lvl9pPr>
   </p:defaultTextStyle>
+  <p:extLst>
+    <p:ext uri="{EFAFB233-063F-42B5-8137-9DF3F51BA10A}">
+      <p15:sldGuideLst xmlns:p15="http://schemas.microsoft.com/office/powerpoint/2012/main"/>
+    </p:ext>
+  </p:extLst>
 </p:presentation>
 </file>
 
@@ -275,7 +298,7 @@
           <a:p>
             <a:fld id="{7ED6ABA0-567F-4F20-B378-F1C94AECB17A}" type="datetimeFigureOut">
               <a:rPr kumimoji="1" lang="ja-JP" altLang="en-US" smtClean="0"/>
-              <a:t>2024/11/28</a:t>
+              <a:t>2024/11/30</a:t>
             </a:fld>
             <a:endParaRPr kumimoji="1" lang="ja-JP" altLang="en-US"/>
           </a:p>
@@ -505,7 +528,7 @@
           <a:p>
             <a:fld id="{7ED6ABA0-567F-4F20-B378-F1C94AECB17A}" type="datetimeFigureOut">
               <a:rPr kumimoji="1" lang="ja-JP" altLang="en-US" smtClean="0"/>
-              <a:t>2024/11/28</a:t>
+              <a:t>2024/11/30</a:t>
             </a:fld>
             <a:endParaRPr kumimoji="1" lang="ja-JP" altLang="en-US"/>
           </a:p>
@@ -745,7 +768,7 @@
           <a:p>
             <a:fld id="{7ED6ABA0-567F-4F20-B378-F1C94AECB17A}" type="datetimeFigureOut">
               <a:rPr kumimoji="1" lang="ja-JP" altLang="en-US" smtClean="0"/>
-              <a:t>2024/11/28</a:t>
+              <a:t>2024/11/30</a:t>
             </a:fld>
             <a:endParaRPr kumimoji="1" lang="ja-JP" altLang="en-US"/>
           </a:p>
@@ -975,7 +998,7 @@
           <a:p>
             <a:fld id="{7ED6ABA0-567F-4F20-B378-F1C94AECB17A}" type="datetimeFigureOut">
               <a:rPr kumimoji="1" lang="ja-JP" altLang="en-US" smtClean="0"/>
-              <a:t>2024/11/28</a:t>
+              <a:t>2024/11/30</a:t>
             </a:fld>
             <a:endParaRPr kumimoji="1" lang="ja-JP" altLang="en-US"/>
           </a:p>
@@ -1250,7 +1273,7 @@
           <a:p>
             <a:fld id="{7ED6ABA0-567F-4F20-B378-F1C94AECB17A}" type="datetimeFigureOut">
               <a:rPr kumimoji="1" lang="ja-JP" altLang="en-US" smtClean="0"/>
-              <a:t>2024/11/28</a:t>
+              <a:t>2024/11/30</a:t>
             </a:fld>
             <a:endParaRPr kumimoji="1" lang="ja-JP" altLang="en-US"/>
           </a:p>
@@ -1579,7 +1602,7 @@
           <a:p>
             <a:fld id="{7ED6ABA0-567F-4F20-B378-F1C94AECB17A}" type="datetimeFigureOut">
               <a:rPr kumimoji="1" lang="ja-JP" altLang="en-US" smtClean="0"/>
-              <a:t>2024/11/28</a:t>
+              <a:t>2024/11/30</a:t>
             </a:fld>
             <a:endParaRPr kumimoji="1" lang="ja-JP" altLang="en-US"/>
           </a:p>
@@ -2055,7 +2078,7 @@
           <a:p>
             <a:fld id="{7ED6ABA0-567F-4F20-B378-F1C94AECB17A}" type="datetimeFigureOut">
               <a:rPr kumimoji="1" lang="ja-JP" altLang="en-US" smtClean="0"/>
-              <a:t>2024/11/28</a:t>
+              <a:t>2024/11/30</a:t>
             </a:fld>
             <a:endParaRPr kumimoji="1" lang="ja-JP" altLang="en-US"/>
           </a:p>
@@ -2196,7 +2219,7 @@
           <a:p>
             <a:fld id="{7ED6ABA0-567F-4F20-B378-F1C94AECB17A}" type="datetimeFigureOut">
               <a:rPr kumimoji="1" lang="ja-JP" altLang="en-US" smtClean="0"/>
-              <a:t>2024/11/28</a:t>
+              <a:t>2024/11/30</a:t>
             </a:fld>
             <a:endParaRPr kumimoji="1" lang="ja-JP" altLang="en-US"/>
           </a:p>
@@ -2309,7 +2332,7 @@
           <a:p>
             <a:fld id="{7ED6ABA0-567F-4F20-B378-F1C94AECB17A}" type="datetimeFigureOut">
               <a:rPr kumimoji="1" lang="ja-JP" altLang="en-US" smtClean="0"/>
-              <a:t>2024/11/28</a:t>
+              <a:t>2024/11/30</a:t>
             </a:fld>
             <a:endParaRPr kumimoji="1" lang="ja-JP" altLang="en-US"/>
           </a:p>
@@ -2652,7 +2675,7 @@
           <a:p>
             <a:fld id="{7ED6ABA0-567F-4F20-B378-F1C94AECB17A}" type="datetimeFigureOut">
               <a:rPr kumimoji="1" lang="ja-JP" altLang="en-US" smtClean="0"/>
-              <a:t>2024/11/28</a:t>
+              <a:t>2024/11/30</a:t>
             </a:fld>
             <a:endParaRPr kumimoji="1" lang="ja-JP" altLang="en-US"/>
           </a:p>
@@ -2940,7 +2963,7 @@
           <a:p>
             <a:fld id="{7ED6ABA0-567F-4F20-B378-F1C94AECB17A}" type="datetimeFigureOut">
               <a:rPr kumimoji="1" lang="ja-JP" altLang="en-US" smtClean="0"/>
-              <a:t>2024/11/28</a:t>
+              <a:t>2024/11/30</a:t>
             </a:fld>
             <a:endParaRPr kumimoji="1" lang="ja-JP" altLang="en-US"/>
           </a:p>
@@ -3213,7 +3236,7 @@
           <a:p>
             <a:fld id="{7ED6ABA0-567F-4F20-B378-F1C94AECB17A}" type="datetimeFigureOut">
               <a:rPr kumimoji="1" lang="ja-JP" altLang="en-US" smtClean="0"/>
-              <a:t>2024/11/28</a:t>
+              <a:t>2024/11/30</a:t>
             </a:fld>
             <a:endParaRPr kumimoji="1" lang="ja-JP" altLang="en-US"/>
           </a:p>
@@ -3698,6 +3721,2431 @@
   <p:cSld>
     <p:spTree>
       <p:nvGrpSpPr>
+        <p:cNvPr id="1" name="">
+          <a:extLst>
+            <a:ext uri="{FF2B5EF4-FFF2-40B4-BE49-F238E27FC236}">
+              <a16:creationId xmlns:a16="http://schemas.microsoft.com/office/drawing/2014/main" id="{1E1C2138-A043-BD6D-9104-55348A6BED86}"/>
+            </a:ext>
+          </a:extLst>
+        </p:cNvPr>
+        <p:cNvGrpSpPr/>
+        <p:nvPr/>
+      </p:nvGrpSpPr>
+      <p:grpSpPr>
+        <a:xfrm>
+          <a:off x="0" y="0"/>
+          <a:ext cx="0" cy="0"/>
+          <a:chOff x="0" y="0"/>
+          <a:chExt cx="0" cy="0"/>
+        </a:xfrm>
+      </p:grpSpPr>
+      <p:sp>
+        <p:nvSpPr>
+          <p:cNvPr id="2" name="タイトル 1">
+            <a:extLst>
+              <a:ext uri="{FF2B5EF4-FFF2-40B4-BE49-F238E27FC236}">
+                <a16:creationId xmlns:a16="http://schemas.microsoft.com/office/drawing/2014/main" id="{9EEF8656-5AA3-BC45-B961-9CC7D4173E95}"/>
+              </a:ext>
+            </a:extLst>
+          </p:cNvPr>
+          <p:cNvSpPr>
+            <a:spLocks noGrp="1"/>
+          </p:cNvSpPr>
+          <p:nvPr>
+            <p:ph type="title"/>
+          </p:nvPr>
+        </p:nvSpPr>
+        <p:spPr>
+          <a:xfrm>
+            <a:off x="-11954" y="-161487"/>
+            <a:ext cx="10515600" cy="1325563"/>
+          </a:xfrm>
+        </p:spPr>
+        <p:txBody>
+          <a:bodyPr/>
+          <a:lstStyle/>
+          <a:p>
+            <a:r>
+              <a:rPr kumimoji="1" lang="en-US" altLang="ja-JP" b="1" dirty="0"/>
+              <a:t>3</a:t>
+            </a:r>
+            <a:r>
+              <a:rPr kumimoji="1" lang="ja-JP" altLang="en-US" b="1" dirty="0"/>
+              <a:t>ステップ</a:t>
+            </a:r>
+          </a:p>
+        </p:txBody>
+      </p:sp>
+      <p:sp>
+        <p:nvSpPr>
+          <p:cNvPr id="3" name="矢印: 右 2">
+            <a:extLst>
+              <a:ext uri="{FF2B5EF4-FFF2-40B4-BE49-F238E27FC236}">
+                <a16:creationId xmlns:a16="http://schemas.microsoft.com/office/drawing/2014/main" id="{61A98C55-3CF7-6CD4-FD11-5CFC3260E509}"/>
+              </a:ext>
+            </a:extLst>
+          </p:cNvPr>
+          <p:cNvSpPr/>
+          <p:nvPr/>
+        </p:nvSpPr>
+        <p:spPr>
+          <a:xfrm>
+            <a:off x="1075765" y="6051176"/>
+            <a:ext cx="10152529" cy="477371"/>
+          </a:xfrm>
+          <a:prstGeom prst="rightArrow">
+            <a:avLst/>
+          </a:prstGeom>
+          <a:solidFill>
+            <a:schemeClr val="bg1"/>
+          </a:solidFill>
+          <a:ln w="28575"/>
+        </p:spPr>
+        <p:style>
+          <a:lnRef idx="2">
+            <a:schemeClr val="accent1">
+              <a:shade val="15000"/>
+            </a:schemeClr>
+          </a:lnRef>
+          <a:fillRef idx="1">
+            <a:schemeClr val="accent1"/>
+          </a:fillRef>
+          <a:effectRef idx="0">
+            <a:schemeClr val="accent1"/>
+          </a:effectRef>
+          <a:fontRef idx="minor">
+            <a:schemeClr val="lt1"/>
+          </a:fontRef>
+        </p:style>
+        <p:txBody>
+          <a:bodyPr rtlCol="0" anchor="ctr"/>
+          <a:lstStyle/>
+          <a:p>
+            <a:pPr algn="ctr"/>
+            <a:endParaRPr kumimoji="1" lang="ja-JP" altLang="en-US" b="1"/>
+          </a:p>
+        </p:txBody>
+      </p:sp>
+      <p:sp>
+        <p:nvSpPr>
+          <p:cNvPr id="6" name="四角形: 角を丸くする 5">
+            <a:extLst>
+              <a:ext uri="{FF2B5EF4-FFF2-40B4-BE49-F238E27FC236}">
+                <a16:creationId xmlns:a16="http://schemas.microsoft.com/office/drawing/2014/main" id="{6E4CD4C1-9D9D-89D7-3E26-3C41A495B45D}"/>
+              </a:ext>
+            </a:extLst>
+          </p:cNvPr>
+          <p:cNvSpPr/>
+          <p:nvPr/>
+        </p:nvSpPr>
+        <p:spPr>
+          <a:xfrm>
+            <a:off x="4309781" y="5943600"/>
+            <a:ext cx="3307978" cy="726141"/>
+          </a:xfrm>
+          <a:prstGeom prst="roundRect">
+            <a:avLst/>
+          </a:prstGeom>
+          <a:solidFill>
+            <a:schemeClr val="bg1"/>
+          </a:solidFill>
+          <a:ln w="28575">
+            <a:solidFill>
+              <a:schemeClr val="tx1"/>
+            </a:solidFill>
+          </a:ln>
+        </p:spPr>
+        <p:style>
+          <a:lnRef idx="2">
+            <a:schemeClr val="accent1">
+              <a:shade val="15000"/>
+            </a:schemeClr>
+          </a:lnRef>
+          <a:fillRef idx="1">
+            <a:schemeClr val="accent1"/>
+          </a:fillRef>
+          <a:effectRef idx="0">
+            <a:schemeClr val="accent1"/>
+          </a:effectRef>
+          <a:fontRef idx="minor">
+            <a:schemeClr val="lt1"/>
+          </a:fontRef>
+        </p:style>
+        <p:txBody>
+          <a:bodyPr rtlCol="0" anchor="ctr"/>
+          <a:lstStyle/>
+          <a:p>
+            <a:pPr algn="ctr"/>
+            <a:r>
+              <a:rPr kumimoji="1" lang="en-US" altLang="ja-JP" sz="2800" b="1" dirty="0">
+                <a:solidFill>
+                  <a:schemeClr val="tx1"/>
+                </a:solidFill>
+              </a:rPr>
+              <a:t>DX</a:t>
+            </a:r>
+            <a:r>
+              <a:rPr kumimoji="1" lang="ja-JP" altLang="en-US" sz="2800" b="1" dirty="0">
+                <a:solidFill>
+                  <a:schemeClr val="tx1"/>
+                </a:solidFill>
+              </a:rPr>
+              <a:t>のロードマップ</a:t>
+            </a:r>
+          </a:p>
+        </p:txBody>
+      </p:sp>
+      <p:grpSp>
+        <p:nvGrpSpPr>
+          <p:cNvPr id="9" name="グループ化 8">
+            <a:extLst>
+              <a:ext uri="{FF2B5EF4-FFF2-40B4-BE49-F238E27FC236}">
+                <a16:creationId xmlns:a16="http://schemas.microsoft.com/office/drawing/2014/main" id="{1B93336A-CFC3-41C8-1000-83EEAFF5FB55}"/>
+              </a:ext>
+            </a:extLst>
+          </p:cNvPr>
+          <p:cNvGrpSpPr/>
+          <p:nvPr/>
+        </p:nvGrpSpPr>
+        <p:grpSpPr>
+          <a:xfrm>
+            <a:off x="1273369" y="5237629"/>
+            <a:ext cx="1929653" cy="726142"/>
+            <a:chOff x="1714500" y="5237629"/>
+            <a:chExt cx="1929653" cy="726142"/>
+          </a:xfrm>
+        </p:grpSpPr>
+        <p:sp>
+          <p:nvSpPr>
+            <p:cNvPr id="7" name="楕円 6">
+              <a:extLst>
+                <a:ext uri="{FF2B5EF4-FFF2-40B4-BE49-F238E27FC236}">
+                  <a16:creationId xmlns:a16="http://schemas.microsoft.com/office/drawing/2014/main" id="{073C45E3-329E-0CA8-CCAF-84938802CC44}"/>
+                </a:ext>
+              </a:extLst>
+            </p:cNvPr>
+            <p:cNvSpPr/>
+            <p:nvPr/>
+          </p:nvSpPr>
+          <p:spPr>
+            <a:xfrm>
+              <a:off x="1714500" y="5237629"/>
+              <a:ext cx="1929653" cy="726142"/>
+            </a:xfrm>
+            <a:prstGeom prst="ellipse">
+              <a:avLst/>
+            </a:prstGeom>
+            <a:solidFill>
+              <a:schemeClr val="bg1"/>
+            </a:solidFill>
+            <a:ln w="28575">
+              <a:solidFill>
+                <a:srgbClr val="FF0000"/>
+              </a:solidFill>
+            </a:ln>
+          </p:spPr>
+          <p:style>
+            <a:lnRef idx="2">
+              <a:schemeClr val="accent1">
+                <a:shade val="15000"/>
+              </a:schemeClr>
+            </a:lnRef>
+            <a:fillRef idx="1">
+              <a:schemeClr val="accent1"/>
+            </a:fillRef>
+            <a:effectRef idx="0">
+              <a:schemeClr val="accent1"/>
+            </a:effectRef>
+            <a:fontRef idx="minor">
+              <a:schemeClr val="lt1"/>
+            </a:fontRef>
+          </p:style>
+          <p:txBody>
+            <a:bodyPr rtlCol="0" anchor="ctr"/>
+            <a:lstStyle/>
+            <a:p>
+              <a:pPr algn="ctr"/>
+              <a:endParaRPr kumimoji="1" lang="ja-JP" altLang="en-US" b="1"/>
+            </a:p>
+          </p:txBody>
+        </p:sp>
+        <p:sp>
+          <p:nvSpPr>
+            <p:cNvPr id="8" name="テキスト ボックス 7">
+              <a:extLst>
+                <a:ext uri="{FF2B5EF4-FFF2-40B4-BE49-F238E27FC236}">
+                  <a16:creationId xmlns:a16="http://schemas.microsoft.com/office/drawing/2014/main" id="{646FA2AC-9496-17D0-A62F-528AB2B251A8}"/>
+                </a:ext>
+              </a:extLst>
+            </p:cNvPr>
+            <p:cNvSpPr txBox="1"/>
+            <p:nvPr/>
+          </p:nvSpPr>
+          <p:spPr>
+            <a:xfrm>
+              <a:off x="1895297" y="5407309"/>
+              <a:ext cx="1584088" cy="400110"/>
+            </a:xfrm>
+            <a:prstGeom prst="rect">
+              <a:avLst/>
+            </a:prstGeom>
+            <a:noFill/>
+            <a:ln w="28575">
+              <a:noFill/>
+            </a:ln>
+          </p:spPr>
+          <p:txBody>
+            <a:bodyPr wrap="none" rtlCol="0">
+              <a:spAutoFit/>
+            </a:bodyPr>
+            <a:lstStyle/>
+            <a:p>
+              <a:r>
+                <a:rPr kumimoji="1" lang="ja-JP" altLang="en-US" sz="2000" b="1" dirty="0"/>
+                <a:t>生産性の</a:t>
+              </a:r>
+              <a:r>
+                <a:rPr kumimoji="1" lang="en-US" altLang="ja-JP" sz="2000" b="1" dirty="0"/>
+                <a:t>DX</a:t>
+              </a:r>
+              <a:endParaRPr kumimoji="1" lang="ja-JP" altLang="en-US" sz="2000" b="1" dirty="0"/>
+            </a:p>
+          </p:txBody>
+        </p:sp>
+      </p:grpSp>
+      <p:grpSp>
+        <p:nvGrpSpPr>
+          <p:cNvPr id="10" name="グループ化 9">
+            <a:extLst>
+              <a:ext uri="{FF2B5EF4-FFF2-40B4-BE49-F238E27FC236}">
+                <a16:creationId xmlns:a16="http://schemas.microsoft.com/office/drawing/2014/main" id="{9570FF86-633C-5295-305B-A04F6FF45488}"/>
+              </a:ext>
+            </a:extLst>
+          </p:cNvPr>
+          <p:cNvGrpSpPr/>
+          <p:nvPr/>
+        </p:nvGrpSpPr>
+        <p:grpSpPr>
+          <a:xfrm>
+            <a:off x="8347999" y="4118041"/>
+            <a:ext cx="1929653" cy="726142"/>
+            <a:chOff x="1714500" y="5237629"/>
+            <a:chExt cx="1929653" cy="726142"/>
+          </a:xfrm>
+        </p:grpSpPr>
+        <p:sp>
+          <p:nvSpPr>
+            <p:cNvPr id="11" name="楕円 10">
+              <a:extLst>
+                <a:ext uri="{FF2B5EF4-FFF2-40B4-BE49-F238E27FC236}">
+                  <a16:creationId xmlns:a16="http://schemas.microsoft.com/office/drawing/2014/main" id="{3C90AB29-F61A-1962-A48E-79362A54F746}"/>
+                </a:ext>
+              </a:extLst>
+            </p:cNvPr>
+            <p:cNvSpPr/>
+            <p:nvPr/>
+          </p:nvSpPr>
+          <p:spPr>
+            <a:xfrm>
+              <a:off x="1714500" y="5237629"/>
+              <a:ext cx="1929653" cy="726142"/>
+            </a:xfrm>
+            <a:prstGeom prst="ellipse">
+              <a:avLst/>
+            </a:prstGeom>
+            <a:solidFill>
+              <a:schemeClr val="bg1"/>
+            </a:solidFill>
+            <a:ln w="28575"/>
+          </p:spPr>
+          <p:style>
+            <a:lnRef idx="2">
+              <a:schemeClr val="accent1">
+                <a:shade val="15000"/>
+              </a:schemeClr>
+            </a:lnRef>
+            <a:fillRef idx="1">
+              <a:schemeClr val="accent1"/>
+            </a:fillRef>
+            <a:effectRef idx="0">
+              <a:schemeClr val="accent1"/>
+            </a:effectRef>
+            <a:fontRef idx="minor">
+              <a:schemeClr val="lt1"/>
+            </a:fontRef>
+          </p:style>
+          <p:txBody>
+            <a:bodyPr rtlCol="0" anchor="ctr"/>
+            <a:lstStyle/>
+            <a:p>
+              <a:pPr algn="ctr"/>
+              <a:endParaRPr kumimoji="1" lang="ja-JP" altLang="en-US" b="1"/>
+            </a:p>
+          </p:txBody>
+        </p:sp>
+        <p:sp>
+          <p:nvSpPr>
+            <p:cNvPr id="12" name="テキスト ボックス 11">
+              <a:extLst>
+                <a:ext uri="{FF2B5EF4-FFF2-40B4-BE49-F238E27FC236}">
+                  <a16:creationId xmlns:a16="http://schemas.microsoft.com/office/drawing/2014/main" id="{3F5A7A87-ACD5-59E7-831D-FE59A01710E1}"/>
+                </a:ext>
+              </a:extLst>
+            </p:cNvPr>
+            <p:cNvSpPr txBox="1"/>
+            <p:nvPr/>
+          </p:nvSpPr>
+          <p:spPr>
+            <a:xfrm>
+              <a:off x="1767057" y="5400645"/>
+              <a:ext cx="1824538" cy="400110"/>
+            </a:xfrm>
+            <a:prstGeom prst="rect">
+              <a:avLst/>
+            </a:prstGeom>
+            <a:noFill/>
+            <a:ln w="28575">
+              <a:noFill/>
+            </a:ln>
+          </p:spPr>
+          <p:txBody>
+            <a:bodyPr wrap="none" rtlCol="0">
+              <a:spAutoFit/>
+            </a:bodyPr>
+            <a:lstStyle/>
+            <a:p>
+              <a:r>
+                <a:rPr kumimoji="1" lang="ja-JP" altLang="en-US" sz="2000" b="1" dirty="0"/>
+                <a:t>事業改革の</a:t>
+              </a:r>
+              <a:r>
+                <a:rPr kumimoji="1" lang="en-US" altLang="ja-JP" sz="2000" b="1" dirty="0"/>
+                <a:t>DX</a:t>
+              </a:r>
+              <a:endParaRPr kumimoji="1" lang="ja-JP" altLang="en-US" sz="2000" b="1" dirty="0"/>
+            </a:p>
+          </p:txBody>
+        </p:sp>
+      </p:grpSp>
+      <p:grpSp>
+        <p:nvGrpSpPr>
+          <p:cNvPr id="13" name="グループ化 12">
+            <a:extLst>
+              <a:ext uri="{FF2B5EF4-FFF2-40B4-BE49-F238E27FC236}">
+                <a16:creationId xmlns:a16="http://schemas.microsoft.com/office/drawing/2014/main" id="{7C723BB5-E2D0-4A48-0BB5-A3FA9A17C682}"/>
+              </a:ext>
+            </a:extLst>
+          </p:cNvPr>
+          <p:cNvGrpSpPr/>
+          <p:nvPr/>
+        </p:nvGrpSpPr>
+        <p:grpSpPr>
+          <a:xfrm>
+            <a:off x="4810684" y="4681167"/>
+            <a:ext cx="1929653" cy="726142"/>
+            <a:chOff x="1714500" y="5237629"/>
+            <a:chExt cx="1929653" cy="726142"/>
+          </a:xfrm>
+        </p:grpSpPr>
+        <p:sp>
+          <p:nvSpPr>
+            <p:cNvPr id="14" name="楕円 13">
+              <a:extLst>
+                <a:ext uri="{FF2B5EF4-FFF2-40B4-BE49-F238E27FC236}">
+                  <a16:creationId xmlns:a16="http://schemas.microsoft.com/office/drawing/2014/main" id="{AF0768C1-5181-8AF9-B5D2-036CA0DDDC71}"/>
+                </a:ext>
+              </a:extLst>
+            </p:cNvPr>
+            <p:cNvSpPr/>
+            <p:nvPr/>
+          </p:nvSpPr>
+          <p:spPr>
+            <a:xfrm>
+              <a:off x="1714500" y="5237629"/>
+              <a:ext cx="1929653" cy="726142"/>
+            </a:xfrm>
+            <a:prstGeom prst="ellipse">
+              <a:avLst/>
+            </a:prstGeom>
+            <a:solidFill>
+              <a:schemeClr val="bg1"/>
+            </a:solidFill>
+            <a:ln w="28575">
+              <a:solidFill>
+                <a:srgbClr val="FF0000"/>
+              </a:solidFill>
+            </a:ln>
+          </p:spPr>
+          <p:style>
+            <a:lnRef idx="2">
+              <a:schemeClr val="accent1">
+                <a:shade val="15000"/>
+              </a:schemeClr>
+            </a:lnRef>
+            <a:fillRef idx="1">
+              <a:schemeClr val="accent1"/>
+            </a:fillRef>
+            <a:effectRef idx="0">
+              <a:schemeClr val="accent1"/>
+            </a:effectRef>
+            <a:fontRef idx="minor">
+              <a:schemeClr val="lt1"/>
+            </a:fontRef>
+          </p:style>
+          <p:txBody>
+            <a:bodyPr rtlCol="0" anchor="ctr"/>
+            <a:lstStyle/>
+            <a:p>
+              <a:pPr algn="ctr"/>
+              <a:endParaRPr kumimoji="1" lang="ja-JP" altLang="en-US" b="1"/>
+            </a:p>
+          </p:txBody>
+        </p:sp>
+        <p:sp>
+          <p:nvSpPr>
+            <p:cNvPr id="15" name="テキスト ボックス 14">
+              <a:extLst>
+                <a:ext uri="{FF2B5EF4-FFF2-40B4-BE49-F238E27FC236}">
+                  <a16:creationId xmlns:a16="http://schemas.microsoft.com/office/drawing/2014/main" id="{193C1E99-6441-2D37-DF58-1E493C1F72E8}"/>
+                </a:ext>
+              </a:extLst>
+            </p:cNvPr>
+            <p:cNvSpPr txBox="1"/>
+            <p:nvPr/>
+          </p:nvSpPr>
+          <p:spPr>
+            <a:xfrm>
+              <a:off x="1767057" y="5400645"/>
+              <a:ext cx="1824538" cy="400110"/>
+            </a:xfrm>
+            <a:prstGeom prst="rect">
+              <a:avLst/>
+            </a:prstGeom>
+            <a:noFill/>
+            <a:ln w="28575">
+              <a:noFill/>
+            </a:ln>
+          </p:spPr>
+          <p:txBody>
+            <a:bodyPr wrap="none" rtlCol="0">
+              <a:spAutoFit/>
+            </a:bodyPr>
+            <a:lstStyle/>
+            <a:p>
+              <a:r>
+                <a:rPr lang="ja-JP" altLang="en-US" sz="2000" b="1" dirty="0"/>
+                <a:t>顧客理解</a:t>
+              </a:r>
+              <a:r>
+                <a:rPr kumimoji="1" lang="ja-JP" altLang="en-US" sz="2000" b="1" dirty="0"/>
+                <a:t>の</a:t>
+              </a:r>
+              <a:r>
+                <a:rPr kumimoji="1" lang="en-US" altLang="ja-JP" sz="2000" b="1" dirty="0"/>
+                <a:t>DX</a:t>
+              </a:r>
+              <a:endParaRPr kumimoji="1" lang="ja-JP" altLang="en-US" sz="2000" b="1" dirty="0"/>
+            </a:p>
+          </p:txBody>
+        </p:sp>
+      </p:grpSp>
+      <p:grpSp>
+        <p:nvGrpSpPr>
+          <p:cNvPr id="22" name="グループ化 21">
+            <a:extLst>
+              <a:ext uri="{FF2B5EF4-FFF2-40B4-BE49-F238E27FC236}">
+                <a16:creationId xmlns:a16="http://schemas.microsoft.com/office/drawing/2014/main" id="{16C20691-3CCA-D055-2724-DCBA9FC3A73F}"/>
+              </a:ext>
+            </a:extLst>
+          </p:cNvPr>
+          <p:cNvGrpSpPr/>
+          <p:nvPr/>
+        </p:nvGrpSpPr>
+        <p:grpSpPr>
+          <a:xfrm>
+            <a:off x="976009" y="2699523"/>
+            <a:ext cx="10003515" cy="1465261"/>
+            <a:chOff x="1192687" y="3669261"/>
+            <a:chExt cx="9615052" cy="1483528"/>
+          </a:xfrm>
+        </p:grpSpPr>
+        <p:cxnSp>
+          <p:nvCxnSpPr>
+            <p:cNvPr id="19" name="コネクタ: カギ線 18">
+              <a:extLst>
+                <a:ext uri="{FF2B5EF4-FFF2-40B4-BE49-F238E27FC236}">
+                  <a16:creationId xmlns:a16="http://schemas.microsoft.com/office/drawing/2014/main" id="{85AD591C-E10C-96FA-09B9-73EC6C4AEA7A}"/>
+                </a:ext>
+              </a:extLst>
+            </p:cNvPr>
+            <p:cNvCxnSpPr>
+              <a:cxnSpLocks/>
+            </p:cNvCxnSpPr>
+            <p:nvPr/>
+          </p:nvCxnSpPr>
+          <p:spPr>
+            <a:xfrm flipV="1">
+              <a:off x="1192687" y="4407832"/>
+              <a:ext cx="6249789" cy="744957"/>
+            </a:xfrm>
+            <a:prstGeom prst="bentConnector3">
+              <a:avLst/>
+            </a:prstGeom>
+            <a:ln w="28575">
+              <a:solidFill>
+                <a:schemeClr val="tx1"/>
+              </a:solidFill>
+            </a:ln>
+          </p:spPr>
+          <p:style>
+            <a:lnRef idx="1">
+              <a:schemeClr val="accent1"/>
+            </a:lnRef>
+            <a:fillRef idx="0">
+              <a:schemeClr val="accent1"/>
+            </a:fillRef>
+            <a:effectRef idx="0">
+              <a:schemeClr val="accent1"/>
+            </a:effectRef>
+            <a:fontRef idx="minor">
+              <a:schemeClr val="tx1"/>
+            </a:fontRef>
+          </p:style>
+        </p:cxnSp>
+        <p:cxnSp>
+          <p:nvCxnSpPr>
+            <p:cNvPr id="21" name="コネクタ: カギ線 20">
+              <a:extLst>
+                <a:ext uri="{FF2B5EF4-FFF2-40B4-BE49-F238E27FC236}">
+                  <a16:creationId xmlns:a16="http://schemas.microsoft.com/office/drawing/2014/main" id="{CA48DBCF-AFA0-DE74-CB1A-92F91FA663DD}"/>
+                </a:ext>
+              </a:extLst>
+            </p:cNvPr>
+            <p:cNvCxnSpPr>
+              <a:cxnSpLocks/>
+            </p:cNvCxnSpPr>
+            <p:nvPr/>
+          </p:nvCxnSpPr>
+          <p:spPr>
+            <a:xfrm flipV="1">
+              <a:off x="4398614" y="3669261"/>
+              <a:ext cx="6409125" cy="742677"/>
+            </a:xfrm>
+            <a:prstGeom prst="bentConnector3">
+              <a:avLst/>
+            </a:prstGeom>
+            <a:ln w="28575">
+              <a:solidFill>
+                <a:schemeClr val="tx1"/>
+              </a:solidFill>
+            </a:ln>
+          </p:spPr>
+          <p:style>
+            <a:lnRef idx="1">
+              <a:schemeClr val="accent1"/>
+            </a:lnRef>
+            <a:fillRef idx="0">
+              <a:schemeClr val="accent1"/>
+            </a:fillRef>
+            <a:effectRef idx="0">
+              <a:schemeClr val="accent1"/>
+            </a:effectRef>
+            <a:fontRef idx="minor">
+              <a:schemeClr val="tx1"/>
+            </a:fontRef>
+          </p:style>
+        </p:cxnSp>
+      </p:grpSp>
+      <p:sp>
+        <p:nvSpPr>
+          <p:cNvPr id="23" name="テキスト ボックス 22">
+            <a:extLst>
+              <a:ext uri="{FF2B5EF4-FFF2-40B4-BE49-F238E27FC236}">
+                <a16:creationId xmlns:a16="http://schemas.microsoft.com/office/drawing/2014/main" id="{A90C210B-43FB-C666-6E34-621F89D61C25}"/>
+              </a:ext>
+            </a:extLst>
+          </p:cNvPr>
+          <p:cNvSpPr txBox="1"/>
+          <p:nvPr/>
+        </p:nvSpPr>
+        <p:spPr>
+          <a:xfrm>
+            <a:off x="1482563" y="3541452"/>
+            <a:ext cx="1821332" cy="523220"/>
+          </a:xfrm>
+          <a:prstGeom prst="rect">
+            <a:avLst/>
+          </a:prstGeom>
+          <a:noFill/>
+        </p:spPr>
+        <p:txBody>
+          <a:bodyPr wrap="none" rtlCol="0">
+            <a:spAutoFit/>
+          </a:bodyPr>
+          <a:lstStyle/>
+          <a:p>
+            <a:r>
+              <a:rPr kumimoji="1" lang="ja-JP" altLang="en-US" sz="2800" b="1" dirty="0"/>
+              <a:t>ステップ</a:t>
+            </a:r>
+            <a:r>
+              <a:rPr kumimoji="1" lang="en-US" altLang="ja-JP" sz="2800" b="1" dirty="0"/>
+              <a:t>1</a:t>
+            </a:r>
+            <a:endParaRPr kumimoji="1" lang="ja-JP" altLang="en-US" sz="2800" b="1" dirty="0"/>
+          </a:p>
+        </p:txBody>
+      </p:sp>
+      <p:sp>
+        <p:nvSpPr>
+          <p:cNvPr id="24" name="テキスト ボックス 23">
+            <a:extLst>
+              <a:ext uri="{FF2B5EF4-FFF2-40B4-BE49-F238E27FC236}">
+                <a16:creationId xmlns:a16="http://schemas.microsoft.com/office/drawing/2014/main" id="{4F10DD6A-127D-B29D-1639-9ED05F6D5834}"/>
+              </a:ext>
+            </a:extLst>
+          </p:cNvPr>
+          <p:cNvSpPr txBox="1"/>
+          <p:nvPr/>
+        </p:nvSpPr>
+        <p:spPr>
+          <a:xfrm>
+            <a:off x="4764580" y="2811808"/>
+            <a:ext cx="1821332" cy="523220"/>
+          </a:xfrm>
+          <a:prstGeom prst="rect">
+            <a:avLst/>
+          </a:prstGeom>
+          <a:noFill/>
+        </p:spPr>
+        <p:txBody>
+          <a:bodyPr wrap="none" rtlCol="0">
+            <a:spAutoFit/>
+          </a:bodyPr>
+          <a:lstStyle/>
+          <a:p>
+            <a:r>
+              <a:rPr kumimoji="1" lang="ja-JP" altLang="en-US" sz="2800" b="1" dirty="0"/>
+              <a:t>ステップ</a:t>
+            </a:r>
+            <a:r>
+              <a:rPr kumimoji="1" lang="en-US" altLang="ja-JP" sz="2800" b="1" dirty="0"/>
+              <a:t>2</a:t>
+            </a:r>
+            <a:endParaRPr kumimoji="1" lang="ja-JP" altLang="en-US" sz="2800" b="1" dirty="0"/>
+          </a:p>
+        </p:txBody>
+      </p:sp>
+      <p:sp>
+        <p:nvSpPr>
+          <p:cNvPr id="25" name="テキスト ボックス 24">
+            <a:extLst>
+              <a:ext uri="{FF2B5EF4-FFF2-40B4-BE49-F238E27FC236}">
+                <a16:creationId xmlns:a16="http://schemas.microsoft.com/office/drawing/2014/main" id="{09B81CA4-50D7-B272-77A6-5E52E76B236B}"/>
+              </a:ext>
+            </a:extLst>
+          </p:cNvPr>
+          <p:cNvSpPr txBox="1"/>
+          <p:nvPr/>
+        </p:nvSpPr>
+        <p:spPr>
+          <a:xfrm>
+            <a:off x="8278157" y="2122717"/>
+            <a:ext cx="1821332" cy="523220"/>
+          </a:xfrm>
+          <a:prstGeom prst="rect">
+            <a:avLst/>
+          </a:prstGeom>
+          <a:noFill/>
+        </p:spPr>
+        <p:txBody>
+          <a:bodyPr wrap="none" rtlCol="0">
+            <a:spAutoFit/>
+          </a:bodyPr>
+          <a:lstStyle/>
+          <a:p>
+            <a:r>
+              <a:rPr kumimoji="1" lang="ja-JP" altLang="en-US" sz="2800" b="1" dirty="0"/>
+              <a:t>ステップ</a:t>
+            </a:r>
+            <a:r>
+              <a:rPr lang="en-US" altLang="ja-JP" sz="2800" b="1" dirty="0"/>
+              <a:t>3</a:t>
+            </a:r>
+            <a:endParaRPr kumimoji="1" lang="ja-JP" altLang="en-US" sz="2800" b="1" dirty="0"/>
+          </a:p>
+        </p:txBody>
+      </p:sp>
+      <p:grpSp>
+        <p:nvGrpSpPr>
+          <p:cNvPr id="29" name="グループ化 28">
+            <a:extLst>
+              <a:ext uri="{FF2B5EF4-FFF2-40B4-BE49-F238E27FC236}">
+                <a16:creationId xmlns:a16="http://schemas.microsoft.com/office/drawing/2014/main" id="{E1073B16-FF47-5490-38DA-3A241F9A5FAB}"/>
+              </a:ext>
+            </a:extLst>
+          </p:cNvPr>
+          <p:cNvGrpSpPr/>
+          <p:nvPr/>
+        </p:nvGrpSpPr>
+        <p:grpSpPr>
+          <a:xfrm>
+            <a:off x="4605883" y="1627803"/>
+            <a:ext cx="1946457" cy="954064"/>
+            <a:chOff x="1273369" y="2019179"/>
+            <a:chExt cx="1946457" cy="954064"/>
+          </a:xfrm>
+        </p:grpSpPr>
+        <p:sp>
+          <p:nvSpPr>
+            <p:cNvPr id="26" name="吹き出し: 角を丸めた四角形 25">
+              <a:extLst>
+                <a:ext uri="{FF2B5EF4-FFF2-40B4-BE49-F238E27FC236}">
+                  <a16:creationId xmlns:a16="http://schemas.microsoft.com/office/drawing/2014/main" id="{E7865E61-4665-8AE4-6ADF-EECBF267ACE5}"/>
+                </a:ext>
+              </a:extLst>
+            </p:cNvPr>
+            <p:cNvSpPr/>
+            <p:nvPr/>
+          </p:nvSpPr>
+          <p:spPr>
+            <a:xfrm>
+              <a:off x="1273369" y="2019179"/>
+              <a:ext cx="1946457" cy="954064"/>
+            </a:xfrm>
+            <a:prstGeom prst="wedgeRoundRectCallout">
+              <a:avLst>
+                <a:gd name="adj1" fmla="val -20142"/>
+                <a:gd name="adj2" fmla="val 73776"/>
+                <a:gd name="adj3" fmla="val 16667"/>
+              </a:avLst>
+            </a:prstGeom>
+            <a:solidFill>
+              <a:schemeClr val="bg1"/>
+            </a:solidFill>
+            <a:ln w="28575">
+              <a:solidFill>
+                <a:schemeClr val="tx1"/>
+              </a:solidFill>
+            </a:ln>
+          </p:spPr>
+          <p:style>
+            <a:lnRef idx="2">
+              <a:schemeClr val="accent1">
+                <a:shade val="15000"/>
+              </a:schemeClr>
+            </a:lnRef>
+            <a:fillRef idx="1">
+              <a:schemeClr val="accent1"/>
+            </a:fillRef>
+            <a:effectRef idx="0">
+              <a:schemeClr val="accent1"/>
+            </a:effectRef>
+            <a:fontRef idx="minor">
+              <a:schemeClr val="lt1"/>
+            </a:fontRef>
+          </p:style>
+          <p:txBody>
+            <a:bodyPr rtlCol="0" anchor="ctr"/>
+            <a:lstStyle/>
+            <a:p>
+              <a:pPr algn="ctr"/>
+              <a:endParaRPr kumimoji="1" lang="ja-JP" altLang="en-US" b="1"/>
+            </a:p>
+          </p:txBody>
+        </p:sp>
+        <p:sp>
+          <p:nvSpPr>
+            <p:cNvPr id="28" name="テキスト ボックス 27">
+              <a:extLst>
+                <a:ext uri="{FF2B5EF4-FFF2-40B4-BE49-F238E27FC236}">
+                  <a16:creationId xmlns:a16="http://schemas.microsoft.com/office/drawing/2014/main" id="{B681C0F4-F8A0-3104-CC94-5D8AF4D998AB}"/>
+                </a:ext>
+              </a:extLst>
+            </p:cNvPr>
+            <p:cNvSpPr txBox="1"/>
+            <p:nvPr/>
+          </p:nvSpPr>
+          <p:spPr>
+            <a:xfrm>
+              <a:off x="1424096" y="2361639"/>
+              <a:ext cx="1667444" cy="400110"/>
+            </a:xfrm>
+            <a:prstGeom prst="rect">
+              <a:avLst/>
+            </a:prstGeom>
+            <a:noFill/>
+            <a:ln w="28575">
+              <a:noFill/>
+            </a:ln>
+          </p:spPr>
+          <p:txBody>
+            <a:bodyPr wrap="none" rtlCol="0">
+              <a:spAutoFit/>
+            </a:bodyPr>
+            <a:lstStyle/>
+            <a:p>
+              <a:r>
+                <a:rPr kumimoji="1" lang="en-US" altLang="ja-JP" sz="2000" b="1" dirty="0"/>
+                <a:t>ROI</a:t>
+              </a:r>
+              <a:r>
+                <a:rPr kumimoji="1" lang="ja-JP" altLang="en-US" sz="2000" b="1" dirty="0"/>
+                <a:t>を目指す</a:t>
+              </a:r>
+            </a:p>
+          </p:txBody>
+        </p:sp>
+      </p:grpSp>
+      <p:grpSp>
+        <p:nvGrpSpPr>
+          <p:cNvPr id="30" name="グループ化 29">
+            <a:extLst>
+              <a:ext uri="{FF2B5EF4-FFF2-40B4-BE49-F238E27FC236}">
+                <a16:creationId xmlns:a16="http://schemas.microsoft.com/office/drawing/2014/main" id="{89F6ABDD-83E6-5D3B-C0AC-5D46E9FC025D}"/>
+              </a:ext>
+            </a:extLst>
+          </p:cNvPr>
+          <p:cNvGrpSpPr/>
+          <p:nvPr/>
+        </p:nvGrpSpPr>
+        <p:grpSpPr>
+          <a:xfrm>
+            <a:off x="1454166" y="2365319"/>
+            <a:ext cx="1980029" cy="954064"/>
+            <a:chOff x="1273369" y="2019179"/>
+            <a:chExt cx="1980029" cy="954064"/>
+          </a:xfrm>
+        </p:grpSpPr>
+        <p:sp>
+          <p:nvSpPr>
+            <p:cNvPr id="31" name="吹き出し: 角を丸めた四角形 30">
+              <a:extLst>
+                <a:ext uri="{FF2B5EF4-FFF2-40B4-BE49-F238E27FC236}">
+                  <a16:creationId xmlns:a16="http://schemas.microsoft.com/office/drawing/2014/main" id="{3DB56074-42D4-58A9-8029-3298A8B52170}"/>
+                </a:ext>
+              </a:extLst>
+            </p:cNvPr>
+            <p:cNvSpPr/>
+            <p:nvPr/>
+          </p:nvSpPr>
+          <p:spPr>
+            <a:xfrm>
+              <a:off x="1273369" y="2019179"/>
+              <a:ext cx="1946457" cy="954064"/>
+            </a:xfrm>
+            <a:prstGeom prst="wedgeRoundRectCallout">
+              <a:avLst>
+                <a:gd name="adj1" fmla="val -20142"/>
+                <a:gd name="adj2" fmla="val 73776"/>
+                <a:gd name="adj3" fmla="val 16667"/>
+              </a:avLst>
+            </a:prstGeom>
+            <a:solidFill>
+              <a:schemeClr val="bg1"/>
+            </a:solidFill>
+            <a:ln w="28575">
+              <a:solidFill>
+                <a:schemeClr val="tx1"/>
+              </a:solidFill>
+            </a:ln>
+          </p:spPr>
+          <p:style>
+            <a:lnRef idx="2">
+              <a:schemeClr val="accent1">
+                <a:shade val="15000"/>
+              </a:schemeClr>
+            </a:lnRef>
+            <a:fillRef idx="1">
+              <a:schemeClr val="accent1"/>
+            </a:fillRef>
+            <a:effectRef idx="0">
+              <a:schemeClr val="accent1"/>
+            </a:effectRef>
+            <a:fontRef idx="minor">
+              <a:schemeClr val="lt1"/>
+            </a:fontRef>
+          </p:style>
+          <p:txBody>
+            <a:bodyPr rtlCol="0" anchor="ctr"/>
+            <a:lstStyle/>
+            <a:p>
+              <a:pPr algn="ctr"/>
+              <a:endParaRPr kumimoji="1" lang="ja-JP" altLang="en-US" b="1"/>
+            </a:p>
+          </p:txBody>
+        </p:sp>
+        <p:sp>
+          <p:nvSpPr>
+            <p:cNvPr id="32" name="テキスト ボックス 31">
+              <a:extLst>
+                <a:ext uri="{FF2B5EF4-FFF2-40B4-BE49-F238E27FC236}">
+                  <a16:creationId xmlns:a16="http://schemas.microsoft.com/office/drawing/2014/main" id="{0A572869-A610-CC0F-A0FE-1E9121A4F1EB}"/>
+                </a:ext>
+              </a:extLst>
+            </p:cNvPr>
+            <p:cNvSpPr txBox="1"/>
+            <p:nvPr/>
+          </p:nvSpPr>
+          <p:spPr>
+            <a:xfrm>
+              <a:off x="1273369" y="2143734"/>
+              <a:ext cx="1980029" cy="707886"/>
+            </a:xfrm>
+            <a:prstGeom prst="rect">
+              <a:avLst/>
+            </a:prstGeom>
+            <a:noFill/>
+          </p:spPr>
+          <p:txBody>
+            <a:bodyPr wrap="none" rtlCol="0">
+              <a:spAutoFit/>
+            </a:bodyPr>
+            <a:lstStyle/>
+            <a:p>
+              <a:r>
+                <a:rPr kumimoji="1" lang="en-US" altLang="ja-JP" sz="2000" b="1" dirty="0"/>
+                <a:t>CX</a:t>
+              </a:r>
+              <a:r>
+                <a:rPr kumimoji="1" lang="ja-JP" altLang="en-US" sz="2000" b="1" dirty="0"/>
+                <a:t>・</a:t>
+              </a:r>
+              <a:r>
+                <a:rPr lang="en-US" altLang="ja-JP" sz="2000" b="1" dirty="0"/>
+                <a:t>EX</a:t>
+              </a:r>
+              <a:r>
+                <a:rPr lang="ja-JP" altLang="en-US" sz="2000" b="1" dirty="0"/>
+                <a:t>が向上</a:t>
+              </a:r>
+              <a:endParaRPr lang="en-US" altLang="ja-JP" sz="2000" b="1" dirty="0"/>
+            </a:p>
+            <a:p>
+              <a:r>
+                <a:rPr lang="ja-JP" altLang="en-US" sz="2000" b="1" dirty="0"/>
+                <a:t>することを確認</a:t>
+              </a:r>
+              <a:endParaRPr kumimoji="1" lang="ja-JP" altLang="en-US" sz="2000" b="1" dirty="0"/>
+            </a:p>
+          </p:txBody>
+        </p:sp>
+      </p:grpSp>
+      <p:grpSp>
+        <p:nvGrpSpPr>
+          <p:cNvPr id="33" name="グループ化 32">
+            <a:extLst>
+              <a:ext uri="{FF2B5EF4-FFF2-40B4-BE49-F238E27FC236}">
+                <a16:creationId xmlns:a16="http://schemas.microsoft.com/office/drawing/2014/main" id="{BC85933E-75F3-E0AF-73FA-E13B4589C14F}"/>
+              </a:ext>
+            </a:extLst>
+          </p:cNvPr>
+          <p:cNvGrpSpPr/>
+          <p:nvPr/>
+        </p:nvGrpSpPr>
+        <p:grpSpPr>
+          <a:xfrm>
+            <a:off x="8153032" y="911358"/>
+            <a:ext cx="1946457" cy="954064"/>
+            <a:chOff x="1465880" y="2307633"/>
+            <a:chExt cx="1946457" cy="954064"/>
+          </a:xfrm>
+        </p:grpSpPr>
+        <p:sp>
+          <p:nvSpPr>
+            <p:cNvPr id="34" name="吹き出し: 角を丸めた四角形 33">
+              <a:extLst>
+                <a:ext uri="{FF2B5EF4-FFF2-40B4-BE49-F238E27FC236}">
+                  <a16:creationId xmlns:a16="http://schemas.microsoft.com/office/drawing/2014/main" id="{8786EFAB-F900-5EB6-017D-8E27B5E9E3F7}"/>
+                </a:ext>
+              </a:extLst>
+            </p:cNvPr>
+            <p:cNvSpPr/>
+            <p:nvPr/>
+          </p:nvSpPr>
+          <p:spPr>
+            <a:xfrm>
+              <a:off x="1465880" y="2307633"/>
+              <a:ext cx="1946457" cy="954064"/>
+            </a:xfrm>
+            <a:prstGeom prst="wedgeRoundRectCallout">
+              <a:avLst>
+                <a:gd name="adj1" fmla="val -20142"/>
+                <a:gd name="adj2" fmla="val 73776"/>
+                <a:gd name="adj3" fmla="val 16667"/>
+              </a:avLst>
+            </a:prstGeom>
+            <a:solidFill>
+              <a:schemeClr val="bg1"/>
+            </a:solidFill>
+            <a:ln w="28575">
+              <a:solidFill>
+                <a:schemeClr val="tx1"/>
+              </a:solidFill>
+            </a:ln>
+          </p:spPr>
+          <p:style>
+            <a:lnRef idx="2">
+              <a:schemeClr val="accent1">
+                <a:shade val="15000"/>
+              </a:schemeClr>
+            </a:lnRef>
+            <a:fillRef idx="1">
+              <a:schemeClr val="accent1"/>
+            </a:fillRef>
+            <a:effectRef idx="0">
+              <a:schemeClr val="accent1"/>
+            </a:effectRef>
+            <a:fontRef idx="minor">
+              <a:schemeClr val="lt1"/>
+            </a:fontRef>
+          </p:style>
+          <p:txBody>
+            <a:bodyPr rtlCol="0" anchor="ctr"/>
+            <a:lstStyle/>
+            <a:p>
+              <a:pPr algn="ctr"/>
+              <a:endParaRPr kumimoji="1" lang="ja-JP" altLang="en-US" b="1"/>
+            </a:p>
+          </p:txBody>
+        </p:sp>
+        <p:sp>
+          <p:nvSpPr>
+            <p:cNvPr id="35" name="テキスト ボックス 34">
+              <a:extLst>
+                <a:ext uri="{FF2B5EF4-FFF2-40B4-BE49-F238E27FC236}">
+                  <a16:creationId xmlns:a16="http://schemas.microsoft.com/office/drawing/2014/main" id="{817F0E49-0201-BDFD-143C-E7CD8A63F671}"/>
+                </a:ext>
+              </a:extLst>
+            </p:cNvPr>
+            <p:cNvSpPr txBox="1"/>
+            <p:nvPr/>
+          </p:nvSpPr>
+          <p:spPr>
+            <a:xfrm>
+              <a:off x="1526839" y="2603937"/>
+              <a:ext cx="1824538" cy="400110"/>
+            </a:xfrm>
+            <a:prstGeom prst="rect">
+              <a:avLst/>
+            </a:prstGeom>
+            <a:noFill/>
+            <a:ln w="28575">
+              <a:noFill/>
+            </a:ln>
+          </p:spPr>
+          <p:txBody>
+            <a:bodyPr wrap="none" rtlCol="0">
+              <a:spAutoFit/>
+            </a:bodyPr>
+            <a:lstStyle/>
+            <a:p>
+              <a:r>
+                <a:rPr kumimoji="1" lang="en-US" altLang="ja-JP" sz="2000" b="1" dirty="0"/>
+                <a:t>DX</a:t>
+              </a:r>
+              <a:r>
+                <a:rPr kumimoji="1" lang="ja-JP" altLang="en-US" sz="2000" b="1" dirty="0"/>
+                <a:t>で目指す姿</a:t>
+              </a:r>
+            </a:p>
+          </p:txBody>
+        </p:sp>
+      </p:grpSp>
+      <p:sp>
+        <p:nvSpPr>
+          <p:cNvPr id="36" name="テキスト ボックス 35">
+            <a:extLst>
+              <a:ext uri="{FF2B5EF4-FFF2-40B4-BE49-F238E27FC236}">
+                <a16:creationId xmlns:a16="http://schemas.microsoft.com/office/drawing/2014/main" id="{AA1FEC8E-968B-7635-6722-1D91BBDCD321}"/>
+              </a:ext>
+            </a:extLst>
+          </p:cNvPr>
+          <p:cNvSpPr txBox="1"/>
+          <p:nvPr/>
+        </p:nvSpPr>
+        <p:spPr>
+          <a:xfrm>
+            <a:off x="1273369" y="4173335"/>
+            <a:ext cx="2492990" cy="1015663"/>
+          </a:xfrm>
+          <a:prstGeom prst="rect">
+            <a:avLst/>
+          </a:prstGeom>
+          <a:noFill/>
+        </p:spPr>
+        <p:txBody>
+          <a:bodyPr wrap="none" rtlCol="0">
+            <a:spAutoFit/>
+          </a:bodyPr>
+          <a:lstStyle/>
+          <a:p>
+            <a:r>
+              <a:rPr kumimoji="1" lang="ja-JP" altLang="en-US" sz="2000" b="1" dirty="0"/>
+              <a:t>チャットボットで</a:t>
+            </a:r>
+            <a:endParaRPr kumimoji="1" lang="en-US" altLang="ja-JP" sz="2000" b="1" dirty="0"/>
+          </a:p>
+          <a:p>
+            <a:r>
+              <a:rPr lang="ja-JP" altLang="en-US" sz="2000" b="1" dirty="0"/>
+              <a:t>・機会損失削減</a:t>
+            </a:r>
+            <a:endParaRPr lang="en-US" altLang="ja-JP" sz="2000" b="1" dirty="0"/>
+          </a:p>
+          <a:p>
+            <a:r>
+              <a:rPr kumimoji="1" lang="ja-JP" altLang="en-US" sz="2000" b="1" dirty="0"/>
+              <a:t>・顧客接点を増やす</a:t>
+            </a:r>
+          </a:p>
+        </p:txBody>
+      </p:sp>
+      <p:sp>
+        <p:nvSpPr>
+          <p:cNvPr id="37" name="テキスト ボックス 36">
+            <a:extLst>
+              <a:ext uri="{FF2B5EF4-FFF2-40B4-BE49-F238E27FC236}">
+                <a16:creationId xmlns:a16="http://schemas.microsoft.com/office/drawing/2014/main" id="{24098E91-E681-C5EF-8BC4-69B78EE73D73}"/>
+              </a:ext>
+            </a:extLst>
+          </p:cNvPr>
+          <p:cNvSpPr txBox="1"/>
+          <p:nvPr/>
+        </p:nvSpPr>
+        <p:spPr>
+          <a:xfrm>
+            <a:off x="4472348" y="3534854"/>
+            <a:ext cx="3005951" cy="1015663"/>
+          </a:xfrm>
+          <a:prstGeom prst="rect">
+            <a:avLst/>
+          </a:prstGeom>
+          <a:noFill/>
+        </p:spPr>
+        <p:txBody>
+          <a:bodyPr wrap="none" rtlCol="0">
+            <a:spAutoFit/>
+          </a:bodyPr>
+          <a:lstStyle/>
+          <a:p>
+            <a:r>
+              <a:rPr kumimoji="1" lang="ja-JP" altLang="en-US" sz="2000" b="1" dirty="0"/>
+              <a:t>・機会損失をゼロに</a:t>
+            </a:r>
+            <a:endParaRPr kumimoji="1" lang="en-US" altLang="ja-JP" sz="2000" b="1" dirty="0"/>
+          </a:p>
+          <a:p>
+            <a:r>
+              <a:rPr lang="ja-JP" altLang="en-US" sz="2000" b="1" dirty="0"/>
+              <a:t>・デジタルチャネルの</a:t>
+            </a:r>
+            <a:endParaRPr lang="en-US" altLang="ja-JP" sz="2000" b="1" dirty="0"/>
+          </a:p>
+          <a:p>
+            <a:r>
+              <a:rPr lang="ja-JP" altLang="en-US" sz="2000" b="1" dirty="0"/>
+              <a:t>データ活用で販売を拡大</a:t>
+            </a:r>
+            <a:endParaRPr kumimoji="1" lang="ja-JP" altLang="en-US" sz="2000" b="1" dirty="0"/>
+          </a:p>
+        </p:txBody>
+      </p:sp>
+      <p:sp>
+        <p:nvSpPr>
+          <p:cNvPr id="38" name="テキスト ボックス 37">
+            <a:extLst>
+              <a:ext uri="{FF2B5EF4-FFF2-40B4-BE49-F238E27FC236}">
+                <a16:creationId xmlns:a16="http://schemas.microsoft.com/office/drawing/2014/main" id="{6371BB5D-1D2D-0A21-EB48-48186696DBD4}"/>
+              </a:ext>
+            </a:extLst>
+          </p:cNvPr>
+          <p:cNvSpPr txBox="1"/>
+          <p:nvPr/>
+        </p:nvSpPr>
+        <p:spPr>
+          <a:xfrm>
+            <a:off x="7803255" y="3004020"/>
+            <a:ext cx="3262432" cy="1015663"/>
+          </a:xfrm>
+          <a:prstGeom prst="rect">
+            <a:avLst/>
+          </a:prstGeom>
+          <a:noFill/>
+        </p:spPr>
+        <p:txBody>
+          <a:bodyPr wrap="none" rtlCol="0">
+            <a:spAutoFit/>
+          </a:bodyPr>
+          <a:lstStyle/>
+          <a:p>
+            <a:r>
+              <a:rPr kumimoji="1" lang="ja-JP" altLang="en-US" sz="2000" b="1" dirty="0"/>
+              <a:t>・収集した顧客データ</a:t>
+            </a:r>
+            <a:endParaRPr kumimoji="1" lang="en-US" altLang="ja-JP" sz="2000" b="1" dirty="0"/>
+          </a:p>
+          <a:p>
+            <a:r>
+              <a:rPr kumimoji="1" lang="ja-JP" altLang="en-US" sz="2000" b="1" dirty="0"/>
+              <a:t>をもとに、</a:t>
+            </a:r>
+            <a:r>
+              <a:rPr lang="ja-JP" altLang="en-US" sz="2000" b="1" dirty="0"/>
+              <a:t>既存事業の枠を</a:t>
+            </a:r>
+            <a:endParaRPr lang="en-US" altLang="ja-JP" sz="2000" b="1" dirty="0"/>
+          </a:p>
+          <a:p>
+            <a:r>
+              <a:rPr lang="ja-JP" altLang="en-US" sz="2000" b="1" dirty="0"/>
+              <a:t>超えた新しいサービス提供</a:t>
+            </a:r>
+            <a:endParaRPr kumimoji="1" lang="ja-JP" altLang="en-US" sz="2000" b="1" dirty="0"/>
+          </a:p>
+        </p:txBody>
+      </p:sp>
+    </p:spTree>
+    <p:extLst>
+      <p:ext uri="{BB962C8B-B14F-4D97-AF65-F5344CB8AC3E}">
+        <p14:creationId xmlns:p14="http://schemas.microsoft.com/office/powerpoint/2010/main" val="4123977935"/>
+      </p:ext>
+    </p:extLst>
+  </p:cSld>
+  <p:clrMapOvr>
+    <a:masterClrMapping/>
+  </p:clrMapOvr>
+</p:sld>
+</file>
+
+<file path=ppt/slides/slide11.xml><?xml version="1.0" encoding="utf-8"?>
+<p:sld xmlns:a="http://schemas.openxmlformats.org/drawingml/2006/main" xmlns:r="http://schemas.openxmlformats.org/officeDocument/2006/relationships" xmlns:p="http://schemas.openxmlformats.org/presentationml/2006/main">
+  <p:cSld>
+    <p:spTree>
+      <p:nvGrpSpPr>
+        <p:cNvPr id="1" name="">
+          <a:extLst>
+            <a:ext uri="{FF2B5EF4-FFF2-40B4-BE49-F238E27FC236}">
+              <a16:creationId xmlns:a16="http://schemas.microsoft.com/office/drawing/2014/main" id="{2903B850-EFFA-A618-1C38-21C50FCD979C}"/>
+            </a:ext>
+          </a:extLst>
+        </p:cNvPr>
+        <p:cNvGrpSpPr/>
+        <p:nvPr/>
+      </p:nvGrpSpPr>
+      <p:grpSpPr>
+        <a:xfrm>
+          <a:off x="0" y="0"/>
+          <a:ext cx="0" cy="0"/>
+          <a:chOff x="0" y="0"/>
+          <a:chExt cx="0" cy="0"/>
+        </a:xfrm>
+      </p:grpSpPr>
+      <p:sp>
+        <p:nvSpPr>
+          <p:cNvPr id="2" name="タイトル 1">
+            <a:extLst>
+              <a:ext uri="{FF2B5EF4-FFF2-40B4-BE49-F238E27FC236}">
+                <a16:creationId xmlns:a16="http://schemas.microsoft.com/office/drawing/2014/main" id="{F54A6D01-DFEA-37B8-440F-C746F0B2D3E3}"/>
+              </a:ext>
+            </a:extLst>
+          </p:cNvPr>
+          <p:cNvSpPr>
+            <a:spLocks noGrp="1"/>
+          </p:cNvSpPr>
+          <p:nvPr>
+            <p:ph type="title"/>
+          </p:nvPr>
+        </p:nvSpPr>
+        <p:spPr/>
+        <p:txBody>
+          <a:bodyPr/>
+          <a:lstStyle/>
+          <a:p>
+            <a:r>
+              <a:rPr kumimoji="1" lang="ja-JP" altLang="en-US" dirty="0"/>
+              <a:t>例</a:t>
+            </a:r>
+          </a:p>
+        </p:txBody>
+      </p:sp>
+      <p:sp>
+        <p:nvSpPr>
+          <p:cNvPr id="3" name="コンテンツ プレースホルダー 2">
+            <a:extLst>
+              <a:ext uri="{FF2B5EF4-FFF2-40B4-BE49-F238E27FC236}">
+                <a16:creationId xmlns:a16="http://schemas.microsoft.com/office/drawing/2014/main" id="{E1C77AEA-0A63-076F-16D8-51AEE0FEA4CF}"/>
+              </a:ext>
+            </a:extLst>
+          </p:cNvPr>
+          <p:cNvSpPr>
+            <a:spLocks noGrp="1"/>
+          </p:cNvSpPr>
+          <p:nvPr>
+            <p:ph idx="1"/>
+          </p:nvPr>
+        </p:nvSpPr>
+        <p:spPr/>
+        <p:txBody>
+          <a:bodyPr/>
+          <a:lstStyle/>
+          <a:p>
+            <a:r>
+              <a:rPr kumimoji="1" lang="ja-JP" altLang="en-US" dirty="0"/>
+              <a:t>あ</a:t>
+            </a:r>
+            <a:endParaRPr kumimoji="1" lang="en-US" altLang="ja-JP" dirty="0"/>
+          </a:p>
+          <a:p>
+            <a:pPr lvl="1"/>
+            <a:r>
+              <a:rPr lang="ja-JP" altLang="en-US" dirty="0"/>
+              <a:t>あ</a:t>
+            </a:r>
+            <a:endParaRPr lang="en-US" altLang="ja-JP" dirty="0"/>
+          </a:p>
+          <a:p>
+            <a:pPr lvl="1"/>
+            <a:r>
+              <a:rPr kumimoji="1" lang="ja-JP" altLang="en-US" dirty="0"/>
+              <a:t>あ</a:t>
+            </a:r>
+            <a:endParaRPr kumimoji="1" lang="en-US" altLang="ja-JP" dirty="0"/>
+          </a:p>
+          <a:p>
+            <a:pPr lvl="1"/>
+            <a:r>
+              <a:rPr lang="ja-JP" altLang="en-US" dirty="0"/>
+              <a:t>あ</a:t>
+            </a:r>
+            <a:endParaRPr lang="en-US" altLang="ja-JP" dirty="0"/>
+          </a:p>
+          <a:p>
+            <a:pPr lvl="1"/>
+            <a:r>
+              <a:rPr kumimoji="1" lang="ja-JP" altLang="en-US" dirty="0"/>
+              <a:t>あ</a:t>
+            </a:r>
+          </a:p>
+        </p:txBody>
+      </p:sp>
+      <p:pic>
+        <p:nvPicPr>
+          <p:cNvPr id="5" name="図 4">
+            <a:extLst>
+              <a:ext uri="{FF2B5EF4-FFF2-40B4-BE49-F238E27FC236}">
+                <a16:creationId xmlns:a16="http://schemas.microsoft.com/office/drawing/2014/main" id="{8272E448-D2BC-F75A-60B5-183344E6F3AB}"/>
+              </a:ext>
+            </a:extLst>
+          </p:cNvPr>
+          <p:cNvPicPr>
+            <a:picLocks noChangeAspect="1"/>
+          </p:cNvPicPr>
+          <p:nvPr/>
+        </p:nvPicPr>
+        <p:blipFill>
+          <a:blip r:embed="rId2"/>
+          <a:stretch>
+            <a:fillRect/>
+          </a:stretch>
+        </p:blipFill>
+        <p:spPr>
+          <a:xfrm>
+            <a:off x="5089712" y="2903557"/>
+            <a:ext cx="6793006" cy="3589318"/>
+          </a:xfrm>
+          <a:prstGeom prst="rect">
+            <a:avLst/>
+          </a:prstGeom>
+          <a:ln>
+            <a:solidFill>
+              <a:schemeClr val="tx1"/>
+            </a:solidFill>
+          </a:ln>
+        </p:spPr>
+      </p:pic>
+    </p:spTree>
+    <p:extLst>
+      <p:ext uri="{BB962C8B-B14F-4D97-AF65-F5344CB8AC3E}">
+        <p14:creationId xmlns:p14="http://schemas.microsoft.com/office/powerpoint/2010/main" val="3398569011"/>
+      </p:ext>
+    </p:extLst>
+  </p:cSld>
+  <p:clrMapOvr>
+    <a:masterClrMapping/>
+  </p:clrMapOvr>
+</p:sld>
+</file>
+
+<file path=ppt/slides/slide12.xml><?xml version="1.0" encoding="utf-8"?>
+<p:sld xmlns:a="http://schemas.openxmlformats.org/drawingml/2006/main" xmlns:r="http://schemas.openxmlformats.org/officeDocument/2006/relationships" xmlns:p="http://schemas.openxmlformats.org/presentationml/2006/main">
+  <p:cSld>
+    <p:spTree>
+      <p:nvGrpSpPr>
+        <p:cNvPr id="1" name="">
+          <a:extLst>
+            <a:ext uri="{FF2B5EF4-FFF2-40B4-BE49-F238E27FC236}">
+              <a16:creationId xmlns:a16="http://schemas.microsoft.com/office/drawing/2014/main" id="{6DF0F5BB-4DC3-2BBF-C8C5-D247BA314374}"/>
+            </a:ext>
+          </a:extLst>
+        </p:cNvPr>
+        <p:cNvGrpSpPr/>
+        <p:nvPr/>
+      </p:nvGrpSpPr>
+      <p:grpSpPr>
+        <a:xfrm>
+          <a:off x="0" y="0"/>
+          <a:ext cx="0" cy="0"/>
+          <a:chOff x="0" y="0"/>
+          <a:chExt cx="0" cy="0"/>
+        </a:xfrm>
+      </p:grpSpPr>
+      <p:sp>
+        <p:nvSpPr>
+          <p:cNvPr id="2" name="タイトル 1">
+            <a:extLst>
+              <a:ext uri="{FF2B5EF4-FFF2-40B4-BE49-F238E27FC236}">
+                <a16:creationId xmlns:a16="http://schemas.microsoft.com/office/drawing/2014/main" id="{4B959402-F0C7-7827-1F15-8010D6C202C8}"/>
+              </a:ext>
+            </a:extLst>
+          </p:cNvPr>
+          <p:cNvSpPr>
+            <a:spLocks noGrp="1"/>
+          </p:cNvSpPr>
+          <p:nvPr>
+            <p:ph type="title"/>
+          </p:nvPr>
+        </p:nvSpPr>
+        <p:spPr/>
+        <p:txBody>
+          <a:bodyPr/>
+          <a:lstStyle/>
+          <a:p>
+            <a:r>
+              <a:rPr kumimoji="1" lang="ja-JP" altLang="en-US" dirty="0"/>
+              <a:t>業務フロー図</a:t>
+            </a:r>
+          </a:p>
+        </p:txBody>
+      </p:sp>
+      <p:pic>
+        <p:nvPicPr>
+          <p:cNvPr id="6" name="図 5">
+            <a:extLst>
+              <a:ext uri="{FF2B5EF4-FFF2-40B4-BE49-F238E27FC236}">
+                <a16:creationId xmlns:a16="http://schemas.microsoft.com/office/drawing/2014/main" id="{EAC387BE-C6A8-D00E-4D94-813751D72663}"/>
+              </a:ext>
+            </a:extLst>
+          </p:cNvPr>
+          <p:cNvPicPr>
+            <a:picLocks noChangeAspect="1"/>
+          </p:cNvPicPr>
+          <p:nvPr/>
+        </p:nvPicPr>
+        <p:blipFill>
+          <a:blip r:embed="rId2"/>
+          <a:stretch>
+            <a:fillRect/>
+          </a:stretch>
+        </p:blipFill>
+        <p:spPr>
+          <a:xfrm>
+            <a:off x="744071" y="1885671"/>
+            <a:ext cx="10283327" cy="4367212"/>
+          </a:xfrm>
+          <a:prstGeom prst="rect">
+            <a:avLst/>
+          </a:prstGeom>
+        </p:spPr>
+      </p:pic>
+    </p:spTree>
+    <p:extLst>
+      <p:ext uri="{BB962C8B-B14F-4D97-AF65-F5344CB8AC3E}">
+        <p14:creationId xmlns:p14="http://schemas.microsoft.com/office/powerpoint/2010/main" val="1137190524"/>
+      </p:ext>
+    </p:extLst>
+  </p:cSld>
+  <p:clrMapOvr>
+    <a:masterClrMapping/>
+  </p:clrMapOvr>
+</p:sld>
+</file>
+
+<file path=ppt/slides/slide13.xml><?xml version="1.0" encoding="utf-8"?>
+<p:sld xmlns:a="http://schemas.openxmlformats.org/drawingml/2006/main" xmlns:r="http://schemas.openxmlformats.org/officeDocument/2006/relationships" xmlns:p="http://schemas.openxmlformats.org/presentationml/2006/main">
+  <p:cSld>
+    <p:spTree>
+      <p:nvGrpSpPr>
+        <p:cNvPr id="1" name="">
+          <a:extLst>
+            <a:ext uri="{FF2B5EF4-FFF2-40B4-BE49-F238E27FC236}">
+              <a16:creationId xmlns:a16="http://schemas.microsoft.com/office/drawing/2014/main" id="{9FD45412-32B4-0C10-5D4B-AAB9409321C9}"/>
+            </a:ext>
+          </a:extLst>
+        </p:cNvPr>
+        <p:cNvGrpSpPr/>
+        <p:nvPr/>
+      </p:nvGrpSpPr>
+      <p:grpSpPr>
+        <a:xfrm>
+          <a:off x="0" y="0"/>
+          <a:ext cx="0" cy="0"/>
+          <a:chOff x="0" y="0"/>
+          <a:chExt cx="0" cy="0"/>
+        </a:xfrm>
+      </p:grpSpPr>
+      <p:sp>
+        <p:nvSpPr>
+          <p:cNvPr id="2" name="タイトル 1">
+            <a:extLst>
+              <a:ext uri="{FF2B5EF4-FFF2-40B4-BE49-F238E27FC236}">
+                <a16:creationId xmlns:a16="http://schemas.microsoft.com/office/drawing/2014/main" id="{CD0CA7EB-DB1B-42FB-2B99-31CF1592BC73}"/>
+              </a:ext>
+            </a:extLst>
+          </p:cNvPr>
+          <p:cNvSpPr>
+            <a:spLocks noGrp="1"/>
+          </p:cNvSpPr>
+          <p:nvPr>
+            <p:ph type="title"/>
+          </p:nvPr>
+        </p:nvSpPr>
+        <p:spPr/>
+        <p:txBody>
+          <a:bodyPr/>
+          <a:lstStyle/>
+          <a:p>
+            <a:r>
+              <a:rPr kumimoji="1" lang="ja-JP" altLang="en-US" dirty="0"/>
+              <a:t>テスト</a:t>
+            </a:r>
+          </a:p>
+        </p:txBody>
+      </p:sp>
+      <p:grpSp>
+        <p:nvGrpSpPr>
+          <p:cNvPr id="48" name="グループ化 47">
+            <a:extLst>
+              <a:ext uri="{FF2B5EF4-FFF2-40B4-BE49-F238E27FC236}">
+                <a16:creationId xmlns:a16="http://schemas.microsoft.com/office/drawing/2014/main" id="{D0F83DAE-5FCE-5EBB-84EC-8403056A32CD}"/>
+              </a:ext>
+            </a:extLst>
+          </p:cNvPr>
+          <p:cNvGrpSpPr/>
+          <p:nvPr/>
+        </p:nvGrpSpPr>
+        <p:grpSpPr>
+          <a:xfrm>
+            <a:off x="934572" y="2141871"/>
+            <a:ext cx="10468534" cy="4351004"/>
+            <a:chOff x="934572" y="2141871"/>
+            <a:chExt cx="10468534" cy="4351004"/>
+          </a:xfrm>
+        </p:grpSpPr>
+        <p:cxnSp>
+          <p:nvCxnSpPr>
+            <p:cNvPr id="11" name="直線コネクタ 10">
+              <a:extLst>
+                <a:ext uri="{FF2B5EF4-FFF2-40B4-BE49-F238E27FC236}">
+                  <a16:creationId xmlns:a16="http://schemas.microsoft.com/office/drawing/2014/main" id="{6E71F4B5-8049-BEDA-9062-81BFDC3FECCB}"/>
+                </a:ext>
+              </a:extLst>
+            </p:cNvPr>
+            <p:cNvCxnSpPr>
+              <a:cxnSpLocks/>
+            </p:cNvCxnSpPr>
+            <p:nvPr/>
+          </p:nvCxnSpPr>
+          <p:spPr>
+            <a:xfrm>
+              <a:off x="2548217" y="2141871"/>
+              <a:ext cx="3547783" cy="4320000"/>
+            </a:xfrm>
+            <a:prstGeom prst="line">
+              <a:avLst/>
+            </a:prstGeom>
+            <a:ln w="38100">
+              <a:solidFill>
+                <a:schemeClr val="tx1"/>
+              </a:solidFill>
+            </a:ln>
+          </p:spPr>
+          <p:style>
+            <a:lnRef idx="1">
+              <a:schemeClr val="accent1"/>
+            </a:lnRef>
+            <a:fillRef idx="0">
+              <a:schemeClr val="accent1"/>
+            </a:fillRef>
+            <a:effectRef idx="0">
+              <a:schemeClr val="accent1"/>
+            </a:effectRef>
+            <a:fontRef idx="minor">
+              <a:schemeClr val="tx1"/>
+            </a:fontRef>
+          </p:style>
+        </p:cxnSp>
+        <p:sp>
+          <p:nvSpPr>
+            <p:cNvPr id="15" name="四角形: 角を丸くする 14">
+              <a:extLst>
+                <a:ext uri="{FF2B5EF4-FFF2-40B4-BE49-F238E27FC236}">
+                  <a16:creationId xmlns:a16="http://schemas.microsoft.com/office/drawing/2014/main" id="{9502DA92-E25C-EEEC-5402-0E3C17C36FA1}"/>
+                </a:ext>
+              </a:extLst>
+            </p:cNvPr>
+            <p:cNvSpPr/>
+            <p:nvPr/>
+          </p:nvSpPr>
+          <p:spPr>
+            <a:xfrm>
+              <a:off x="934572" y="2542068"/>
+              <a:ext cx="1976718" cy="826994"/>
+            </a:xfrm>
+            <a:prstGeom prst="roundRect">
+              <a:avLst/>
+            </a:prstGeom>
+            <a:solidFill>
+              <a:schemeClr val="bg1"/>
+            </a:solidFill>
+            <a:ln w="28575">
+              <a:solidFill>
+                <a:schemeClr val="tx1"/>
+              </a:solidFill>
+            </a:ln>
+          </p:spPr>
+          <p:style>
+            <a:lnRef idx="2">
+              <a:schemeClr val="accent1">
+                <a:shade val="15000"/>
+              </a:schemeClr>
+            </a:lnRef>
+            <a:fillRef idx="1">
+              <a:schemeClr val="accent1"/>
+            </a:fillRef>
+            <a:effectRef idx="0">
+              <a:schemeClr val="accent1"/>
+            </a:effectRef>
+            <a:fontRef idx="minor">
+              <a:schemeClr val="lt1"/>
+            </a:fontRef>
+          </p:style>
+          <p:txBody>
+            <a:bodyPr rtlCol="0" anchor="ctr"/>
+            <a:lstStyle/>
+            <a:p>
+              <a:pPr algn="ctr"/>
+              <a:r>
+                <a:rPr kumimoji="1" lang="ja-JP" altLang="en-US" sz="2800" b="1" dirty="0">
+                  <a:solidFill>
+                    <a:schemeClr val="tx1"/>
+                  </a:solidFill>
+                </a:rPr>
+                <a:t>要件定義</a:t>
+              </a:r>
+            </a:p>
+          </p:txBody>
+        </p:sp>
+        <p:sp>
+          <p:nvSpPr>
+            <p:cNvPr id="16" name="四角形: 角を丸くする 15">
+              <a:extLst>
+                <a:ext uri="{FF2B5EF4-FFF2-40B4-BE49-F238E27FC236}">
+                  <a16:creationId xmlns:a16="http://schemas.microsoft.com/office/drawing/2014/main" id="{555B6301-8D67-EBB6-107E-857008E51B5F}"/>
+                </a:ext>
+              </a:extLst>
+            </p:cNvPr>
+            <p:cNvSpPr/>
+            <p:nvPr/>
+          </p:nvSpPr>
+          <p:spPr>
+            <a:xfrm>
+              <a:off x="2985248" y="5335537"/>
+              <a:ext cx="1976718" cy="826994"/>
+            </a:xfrm>
+            <a:prstGeom prst="roundRect">
+              <a:avLst/>
+            </a:prstGeom>
+            <a:solidFill>
+              <a:schemeClr val="bg1"/>
+            </a:solidFill>
+            <a:ln w="28575">
+              <a:solidFill>
+                <a:schemeClr val="tx1"/>
+              </a:solidFill>
+            </a:ln>
+          </p:spPr>
+          <p:style>
+            <a:lnRef idx="2">
+              <a:schemeClr val="accent1">
+                <a:shade val="15000"/>
+              </a:schemeClr>
+            </a:lnRef>
+            <a:fillRef idx="1">
+              <a:schemeClr val="accent1"/>
+            </a:fillRef>
+            <a:effectRef idx="0">
+              <a:schemeClr val="accent1"/>
+            </a:effectRef>
+            <a:fontRef idx="minor">
+              <a:schemeClr val="lt1"/>
+            </a:fontRef>
+          </p:style>
+          <p:txBody>
+            <a:bodyPr rtlCol="0" anchor="ctr"/>
+            <a:lstStyle/>
+            <a:p>
+              <a:pPr algn="ctr"/>
+              <a:r>
+                <a:rPr kumimoji="1" lang="ja-JP" altLang="en-US" sz="2800" b="1" dirty="0">
+                  <a:solidFill>
+                    <a:schemeClr val="tx1"/>
+                  </a:solidFill>
+                </a:rPr>
+                <a:t>開発</a:t>
+              </a:r>
+            </a:p>
+          </p:txBody>
+        </p:sp>
+        <p:cxnSp>
+          <p:nvCxnSpPr>
+            <p:cNvPr id="19" name="直線コネクタ 18">
+              <a:extLst>
+                <a:ext uri="{FF2B5EF4-FFF2-40B4-BE49-F238E27FC236}">
+                  <a16:creationId xmlns:a16="http://schemas.microsoft.com/office/drawing/2014/main" id="{4D0A5A9D-EAD4-88C9-AA1E-2D6341028920}"/>
+                </a:ext>
+              </a:extLst>
+            </p:cNvPr>
+            <p:cNvCxnSpPr>
+              <a:cxnSpLocks/>
+            </p:cNvCxnSpPr>
+            <p:nvPr/>
+          </p:nvCxnSpPr>
+          <p:spPr>
+            <a:xfrm flipH="1">
+              <a:off x="6096000" y="2172875"/>
+              <a:ext cx="3541059" cy="4320000"/>
+            </a:xfrm>
+            <a:prstGeom prst="line">
+              <a:avLst/>
+            </a:prstGeom>
+            <a:ln w="38100">
+              <a:solidFill>
+                <a:schemeClr val="tx1"/>
+              </a:solidFill>
+            </a:ln>
+          </p:spPr>
+          <p:style>
+            <a:lnRef idx="1">
+              <a:schemeClr val="accent1"/>
+            </a:lnRef>
+            <a:fillRef idx="0">
+              <a:schemeClr val="accent1"/>
+            </a:fillRef>
+            <a:effectRef idx="0">
+              <a:schemeClr val="accent1"/>
+            </a:effectRef>
+            <a:fontRef idx="minor">
+              <a:schemeClr val="tx1"/>
+            </a:fontRef>
+          </p:style>
+        </p:cxnSp>
+        <p:sp>
+          <p:nvSpPr>
+            <p:cNvPr id="22" name="四角形: 角を丸くする 21">
+              <a:extLst>
+                <a:ext uri="{FF2B5EF4-FFF2-40B4-BE49-F238E27FC236}">
+                  <a16:creationId xmlns:a16="http://schemas.microsoft.com/office/drawing/2014/main" id="{0B09DC4C-9AFA-D02E-0D50-2E20D91980CD}"/>
+                </a:ext>
+              </a:extLst>
+            </p:cNvPr>
+            <p:cNvSpPr/>
+            <p:nvPr/>
+          </p:nvSpPr>
+          <p:spPr>
+            <a:xfrm>
+              <a:off x="9280710" y="2542068"/>
+              <a:ext cx="2122396" cy="826994"/>
+            </a:xfrm>
+            <a:prstGeom prst="roundRect">
+              <a:avLst/>
+            </a:prstGeom>
+            <a:solidFill>
+              <a:schemeClr val="bg1"/>
+            </a:solidFill>
+            <a:ln w="28575">
+              <a:solidFill>
+                <a:schemeClr val="tx1"/>
+              </a:solidFill>
+            </a:ln>
+          </p:spPr>
+          <p:style>
+            <a:lnRef idx="2">
+              <a:schemeClr val="accent1">
+                <a:shade val="15000"/>
+              </a:schemeClr>
+            </a:lnRef>
+            <a:fillRef idx="1">
+              <a:schemeClr val="accent1"/>
+            </a:fillRef>
+            <a:effectRef idx="0">
+              <a:schemeClr val="accent1"/>
+            </a:effectRef>
+            <a:fontRef idx="minor">
+              <a:schemeClr val="lt1"/>
+            </a:fontRef>
+          </p:style>
+          <p:txBody>
+            <a:bodyPr rtlCol="0" anchor="ctr"/>
+            <a:lstStyle/>
+            <a:p>
+              <a:pPr algn="ctr"/>
+              <a:r>
+                <a:rPr kumimoji="1" lang="ja-JP" altLang="en-US" sz="2800" b="1" dirty="0">
+                  <a:solidFill>
+                    <a:schemeClr val="tx1"/>
+                  </a:solidFill>
+                </a:rPr>
+                <a:t>受入テスト</a:t>
+              </a:r>
+            </a:p>
+          </p:txBody>
+        </p:sp>
+        <p:sp>
+          <p:nvSpPr>
+            <p:cNvPr id="23" name="四角形: 角を丸くする 22">
+              <a:extLst>
+                <a:ext uri="{FF2B5EF4-FFF2-40B4-BE49-F238E27FC236}">
+                  <a16:creationId xmlns:a16="http://schemas.microsoft.com/office/drawing/2014/main" id="{5875AC31-742E-EF1D-4345-E5A0BF4BB4C4}"/>
+                </a:ext>
+              </a:extLst>
+            </p:cNvPr>
+            <p:cNvSpPr/>
+            <p:nvPr/>
+          </p:nvSpPr>
+          <p:spPr>
+            <a:xfrm>
+              <a:off x="7474324" y="5335537"/>
+              <a:ext cx="1976718" cy="826994"/>
+            </a:xfrm>
+            <a:prstGeom prst="roundRect">
+              <a:avLst/>
+            </a:prstGeom>
+            <a:solidFill>
+              <a:schemeClr val="bg1"/>
+            </a:solidFill>
+            <a:ln w="28575">
+              <a:solidFill>
+                <a:schemeClr val="tx1"/>
+              </a:solidFill>
+            </a:ln>
+          </p:spPr>
+          <p:style>
+            <a:lnRef idx="2">
+              <a:schemeClr val="accent1">
+                <a:shade val="15000"/>
+              </a:schemeClr>
+            </a:lnRef>
+            <a:fillRef idx="1">
+              <a:schemeClr val="accent1"/>
+            </a:fillRef>
+            <a:effectRef idx="0">
+              <a:schemeClr val="accent1"/>
+            </a:effectRef>
+            <a:fontRef idx="minor">
+              <a:schemeClr val="lt1"/>
+            </a:fontRef>
+          </p:style>
+          <p:txBody>
+            <a:bodyPr rtlCol="0" anchor="ctr"/>
+            <a:lstStyle/>
+            <a:p>
+              <a:pPr algn="ctr"/>
+              <a:r>
+                <a:rPr kumimoji="1" lang="ja-JP" altLang="en-US" sz="2400" b="1" dirty="0">
+                  <a:solidFill>
+                    <a:schemeClr val="tx1"/>
+                  </a:solidFill>
+                </a:rPr>
+                <a:t>単体テスト</a:t>
+              </a:r>
+              <a:endParaRPr kumimoji="1" lang="en-US" altLang="ja-JP" sz="2400" b="1" dirty="0">
+                <a:solidFill>
+                  <a:schemeClr val="tx1"/>
+                </a:solidFill>
+              </a:endParaRPr>
+            </a:p>
+            <a:p>
+              <a:pPr algn="ctr"/>
+              <a:r>
+                <a:rPr kumimoji="1" lang="ja-JP" altLang="en-US" sz="2400" b="1" dirty="0">
+                  <a:solidFill>
+                    <a:schemeClr val="tx1"/>
+                  </a:solidFill>
+                </a:rPr>
+                <a:t>総合テスト</a:t>
+              </a:r>
+            </a:p>
+          </p:txBody>
+        </p:sp>
+        <p:cxnSp>
+          <p:nvCxnSpPr>
+            <p:cNvPr id="25" name="直線矢印コネクタ 24">
+              <a:extLst>
+                <a:ext uri="{FF2B5EF4-FFF2-40B4-BE49-F238E27FC236}">
+                  <a16:creationId xmlns:a16="http://schemas.microsoft.com/office/drawing/2014/main" id="{1E2774DC-541C-05BD-C037-F01CD9C0E203}"/>
+                </a:ext>
+              </a:extLst>
+            </p:cNvPr>
+            <p:cNvCxnSpPr>
+              <a:cxnSpLocks/>
+              <a:stCxn id="15" idx="3"/>
+              <a:endCxn id="22" idx="1"/>
+            </p:cNvCxnSpPr>
+            <p:nvPr/>
+          </p:nvCxnSpPr>
+          <p:spPr>
+            <a:xfrm>
+              <a:off x="2911290" y="2955565"/>
+              <a:ext cx="6369420" cy="0"/>
+            </a:xfrm>
+            <a:prstGeom prst="straightConnector1">
+              <a:avLst/>
+            </a:prstGeom>
+            <a:ln w="38100">
+              <a:solidFill>
+                <a:schemeClr val="tx1"/>
+              </a:solidFill>
+              <a:tailEnd type="triangle"/>
+            </a:ln>
+          </p:spPr>
+          <p:style>
+            <a:lnRef idx="1">
+              <a:schemeClr val="accent1"/>
+            </a:lnRef>
+            <a:fillRef idx="0">
+              <a:schemeClr val="accent1"/>
+            </a:fillRef>
+            <a:effectRef idx="0">
+              <a:schemeClr val="accent1"/>
+            </a:effectRef>
+            <a:fontRef idx="minor">
+              <a:schemeClr val="tx1"/>
+            </a:fontRef>
+          </p:style>
+        </p:cxnSp>
+        <p:grpSp>
+          <p:nvGrpSpPr>
+            <p:cNvPr id="33" name="グループ化 32">
+              <a:extLst>
+                <a:ext uri="{FF2B5EF4-FFF2-40B4-BE49-F238E27FC236}">
+                  <a16:creationId xmlns:a16="http://schemas.microsoft.com/office/drawing/2014/main" id="{50C10AD5-58D8-70EF-48FA-E0DA3879910B}"/>
+                </a:ext>
+              </a:extLst>
+            </p:cNvPr>
+            <p:cNvGrpSpPr/>
+            <p:nvPr/>
+          </p:nvGrpSpPr>
+          <p:grpSpPr>
+            <a:xfrm>
+              <a:off x="2011459" y="3938802"/>
+              <a:ext cx="8314758" cy="826994"/>
+              <a:chOff x="1633819" y="3829945"/>
+              <a:chExt cx="8314758" cy="826994"/>
+            </a:xfrm>
+          </p:grpSpPr>
+          <p:sp>
+            <p:nvSpPr>
+              <p:cNvPr id="17" name="四角形: 角を丸くする 16">
+                <a:extLst>
+                  <a:ext uri="{FF2B5EF4-FFF2-40B4-BE49-F238E27FC236}">
+                    <a16:creationId xmlns:a16="http://schemas.microsoft.com/office/drawing/2014/main" id="{2553C975-ECC0-CA50-740F-E40254EC1741}"/>
+                  </a:ext>
+                </a:extLst>
+              </p:cNvPr>
+              <p:cNvSpPr/>
+              <p:nvPr/>
+            </p:nvSpPr>
+            <p:spPr>
+              <a:xfrm>
+                <a:off x="7826182" y="3829945"/>
+                <a:ext cx="2122395" cy="826994"/>
+              </a:xfrm>
+              <a:prstGeom prst="roundRect">
+                <a:avLst/>
+              </a:prstGeom>
+              <a:solidFill>
+                <a:schemeClr val="bg1"/>
+              </a:solidFill>
+              <a:ln w="28575">
+                <a:solidFill>
+                  <a:schemeClr val="tx1"/>
+                </a:solidFill>
+              </a:ln>
+            </p:spPr>
+            <p:style>
+              <a:lnRef idx="2">
+                <a:schemeClr val="accent1">
+                  <a:shade val="15000"/>
+                </a:schemeClr>
+              </a:lnRef>
+              <a:fillRef idx="1">
+                <a:schemeClr val="accent1"/>
+              </a:fillRef>
+              <a:effectRef idx="0">
+                <a:schemeClr val="accent1"/>
+              </a:effectRef>
+              <a:fontRef idx="minor">
+                <a:schemeClr val="lt1"/>
+              </a:fontRef>
+            </p:style>
+            <p:txBody>
+              <a:bodyPr rtlCol="0" anchor="ctr"/>
+              <a:lstStyle/>
+              <a:p>
+                <a:pPr algn="ctr"/>
+                <a:r>
+                  <a:rPr kumimoji="1" lang="ja-JP" altLang="en-US" sz="2800" b="1" dirty="0">
+                    <a:solidFill>
+                      <a:schemeClr val="tx1"/>
+                    </a:solidFill>
+                  </a:rPr>
+                  <a:t>総合テスト</a:t>
+                </a:r>
+              </a:p>
+            </p:txBody>
+          </p:sp>
+          <p:sp>
+            <p:nvSpPr>
+              <p:cNvPr id="18" name="四角形: 角を丸くする 17">
+                <a:extLst>
+                  <a:ext uri="{FF2B5EF4-FFF2-40B4-BE49-F238E27FC236}">
+                    <a16:creationId xmlns:a16="http://schemas.microsoft.com/office/drawing/2014/main" id="{FAF9E905-25E1-4EE2-CA70-09968B07980D}"/>
+                  </a:ext>
+                </a:extLst>
+              </p:cNvPr>
+              <p:cNvSpPr/>
+              <p:nvPr/>
+            </p:nvSpPr>
+            <p:spPr>
+              <a:xfrm>
+                <a:off x="1633819" y="3829945"/>
+                <a:ext cx="1976718" cy="826994"/>
+              </a:xfrm>
+              <a:prstGeom prst="roundRect">
+                <a:avLst/>
+              </a:prstGeom>
+              <a:solidFill>
+                <a:schemeClr val="bg1"/>
+              </a:solidFill>
+              <a:ln w="28575">
+                <a:solidFill>
+                  <a:schemeClr val="tx1"/>
+                </a:solidFill>
+              </a:ln>
+            </p:spPr>
+            <p:style>
+              <a:lnRef idx="2">
+                <a:schemeClr val="accent1">
+                  <a:shade val="15000"/>
+                </a:schemeClr>
+              </a:lnRef>
+              <a:fillRef idx="1">
+                <a:schemeClr val="accent1"/>
+              </a:fillRef>
+              <a:effectRef idx="0">
+                <a:schemeClr val="accent1"/>
+              </a:effectRef>
+              <a:fontRef idx="minor">
+                <a:schemeClr val="lt1"/>
+              </a:fontRef>
+            </p:style>
+            <p:txBody>
+              <a:bodyPr rtlCol="0" anchor="ctr"/>
+              <a:lstStyle/>
+              <a:p>
+                <a:pPr algn="ctr"/>
+                <a:r>
+                  <a:rPr kumimoji="1" lang="ja-JP" altLang="en-US" sz="2800" b="1" dirty="0">
+                    <a:solidFill>
+                      <a:schemeClr val="tx1"/>
+                    </a:solidFill>
+                  </a:rPr>
+                  <a:t>設計</a:t>
+                </a:r>
+              </a:p>
+            </p:txBody>
+          </p:sp>
+          <p:cxnSp>
+            <p:nvCxnSpPr>
+              <p:cNvPr id="28" name="直線矢印コネクタ 27">
+                <a:extLst>
+                  <a:ext uri="{FF2B5EF4-FFF2-40B4-BE49-F238E27FC236}">
+                    <a16:creationId xmlns:a16="http://schemas.microsoft.com/office/drawing/2014/main" id="{EDDDFBFC-4996-5EEF-144F-4E4AF5B5AC7A}"/>
+                  </a:ext>
+                </a:extLst>
+              </p:cNvPr>
+              <p:cNvCxnSpPr>
+                <a:cxnSpLocks/>
+                <a:stCxn id="18" idx="3"/>
+                <a:endCxn id="17" idx="1"/>
+              </p:cNvCxnSpPr>
+              <p:nvPr/>
+            </p:nvCxnSpPr>
+            <p:spPr>
+              <a:xfrm>
+                <a:off x="3610537" y="4243442"/>
+                <a:ext cx="4215645" cy="0"/>
+              </a:xfrm>
+              <a:prstGeom prst="straightConnector1">
+                <a:avLst/>
+              </a:prstGeom>
+              <a:ln w="38100">
+                <a:solidFill>
+                  <a:schemeClr val="tx1"/>
+                </a:solidFill>
+                <a:tailEnd type="triangle"/>
+              </a:ln>
+            </p:spPr>
+            <p:style>
+              <a:lnRef idx="1">
+                <a:schemeClr val="accent1"/>
+              </a:lnRef>
+              <a:fillRef idx="0">
+                <a:schemeClr val="accent1"/>
+              </a:fillRef>
+              <a:effectRef idx="0">
+                <a:schemeClr val="accent1"/>
+              </a:effectRef>
+              <a:fontRef idx="minor">
+                <a:schemeClr val="tx1"/>
+              </a:fontRef>
+            </p:style>
+          </p:cxnSp>
+        </p:grpSp>
+        <p:cxnSp>
+          <p:nvCxnSpPr>
+            <p:cNvPr id="34" name="直線矢印コネクタ 33">
+              <a:extLst>
+                <a:ext uri="{FF2B5EF4-FFF2-40B4-BE49-F238E27FC236}">
+                  <a16:creationId xmlns:a16="http://schemas.microsoft.com/office/drawing/2014/main" id="{CF5ADA5E-727D-3296-3579-E3D1829DADBE}"/>
+                </a:ext>
+              </a:extLst>
+            </p:cNvPr>
+            <p:cNvCxnSpPr>
+              <a:cxnSpLocks/>
+              <a:stCxn id="16" idx="3"/>
+              <a:endCxn id="23" idx="1"/>
+            </p:cNvCxnSpPr>
+            <p:nvPr/>
+          </p:nvCxnSpPr>
+          <p:spPr>
+            <a:xfrm>
+              <a:off x="4961966" y="5749034"/>
+              <a:ext cx="2512358" cy="0"/>
+            </a:xfrm>
+            <a:prstGeom prst="straightConnector1">
+              <a:avLst/>
+            </a:prstGeom>
+            <a:ln w="38100">
+              <a:solidFill>
+                <a:schemeClr val="tx1"/>
+              </a:solidFill>
+              <a:tailEnd type="triangle"/>
+            </a:ln>
+          </p:spPr>
+          <p:style>
+            <a:lnRef idx="1">
+              <a:schemeClr val="accent1"/>
+            </a:lnRef>
+            <a:fillRef idx="0">
+              <a:schemeClr val="accent1"/>
+            </a:fillRef>
+            <a:effectRef idx="0">
+              <a:schemeClr val="accent1"/>
+            </a:effectRef>
+            <a:fontRef idx="minor">
+              <a:schemeClr val="tx1"/>
+            </a:fontRef>
+          </p:style>
+        </p:cxnSp>
+        <p:sp>
+          <p:nvSpPr>
+            <p:cNvPr id="45" name="テキスト ボックス 44">
+              <a:extLst>
+                <a:ext uri="{FF2B5EF4-FFF2-40B4-BE49-F238E27FC236}">
+                  <a16:creationId xmlns:a16="http://schemas.microsoft.com/office/drawing/2014/main" id="{84B4892D-1F4C-C00C-3639-967462DC74A8}"/>
+                </a:ext>
+              </a:extLst>
+            </p:cNvPr>
+            <p:cNvSpPr txBox="1"/>
+            <p:nvPr/>
+          </p:nvSpPr>
+          <p:spPr>
+            <a:xfrm>
+              <a:off x="4330448" y="2194775"/>
+              <a:ext cx="3775393" cy="707886"/>
+            </a:xfrm>
+            <a:prstGeom prst="rect">
+              <a:avLst/>
+            </a:prstGeom>
+            <a:noFill/>
+          </p:spPr>
+          <p:txBody>
+            <a:bodyPr wrap="none" rtlCol="0">
+              <a:spAutoFit/>
+            </a:bodyPr>
+            <a:lstStyle/>
+            <a:p>
+              <a:pPr algn="ctr"/>
+              <a:r>
+                <a:rPr kumimoji="1" lang="ja-JP" altLang="en-US" sz="2000" b="1" dirty="0">
+                  <a:solidFill>
+                    <a:srgbClr val="FF0000"/>
+                  </a:solidFill>
+                </a:rPr>
+                <a:t>プロジェクト計画通り</a:t>
+              </a:r>
+              <a:r>
+                <a:rPr kumimoji="1" lang="ja-JP" altLang="en-US" sz="2000" b="1" dirty="0"/>
+                <a:t>に</a:t>
+              </a:r>
+              <a:endParaRPr kumimoji="1" lang="en-US" altLang="ja-JP" sz="2000" b="1" dirty="0"/>
+            </a:p>
+            <a:p>
+              <a:pPr algn="ctr"/>
+              <a:r>
+                <a:rPr kumimoji="1" lang="ja-JP" altLang="en-US" sz="2000" b="1" dirty="0"/>
+                <a:t>要件定義されていることを確認</a:t>
+              </a:r>
+            </a:p>
+          </p:txBody>
+        </p:sp>
+        <p:sp>
+          <p:nvSpPr>
+            <p:cNvPr id="46" name="テキスト ボックス 45">
+              <a:extLst>
+                <a:ext uri="{FF2B5EF4-FFF2-40B4-BE49-F238E27FC236}">
+                  <a16:creationId xmlns:a16="http://schemas.microsoft.com/office/drawing/2014/main" id="{3F2E6A2E-16EA-B254-9809-B686BF0060B1}"/>
+                </a:ext>
+              </a:extLst>
+            </p:cNvPr>
+            <p:cNvSpPr txBox="1"/>
+            <p:nvPr/>
+          </p:nvSpPr>
+          <p:spPr>
+            <a:xfrm>
+              <a:off x="4593163" y="3584859"/>
+              <a:ext cx="3262432" cy="707886"/>
+            </a:xfrm>
+            <a:prstGeom prst="rect">
+              <a:avLst/>
+            </a:prstGeom>
+            <a:noFill/>
+          </p:spPr>
+          <p:txBody>
+            <a:bodyPr wrap="none" rtlCol="0">
+              <a:spAutoFit/>
+            </a:bodyPr>
+            <a:lstStyle/>
+            <a:p>
+              <a:pPr algn="ctr"/>
+              <a:r>
+                <a:rPr kumimoji="1" lang="ja-JP" altLang="en-US" sz="2000" b="1" dirty="0">
+                  <a:solidFill>
+                    <a:srgbClr val="FF0000"/>
+                  </a:solidFill>
+                </a:rPr>
+                <a:t>要件定義通り</a:t>
+              </a:r>
+              <a:r>
+                <a:rPr kumimoji="1" lang="ja-JP" altLang="en-US" sz="2000" b="1" dirty="0"/>
+                <a:t>に</a:t>
+              </a:r>
+              <a:endParaRPr kumimoji="1" lang="en-US" altLang="ja-JP" sz="2000" b="1" dirty="0"/>
+            </a:p>
+            <a:p>
+              <a:pPr algn="ctr"/>
+              <a:r>
+                <a:rPr kumimoji="1" lang="ja-JP" altLang="en-US" sz="2000" b="1" dirty="0"/>
+                <a:t>設計されていることを確認</a:t>
+              </a:r>
+            </a:p>
+          </p:txBody>
+        </p:sp>
+        <p:sp>
+          <p:nvSpPr>
+            <p:cNvPr id="47" name="テキスト ボックス 46">
+              <a:extLst>
+                <a:ext uri="{FF2B5EF4-FFF2-40B4-BE49-F238E27FC236}">
+                  <a16:creationId xmlns:a16="http://schemas.microsoft.com/office/drawing/2014/main" id="{EBC5868E-1160-FD74-ACC8-7E75CBC0D3B9}"/>
+                </a:ext>
+              </a:extLst>
+            </p:cNvPr>
+            <p:cNvSpPr txBox="1"/>
+            <p:nvPr/>
+          </p:nvSpPr>
+          <p:spPr>
+            <a:xfrm>
+              <a:off x="4749412" y="4895954"/>
+              <a:ext cx="2960233" cy="646331"/>
+            </a:xfrm>
+            <a:prstGeom prst="rect">
+              <a:avLst/>
+            </a:prstGeom>
+            <a:solidFill>
+              <a:schemeClr val="bg1"/>
+            </a:solidFill>
+          </p:spPr>
+          <p:txBody>
+            <a:bodyPr wrap="square" rtlCol="0">
+              <a:spAutoFit/>
+            </a:bodyPr>
+            <a:lstStyle/>
+            <a:p>
+              <a:pPr algn="ctr"/>
+              <a:r>
+                <a:rPr kumimoji="1" lang="ja-JP" altLang="en-US" b="1" dirty="0">
+                  <a:solidFill>
+                    <a:srgbClr val="FF0000"/>
+                  </a:solidFill>
+                </a:rPr>
+                <a:t>設計通り</a:t>
+              </a:r>
+              <a:r>
+                <a:rPr kumimoji="1" lang="ja-JP" altLang="en-US" b="1" dirty="0"/>
+                <a:t>に</a:t>
+              </a:r>
+              <a:endParaRPr kumimoji="1" lang="en-US" altLang="ja-JP" b="1" dirty="0"/>
+            </a:p>
+            <a:p>
+              <a:pPr algn="ctr"/>
+              <a:r>
+                <a:rPr kumimoji="1" lang="ja-JP" altLang="en-US" b="1" dirty="0"/>
+                <a:t>実装されていることを確認</a:t>
+              </a:r>
+            </a:p>
+          </p:txBody>
+        </p:sp>
+      </p:grpSp>
+    </p:spTree>
+    <p:extLst>
+      <p:ext uri="{BB962C8B-B14F-4D97-AF65-F5344CB8AC3E}">
+        <p14:creationId xmlns:p14="http://schemas.microsoft.com/office/powerpoint/2010/main" val="435787391"/>
+      </p:ext>
+    </p:extLst>
+  </p:cSld>
+  <p:clrMapOvr>
+    <a:masterClrMapping/>
+  </p:clrMapOvr>
+</p:sld>
+</file>
+
+<file path=ppt/slides/slide14.xml><?xml version="1.0" encoding="utf-8"?>
+<p:sld xmlns:a="http://schemas.openxmlformats.org/drawingml/2006/main" xmlns:r="http://schemas.openxmlformats.org/officeDocument/2006/relationships" xmlns:p="http://schemas.openxmlformats.org/presentationml/2006/main">
+  <p:cSld>
+    <p:spTree>
+      <p:nvGrpSpPr>
         <p:cNvPr id="1" name=""/>
         <p:cNvGrpSpPr/>
         <p:nvPr/>
@@ -3731,7 +6179,10 @@
           <a:bodyPr/>
           <a:lstStyle/>
           <a:p>
-            <a:endParaRPr kumimoji="1" lang="ja-JP" altLang="en-US"/>
+            <a:r>
+              <a:rPr kumimoji="1" lang="ja-JP" altLang="en-US" dirty="0"/>
+              <a:t>例</a:t>
+            </a:r>
           </a:p>
         </p:txBody>
       </p:sp>
@@ -3756,14 +6207,1200 @@
           <a:bodyPr/>
           <a:lstStyle/>
           <a:p>
+            <a:r>
+              <a:rPr kumimoji="1" lang="ja-JP" altLang="en-US" dirty="0"/>
+              <a:t>あ</a:t>
+            </a:r>
+            <a:endParaRPr kumimoji="1" lang="en-US" altLang="ja-JP" dirty="0"/>
+          </a:p>
+          <a:p>
+            <a:pPr lvl="1"/>
+            <a:r>
+              <a:rPr lang="ja-JP" altLang="en-US" dirty="0"/>
+              <a:t>あ</a:t>
+            </a:r>
+            <a:endParaRPr lang="en-US" altLang="ja-JP" dirty="0"/>
+          </a:p>
+          <a:p>
+            <a:pPr lvl="2"/>
+            <a:r>
+              <a:rPr lang="ja-JP" altLang="en-US" dirty="0"/>
+              <a:t>あ</a:t>
+            </a:r>
+            <a:endParaRPr kumimoji="1" lang="en-US" altLang="ja-JP" dirty="0"/>
+          </a:p>
+          <a:p>
+            <a:r>
+              <a:rPr lang="ja-JP" altLang="en-US" dirty="0"/>
+              <a:t>あ</a:t>
+            </a:r>
+            <a:endParaRPr lang="en-US" altLang="ja-JP" dirty="0"/>
+          </a:p>
+          <a:p>
+            <a:pPr lvl="1"/>
+            <a:r>
+              <a:rPr kumimoji="1" lang="ja-JP" altLang="en-US" dirty="0"/>
+              <a:t>あ</a:t>
+            </a:r>
+            <a:endParaRPr kumimoji="1" lang="en-US" altLang="ja-JP" dirty="0"/>
+          </a:p>
+          <a:p>
+            <a:pPr lvl="1"/>
+            <a:r>
+              <a:rPr lang="ja-JP" altLang="en-US" dirty="0"/>
+              <a:t>あ</a:t>
+            </a:r>
+            <a:endParaRPr lang="en-US" altLang="ja-JP" dirty="0"/>
+          </a:p>
+          <a:p>
+            <a:pPr lvl="1"/>
+            <a:r>
+              <a:rPr kumimoji="1" lang="ja-JP" altLang="en-US" dirty="0"/>
+              <a:t>あ</a:t>
+            </a:r>
+            <a:endParaRPr kumimoji="1" lang="en-US" altLang="ja-JP" dirty="0"/>
+          </a:p>
+          <a:p>
+            <a:pPr lvl="1"/>
+            <a:r>
+              <a:rPr lang="ja-JP" altLang="en-US" dirty="0"/>
+              <a:t>あ</a:t>
+            </a:r>
             <a:endParaRPr kumimoji="1" lang="ja-JP" altLang="en-US" dirty="0"/>
           </a:p>
         </p:txBody>
       </p:sp>
+      <p:pic>
+        <p:nvPicPr>
+          <p:cNvPr id="5" name="図 4">
+            <a:extLst>
+              <a:ext uri="{FF2B5EF4-FFF2-40B4-BE49-F238E27FC236}">
+                <a16:creationId xmlns:a16="http://schemas.microsoft.com/office/drawing/2014/main" id="{255E1888-1E63-6477-E57F-2C9C10688CC9}"/>
+              </a:ext>
+            </a:extLst>
+          </p:cNvPr>
+          <p:cNvPicPr>
+            <a:picLocks noChangeAspect="1"/>
+          </p:cNvPicPr>
+          <p:nvPr/>
+        </p:nvPicPr>
+        <p:blipFill>
+          <a:blip r:embed="rId2"/>
+          <a:stretch>
+            <a:fillRect/>
+          </a:stretch>
+        </p:blipFill>
+        <p:spPr>
+          <a:xfrm>
+            <a:off x="5743725" y="2528047"/>
+            <a:ext cx="6071758" cy="2652821"/>
+          </a:xfrm>
+          <a:prstGeom prst="rect">
+            <a:avLst/>
+          </a:prstGeom>
+          <a:ln>
+            <a:solidFill>
+              <a:schemeClr val="tx1"/>
+            </a:solidFill>
+          </a:ln>
+        </p:spPr>
+      </p:pic>
     </p:spTree>
     <p:extLst>
       <p:ext uri="{BB962C8B-B14F-4D97-AF65-F5344CB8AC3E}">
         <p14:creationId xmlns:p14="http://schemas.microsoft.com/office/powerpoint/2010/main" val="995792621"/>
+      </p:ext>
+    </p:extLst>
+  </p:cSld>
+  <p:clrMapOvr>
+    <a:masterClrMapping/>
+  </p:clrMapOvr>
+</p:sld>
+</file>
+
+<file path=ppt/slides/slide15.xml><?xml version="1.0" encoding="utf-8"?>
+<p:sld xmlns:a="http://schemas.openxmlformats.org/drawingml/2006/main" xmlns:r="http://schemas.openxmlformats.org/officeDocument/2006/relationships" xmlns:p="http://schemas.openxmlformats.org/presentationml/2006/main">
+  <p:cSld>
+    <p:spTree>
+      <p:nvGrpSpPr>
+        <p:cNvPr id="1" name="">
+          <a:extLst>
+            <a:ext uri="{FF2B5EF4-FFF2-40B4-BE49-F238E27FC236}">
+              <a16:creationId xmlns:a16="http://schemas.microsoft.com/office/drawing/2014/main" id="{BD448F93-FF15-B97D-B2ED-DE7AE3DFA1C9}"/>
+            </a:ext>
+          </a:extLst>
+        </p:cNvPr>
+        <p:cNvGrpSpPr/>
+        <p:nvPr/>
+      </p:nvGrpSpPr>
+      <p:grpSpPr>
+        <a:xfrm>
+          <a:off x="0" y="0"/>
+          <a:ext cx="0" cy="0"/>
+          <a:chOff x="0" y="0"/>
+          <a:chExt cx="0" cy="0"/>
+        </a:xfrm>
+      </p:grpSpPr>
+      <p:sp>
+        <p:nvSpPr>
+          <p:cNvPr id="2" name="タイトル 1">
+            <a:extLst>
+              <a:ext uri="{FF2B5EF4-FFF2-40B4-BE49-F238E27FC236}">
+                <a16:creationId xmlns:a16="http://schemas.microsoft.com/office/drawing/2014/main" id="{55A29935-C57C-6E17-5397-FC5209E3A97A}"/>
+              </a:ext>
+            </a:extLst>
+          </p:cNvPr>
+          <p:cNvSpPr>
+            <a:spLocks noGrp="1"/>
+          </p:cNvSpPr>
+          <p:nvPr>
+            <p:ph type="title"/>
+          </p:nvPr>
+        </p:nvSpPr>
+        <p:spPr/>
+        <p:txBody>
+          <a:bodyPr/>
+          <a:lstStyle/>
+          <a:p>
+            <a:r>
+              <a:rPr kumimoji="1" lang="en-US" altLang="ja-JP" dirty="0" err="1"/>
+              <a:t>ToDo</a:t>
+            </a:r>
+            <a:r>
+              <a:rPr kumimoji="1" lang="ja-JP" altLang="en-US" dirty="0"/>
+              <a:t>・課題・リスク</a:t>
+            </a:r>
+          </a:p>
+        </p:txBody>
+      </p:sp>
+      <p:sp>
+        <p:nvSpPr>
+          <p:cNvPr id="4" name="四角形: 角を丸くする 3">
+            <a:extLst>
+              <a:ext uri="{FF2B5EF4-FFF2-40B4-BE49-F238E27FC236}">
+                <a16:creationId xmlns:a16="http://schemas.microsoft.com/office/drawing/2014/main" id="{4102B559-6A1D-6E3A-166F-61C570009C6A}"/>
+              </a:ext>
+            </a:extLst>
+          </p:cNvPr>
+          <p:cNvSpPr/>
+          <p:nvPr/>
+        </p:nvSpPr>
+        <p:spPr>
+          <a:xfrm>
+            <a:off x="571500" y="2312895"/>
+            <a:ext cx="1916206" cy="1109382"/>
+          </a:xfrm>
+          <a:prstGeom prst="roundRect">
+            <a:avLst/>
+          </a:prstGeom>
+          <a:noFill/>
+          <a:ln w="28575">
+            <a:solidFill>
+              <a:schemeClr val="tx1"/>
+            </a:solidFill>
+          </a:ln>
+        </p:spPr>
+        <p:style>
+          <a:lnRef idx="2">
+            <a:schemeClr val="accent1">
+              <a:shade val="15000"/>
+            </a:schemeClr>
+          </a:lnRef>
+          <a:fillRef idx="1">
+            <a:schemeClr val="accent1"/>
+          </a:fillRef>
+          <a:effectRef idx="0">
+            <a:schemeClr val="accent1"/>
+          </a:effectRef>
+          <a:fontRef idx="minor">
+            <a:schemeClr val="lt1"/>
+          </a:fontRef>
+        </p:style>
+        <p:txBody>
+          <a:bodyPr rtlCol="0" anchor="ctr"/>
+          <a:lstStyle/>
+          <a:p>
+            <a:pPr algn="ctr"/>
+            <a:r>
+              <a:rPr kumimoji="1" lang="en-US" altLang="ja-JP" sz="2800" b="1" dirty="0" err="1">
+                <a:solidFill>
+                  <a:schemeClr val="tx1"/>
+                </a:solidFill>
+              </a:rPr>
+              <a:t>ToDo</a:t>
+            </a:r>
+            <a:endParaRPr kumimoji="1" lang="ja-JP" altLang="en-US" sz="2800" b="1" dirty="0">
+              <a:solidFill>
+                <a:schemeClr val="tx1"/>
+              </a:solidFill>
+            </a:endParaRPr>
+          </a:p>
+        </p:txBody>
+      </p:sp>
+      <p:sp>
+        <p:nvSpPr>
+          <p:cNvPr id="5" name="四角形: 角を丸くする 4">
+            <a:extLst>
+              <a:ext uri="{FF2B5EF4-FFF2-40B4-BE49-F238E27FC236}">
+                <a16:creationId xmlns:a16="http://schemas.microsoft.com/office/drawing/2014/main" id="{B39600C7-E7FE-9172-7D7B-34B7BAB125B7}"/>
+              </a:ext>
+            </a:extLst>
+          </p:cNvPr>
+          <p:cNvSpPr/>
+          <p:nvPr/>
+        </p:nvSpPr>
+        <p:spPr>
+          <a:xfrm>
+            <a:off x="571500" y="3576919"/>
+            <a:ext cx="1916206" cy="1109382"/>
+          </a:xfrm>
+          <a:prstGeom prst="roundRect">
+            <a:avLst/>
+          </a:prstGeom>
+          <a:noFill/>
+          <a:ln w="28575">
+            <a:solidFill>
+              <a:schemeClr val="tx1"/>
+            </a:solidFill>
+          </a:ln>
+        </p:spPr>
+        <p:style>
+          <a:lnRef idx="2">
+            <a:schemeClr val="accent1">
+              <a:shade val="15000"/>
+            </a:schemeClr>
+          </a:lnRef>
+          <a:fillRef idx="1">
+            <a:schemeClr val="accent1"/>
+          </a:fillRef>
+          <a:effectRef idx="0">
+            <a:schemeClr val="accent1"/>
+          </a:effectRef>
+          <a:fontRef idx="minor">
+            <a:schemeClr val="lt1"/>
+          </a:fontRef>
+        </p:style>
+        <p:txBody>
+          <a:bodyPr rtlCol="0" anchor="ctr"/>
+          <a:lstStyle/>
+          <a:p>
+            <a:pPr algn="ctr"/>
+            <a:r>
+              <a:rPr kumimoji="1" lang="ja-JP" altLang="en-US" sz="2800" b="1" dirty="0">
+                <a:solidFill>
+                  <a:schemeClr val="tx1"/>
+                </a:solidFill>
+              </a:rPr>
+              <a:t>課題</a:t>
+            </a:r>
+          </a:p>
+        </p:txBody>
+      </p:sp>
+      <p:sp>
+        <p:nvSpPr>
+          <p:cNvPr id="6" name="四角形: 角を丸くする 5">
+            <a:extLst>
+              <a:ext uri="{FF2B5EF4-FFF2-40B4-BE49-F238E27FC236}">
+                <a16:creationId xmlns:a16="http://schemas.microsoft.com/office/drawing/2014/main" id="{1975C2E6-3903-8C89-66BE-59732BE1832C}"/>
+              </a:ext>
+            </a:extLst>
+          </p:cNvPr>
+          <p:cNvSpPr/>
+          <p:nvPr/>
+        </p:nvSpPr>
+        <p:spPr>
+          <a:xfrm>
+            <a:off x="571500" y="4840943"/>
+            <a:ext cx="1916206" cy="1109382"/>
+          </a:xfrm>
+          <a:prstGeom prst="roundRect">
+            <a:avLst/>
+          </a:prstGeom>
+          <a:noFill/>
+          <a:ln w="28575">
+            <a:solidFill>
+              <a:schemeClr val="tx1"/>
+            </a:solidFill>
+          </a:ln>
+        </p:spPr>
+        <p:style>
+          <a:lnRef idx="2">
+            <a:schemeClr val="accent1">
+              <a:shade val="15000"/>
+            </a:schemeClr>
+          </a:lnRef>
+          <a:fillRef idx="1">
+            <a:schemeClr val="accent1"/>
+          </a:fillRef>
+          <a:effectRef idx="0">
+            <a:schemeClr val="accent1"/>
+          </a:effectRef>
+          <a:fontRef idx="minor">
+            <a:schemeClr val="lt1"/>
+          </a:fontRef>
+        </p:style>
+        <p:txBody>
+          <a:bodyPr rtlCol="0" anchor="ctr"/>
+          <a:lstStyle/>
+          <a:p>
+            <a:pPr algn="ctr"/>
+            <a:r>
+              <a:rPr lang="ja-JP" altLang="en-US" sz="2800" b="1" dirty="0">
+                <a:solidFill>
+                  <a:schemeClr val="tx1"/>
+                </a:solidFill>
+              </a:rPr>
+              <a:t>リスク</a:t>
+            </a:r>
+            <a:endParaRPr kumimoji="1" lang="en-US" altLang="ja-JP" sz="2800" b="1" dirty="0">
+              <a:solidFill>
+                <a:schemeClr val="tx1"/>
+              </a:solidFill>
+            </a:endParaRPr>
+          </a:p>
+        </p:txBody>
+      </p:sp>
+      <p:cxnSp>
+        <p:nvCxnSpPr>
+          <p:cNvPr id="8" name="直線コネクタ 7">
+            <a:extLst>
+              <a:ext uri="{FF2B5EF4-FFF2-40B4-BE49-F238E27FC236}">
+                <a16:creationId xmlns:a16="http://schemas.microsoft.com/office/drawing/2014/main" id="{CFD86D39-6AD3-10AA-5CFC-A5E904B2AF24}"/>
+              </a:ext>
+            </a:extLst>
+          </p:cNvPr>
+          <p:cNvCxnSpPr>
+            <a:cxnSpLocks/>
+          </p:cNvCxnSpPr>
+          <p:nvPr/>
+        </p:nvCxnSpPr>
+        <p:spPr>
+          <a:xfrm>
+            <a:off x="571500" y="2198594"/>
+            <a:ext cx="10547735" cy="0"/>
+          </a:xfrm>
+          <a:prstGeom prst="line">
+            <a:avLst/>
+          </a:prstGeom>
+          <a:ln w="28575">
+            <a:solidFill>
+              <a:schemeClr val="tx1"/>
+            </a:solidFill>
+          </a:ln>
+        </p:spPr>
+        <p:style>
+          <a:lnRef idx="1">
+            <a:schemeClr val="accent1"/>
+          </a:lnRef>
+          <a:fillRef idx="0">
+            <a:schemeClr val="accent1"/>
+          </a:fillRef>
+          <a:effectRef idx="0">
+            <a:schemeClr val="accent1"/>
+          </a:effectRef>
+          <a:fontRef idx="minor">
+            <a:schemeClr val="tx1"/>
+          </a:fontRef>
+        </p:style>
+      </p:cxnSp>
+      <p:sp>
+        <p:nvSpPr>
+          <p:cNvPr id="9" name="テキスト ボックス 8">
+            <a:extLst>
+              <a:ext uri="{FF2B5EF4-FFF2-40B4-BE49-F238E27FC236}">
+                <a16:creationId xmlns:a16="http://schemas.microsoft.com/office/drawing/2014/main" id="{D984696D-154E-EDAB-B321-ED2C8C85864E}"/>
+              </a:ext>
+            </a:extLst>
+          </p:cNvPr>
+          <p:cNvSpPr txBox="1"/>
+          <p:nvPr/>
+        </p:nvSpPr>
+        <p:spPr>
+          <a:xfrm>
+            <a:off x="2705109" y="2472258"/>
+            <a:ext cx="2954655" cy="830997"/>
+          </a:xfrm>
+          <a:prstGeom prst="rect">
+            <a:avLst/>
+          </a:prstGeom>
+          <a:noFill/>
+        </p:spPr>
+        <p:txBody>
+          <a:bodyPr wrap="none" rtlCol="0">
+            <a:spAutoFit/>
+          </a:bodyPr>
+          <a:lstStyle/>
+          <a:p>
+            <a:pPr algn="ctr"/>
+            <a:r>
+              <a:rPr kumimoji="1" lang="ja-JP" altLang="en-US" sz="2400" b="1" dirty="0"/>
+              <a:t>担当者が手を</a:t>
+            </a:r>
+            <a:endParaRPr kumimoji="1" lang="en-US" altLang="ja-JP" sz="2400" b="1" dirty="0"/>
+          </a:p>
+          <a:p>
+            <a:pPr algn="ctr"/>
+            <a:r>
+              <a:rPr kumimoji="1" lang="ja-JP" altLang="en-US" sz="2400" b="1" dirty="0"/>
+              <a:t>動かせば終わる仕事</a:t>
+            </a:r>
+          </a:p>
+        </p:txBody>
+      </p:sp>
+      <p:sp>
+        <p:nvSpPr>
+          <p:cNvPr id="10" name="テキスト ボックス 9">
+            <a:extLst>
+              <a:ext uri="{FF2B5EF4-FFF2-40B4-BE49-F238E27FC236}">
+                <a16:creationId xmlns:a16="http://schemas.microsoft.com/office/drawing/2014/main" id="{70C7A430-B7AE-5165-5AB8-9336B97E4B89}"/>
+              </a:ext>
+            </a:extLst>
+          </p:cNvPr>
+          <p:cNvSpPr txBox="1"/>
+          <p:nvPr/>
+        </p:nvSpPr>
+        <p:spPr>
+          <a:xfrm>
+            <a:off x="2705109" y="3746889"/>
+            <a:ext cx="3852338" cy="769441"/>
+          </a:xfrm>
+          <a:prstGeom prst="rect">
+            <a:avLst/>
+          </a:prstGeom>
+          <a:noFill/>
+        </p:spPr>
+        <p:txBody>
+          <a:bodyPr wrap="none" rtlCol="0">
+            <a:spAutoFit/>
+          </a:bodyPr>
+          <a:lstStyle/>
+          <a:p>
+            <a:pPr algn="ctr"/>
+            <a:r>
+              <a:rPr lang="ja-JP" altLang="en-US" sz="2200" b="1" dirty="0"/>
+              <a:t>他</a:t>
+            </a:r>
+            <a:r>
+              <a:rPr kumimoji="1" lang="ja-JP" altLang="en-US" sz="2200" b="1" dirty="0"/>
+              <a:t>のチームの誰かに意思決定</a:t>
+            </a:r>
+            <a:endParaRPr kumimoji="1" lang="en-US" altLang="ja-JP" sz="2200" b="1" dirty="0"/>
+          </a:p>
+          <a:p>
+            <a:pPr algn="ctr"/>
+            <a:r>
+              <a:rPr lang="ja-JP" altLang="en-US" sz="2200" b="1" dirty="0"/>
+              <a:t>がなければ</a:t>
+            </a:r>
+            <a:r>
+              <a:rPr kumimoji="1" lang="ja-JP" altLang="en-US" sz="2200" b="1" dirty="0"/>
+              <a:t>進まない仕事</a:t>
+            </a:r>
+          </a:p>
+        </p:txBody>
+      </p:sp>
+      <p:sp>
+        <p:nvSpPr>
+          <p:cNvPr id="11" name="テキスト ボックス 10">
+            <a:extLst>
+              <a:ext uri="{FF2B5EF4-FFF2-40B4-BE49-F238E27FC236}">
+                <a16:creationId xmlns:a16="http://schemas.microsoft.com/office/drawing/2014/main" id="{F04BC262-2406-35B9-518F-1C9D1DF68854}"/>
+              </a:ext>
+            </a:extLst>
+          </p:cNvPr>
+          <p:cNvSpPr txBox="1"/>
+          <p:nvPr/>
+        </p:nvSpPr>
+        <p:spPr>
+          <a:xfrm>
+            <a:off x="2705109" y="4842329"/>
+            <a:ext cx="3288080" cy="1107996"/>
+          </a:xfrm>
+          <a:prstGeom prst="rect">
+            <a:avLst/>
+          </a:prstGeom>
+          <a:noFill/>
+        </p:spPr>
+        <p:txBody>
+          <a:bodyPr wrap="none" rtlCol="0">
+            <a:spAutoFit/>
+          </a:bodyPr>
+          <a:lstStyle/>
+          <a:p>
+            <a:r>
+              <a:rPr kumimoji="1" lang="ja-JP" altLang="en-US" sz="2200" b="1" dirty="0"/>
+              <a:t>まだ発生していないが、</a:t>
+            </a:r>
+            <a:endParaRPr kumimoji="1" lang="en-US" altLang="ja-JP" sz="2200" b="1" dirty="0"/>
+          </a:p>
+          <a:p>
+            <a:r>
+              <a:rPr lang="ja-JP" altLang="en-US" sz="2200" b="1" dirty="0"/>
+              <a:t>・</a:t>
+            </a:r>
+            <a:r>
+              <a:rPr kumimoji="1" lang="ja-JP" altLang="en-US" sz="2200" b="1" dirty="0"/>
+              <a:t>起こりそうな課題</a:t>
+            </a:r>
+            <a:endParaRPr kumimoji="1" lang="en-US" altLang="ja-JP" sz="2200" b="1" dirty="0"/>
+          </a:p>
+          <a:p>
+            <a:r>
+              <a:rPr lang="ja-JP" altLang="en-US" sz="2200" b="1" dirty="0"/>
+              <a:t>・想定外の</a:t>
+            </a:r>
+            <a:r>
+              <a:rPr lang="en-US" altLang="ja-JP" sz="2200" b="1" dirty="0" err="1"/>
+              <a:t>ToDo</a:t>
+            </a:r>
+            <a:endParaRPr kumimoji="1" lang="ja-JP" altLang="en-US" sz="2200" b="1" dirty="0"/>
+          </a:p>
+        </p:txBody>
+      </p:sp>
+      <p:sp>
+        <p:nvSpPr>
+          <p:cNvPr id="12" name="テキスト ボックス 11">
+            <a:extLst>
+              <a:ext uri="{FF2B5EF4-FFF2-40B4-BE49-F238E27FC236}">
+                <a16:creationId xmlns:a16="http://schemas.microsoft.com/office/drawing/2014/main" id="{E35A250D-B555-36B0-A0DB-BA7D7E64E194}"/>
+              </a:ext>
+            </a:extLst>
+          </p:cNvPr>
+          <p:cNvSpPr txBox="1"/>
+          <p:nvPr/>
+        </p:nvSpPr>
+        <p:spPr>
+          <a:xfrm>
+            <a:off x="3630915" y="1614767"/>
+            <a:ext cx="902811" cy="523220"/>
+          </a:xfrm>
+          <a:prstGeom prst="rect">
+            <a:avLst/>
+          </a:prstGeom>
+          <a:noFill/>
+        </p:spPr>
+        <p:txBody>
+          <a:bodyPr wrap="none" rtlCol="0">
+            <a:spAutoFit/>
+          </a:bodyPr>
+          <a:lstStyle/>
+          <a:p>
+            <a:pPr algn="ctr"/>
+            <a:r>
+              <a:rPr kumimoji="1" lang="ja-JP" altLang="en-US" sz="2800" b="1" dirty="0"/>
+              <a:t>意味</a:t>
+            </a:r>
+          </a:p>
+        </p:txBody>
+      </p:sp>
+      <p:sp>
+        <p:nvSpPr>
+          <p:cNvPr id="13" name="テキスト ボックス 12">
+            <a:extLst>
+              <a:ext uri="{FF2B5EF4-FFF2-40B4-BE49-F238E27FC236}">
+                <a16:creationId xmlns:a16="http://schemas.microsoft.com/office/drawing/2014/main" id="{5667CF69-9A3F-937C-3E4F-B2C72ABC709C}"/>
+              </a:ext>
+            </a:extLst>
+          </p:cNvPr>
+          <p:cNvSpPr txBox="1"/>
+          <p:nvPr/>
+        </p:nvSpPr>
+        <p:spPr>
+          <a:xfrm>
+            <a:off x="8229252" y="1614767"/>
+            <a:ext cx="543739" cy="523220"/>
+          </a:xfrm>
+          <a:prstGeom prst="rect">
+            <a:avLst/>
+          </a:prstGeom>
+          <a:noFill/>
+        </p:spPr>
+        <p:txBody>
+          <a:bodyPr wrap="none" rtlCol="0">
+            <a:spAutoFit/>
+          </a:bodyPr>
+          <a:lstStyle/>
+          <a:p>
+            <a:pPr algn="ctr"/>
+            <a:r>
+              <a:rPr kumimoji="1" lang="ja-JP" altLang="en-US" sz="2800" b="1" dirty="0"/>
+              <a:t>例</a:t>
+            </a:r>
+          </a:p>
+        </p:txBody>
+      </p:sp>
+      <p:sp>
+        <p:nvSpPr>
+          <p:cNvPr id="14" name="テキスト ボックス 13">
+            <a:extLst>
+              <a:ext uri="{FF2B5EF4-FFF2-40B4-BE49-F238E27FC236}">
+                <a16:creationId xmlns:a16="http://schemas.microsoft.com/office/drawing/2014/main" id="{556FAFE8-EFC1-8F29-0192-0D2F41F73866}"/>
+              </a:ext>
+            </a:extLst>
+          </p:cNvPr>
+          <p:cNvSpPr txBox="1"/>
+          <p:nvPr/>
+        </p:nvSpPr>
+        <p:spPr>
+          <a:xfrm>
+            <a:off x="7241250" y="2640383"/>
+            <a:ext cx="2339102" cy="461665"/>
+          </a:xfrm>
+          <a:prstGeom prst="rect">
+            <a:avLst/>
+          </a:prstGeom>
+          <a:noFill/>
+        </p:spPr>
+        <p:txBody>
+          <a:bodyPr wrap="none" rtlCol="0">
+            <a:spAutoFit/>
+          </a:bodyPr>
+          <a:lstStyle/>
+          <a:p>
+            <a:r>
+              <a:rPr kumimoji="1" lang="ja-JP" altLang="en-US" sz="2400" b="1" dirty="0"/>
+              <a:t>・処理が未実装</a:t>
+            </a:r>
+            <a:endParaRPr kumimoji="1" lang="en-US" altLang="ja-JP" sz="2400" b="1" dirty="0"/>
+          </a:p>
+        </p:txBody>
+      </p:sp>
+      <p:sp>
+        <p:nvSpPr>
+          <p:cNvPr id="15" name="テキスト ボックス 14">
+            <a:extLst>
+              <a:ext uri="{FF2B5EF4-FFF2-40B4-BE49-F238E27FC236}">
+                <a16:creationId xmlns:a16="http://schemas.microsoft.com/office/drawing/2014/main" id="{EBAEA248-ABCD-973A-18EF-751B956B5528}"/>
+              </a:ext>
+            </a:extLst>
+          </p:cNvPr>
+          <p:cNvSpPr txBox="1"/>
+          <p:nvPr/>
+        </p:nvSpPr>
+        <p:spPr>
+          <a:xfrm>
+            <a:off x="7241250" y="3716110"/>
+            <a:ext cx="2339102" cy="830997"/>
+          </a:xfrm>
+          <a:prstGeom prst="rect">
+            <a:avLst/>
+          </a:prstGeom>
+          <a:noFill/>
+        </p:spPr>
+        <p:txBody>
+          <a:bodyPr wrap="none" rtlCol="0">
+            <a:spAutoFit/>
+          </a:bodyPr>
+          <a:lstStyle/>
+          <a:p>
+            <a:r>
+              <a:rPr lang="ja-JP" altLang="en-US" sz="2400" b="1" dirty="0"/>
+              <a:t>・仕様</a:t>
+            </a:r>
+            <a:r>
+              <a:rPr kumimoji="1" lang="ja-JP" altLang="en-US" sz="2400" b="1" dirty="0"/>
+              <a:t>が未検討</a:t>
+            </a:r>
+            <a:endParaRPr kumimoji="1" lang="en-US" altLang="ja-JP" sz="2400" b="1" dirty="0"/>
+          </a:p>
+          <a:p>
+            <a:r>
+              <a:rPr lang="ja-JP" altLang="en-US" sz="2400" b="1" dirty="0"/>
+              <a:t>・開発が遅延</a:t>
+            </a:r>
+            <a:endParaRPr kumimoji="1" lang="ja-JP" altLang="en-US" sz="2400" b="1" dirty="0"/>
+          </a:p>
+        </p:txBody>
+      </p:sp>
+      <p:sp>
+        <p:nvSpPr>
+          <p:cNvPr id="16" name="テキスト ボックス 15">
+            <a:extLst>
+              <a:ext uri="{FF2B5EF4-FFF2-40B4-BE49-F238E27FC236}">
+                <a16:creationId xmlns:a16="http://schemas.microsoft.com/office/drawing/2014/main" id="{9C95FADB-EC7C-D68D-8E66-0354C86069C8}"/>
+              </a:ext>
+            </a:extLst>
+          </p:cNvPr>
+          <p:cNvSpPr txBox="1"/>
+          <p:nvPr/>
+        </p:nvSpPr>
+        <p:spPr>
+          <a:xfrm>
+            <a:off x="7241250" y="4840943"/>
+            <a:ext cx="3877985" cy="830997"/>
+          </a:xfrm>
+          <a:prstGeom prst="rect">
+            <a:avLst/>
+          </a:prstGeom>
+          <a:noFill/>
+        </p:spPr>
+        <p:txBody>
+          <a:bodyPr wrap="none" rtlCol="0">
+            <a:spAutoFit/>
+          </a:bodyPr>
+          <a:lstStyle/>
+          <a:p>
+            <a:r>
+              <a:rPr kumimoji="1" lang="ja-JP" altLang="en-US" sz="2400" b="1" dirty="0"/>
+              <a:t>・仕様が決まらない可能性</a:t>
+            </a:r>
+            <a:endParaRPr kumimoji="1" lang="en-US" altLang="ja-JP" sz="2400" b="1" dirty="0"/>
+          </a:p>
+          <a:p>
+            <a:r>
+              <a:rPr kumimoji="1" lang="ja-JP" altLang="en-US" sz="2400" b="1" dirty="0"/>
+              <a:t>・仕様変更</a:t>
+            </a:r>
+          </a:p>
+        </p:txBody>
+      </p:sp>
+    </p:spTree>
+    <p:extLst>
+      <p:ext uri="{BB962C8B-B14F-4D97-AF65-F5344CB8AC3E}">
+        <p14:creationId xmlns:p14="http://schemas.microsoft.com/office/powerpoint/2010/main" val="264490799"/>
+      </p:ext>
+    </p:extLst>
+  </p:cSld>
+  <p:clrMapOvr>
+    <a:masterClrMapping/>
+  </p:clrMapOvr>
+</p:sld>
+</file>
+
+<file path=ppt/slides/slide16.xml><?xml version="1.0" encoding="utf-8"?>
+<p:sld xmlns:a="http://schemas.openxmlformats.org/drawingml/2006/main" xmlns:r="http://schemas.openxmlformats.org/officeDocument/2006/relationships" xmlns:p="http://schemas.openxmlformats.org/presentationml/2006/main">
+  <p:cSld>
+    <p:spTree>
+      <p:nvGrpSpPr>
+        <p:cNvPr id="1" name="">
+          <a:extLst>
+            <a:ext uri="{FF2B5EF4-FFF2-40B4-BE49-F238E27FC236}">
+              <a16:creationId xmlns:a16="http://schemas.microsoft.com/office/drawing/2014/main" id="{3BA7576D-D252-833C-D0CD-C1FF77F63EC7}"/>
+            </a:ext>
+          </a:extLst>
+        </p:cNvPr>
+        <p:cNvGrpSpPr/>
+        <p:nvPr/>
+      </p:nvGrpSpPr>
+      <p:grpSpPr>
+        <a:xfrm>
+          <a:off x="0" y="0"/>
+          <a:ext cx="0" cy="0"/>
+          <a:chOff x="0" y="0"/>
+          <a:chExt cx="0" cy="0"/>
+        </a:xfrm>
+      </p:grpSpPr>
+      <p:sp>
+        <p:nvSpPr>
+          <p:cNvPr id="2" name="タイトル 1">
+            <a:extLst>
+              <a:ext uri="{FF2B5EF4-FFF2-40B4-BE49-F238E27FC236}">
+                <a16:creationId xmlns:a16="http://schemas.microsoft.com/office/drawing/2014/main" id="{E03A33E0-9E3D-0246-2B64-DF6159A93304}"/>
+              </a:ext>
+            </a:extLst>
+          </p:cNvPr>
+          <p:cNvSpPr>
+            <a:spLocks noGrp="1"/>
+          </p:cNvSpPr>
+          <p:nvPr>
+            <p:ph type="title"/>
+          </p:nvPr>
+        </p:nvSpPr>
+        <p:spPr/>
+        <p:txBody>
+          <a:bodyPr/>
+          <a:lstStyle/>
+          <a:p>
+            <a:endParaRPr kumimoji="1" lang="ja-JP" altLang="en-US"/>
+          </a:p>
+        </p:txBody>
+      </p:sp>
+      <p:sp>
+        <p:nvSpPr>
+          <p:cNvPr id="3" name="コンテンツ プレースホルダー 2">
+            <a:extLst>
+              <a:ext uri="{FF2B5EF4-FFF2-40B4-BE49-F238E27FC236}">
+                <a16:creationId xmlns:a16="http://schemas.microsoft.com/office/drawing/2014/main" id="{41B68C90-8E0F-78BE-CBAF-E97418EDD17B}"/>
+              </a:ext>
+            </a:extLst>
+          </p:cNvPr>
+          <p:cNvSpPr>
+            <a:spLocks noGrp="1"/>
+          </p:cNvSpPr>
+          <p:nvPr>
+            <p:ph idx="1"/>
+          </p:nvPr>
+        </p:nvSpPr>
+        <p:spPr/>
+        <p:txBody>
+          <a:bodyPr/>
+          <a:lstStyle/>
+          <a:p>
+            <a:r>
+              <a:rPr kumimoji="1" lang="ja-JP" altLang="en-US" dirty="0"/>
+              <a:t>あ</a:t>
+            </a:r>
+            <a:endParaRPr kumimoji="1" lang="en-US" altLang="ja-JP" dirty="0"/>
+          </a:p>
+          <a:p>
+            <a:pPr lvl="1"/>
+            <a:r>
+              <a:rPr lang="ja-JP" altLang="en-US" dirty="0"/>
+              <a:t>あ</a:t>
+            </a:r>
+            <a:endParaRPr lang="en-US" altLang="ja-JP" dirty="0"/>
+          </a:p>
+          <a:p>
+            <a:pPr lvl="1"/>
+            <a:r>
+              <a:rPr kumimoji="1" lang="ja-JP" altLang="en-US" dirty="0"/>
+              <a:t>あ</a:t>
+            </a:r>
+            <a:endParaRPr kumimoji="1" lang="en-US" altLang="ja-JP" dirty="0"/>
+          </a:p>
+          <a:p>
+            <a:pPr lvl="2"/>
+            <a:r>
+              <a:rPr lang="ja-JP" altLang="en-US" dirty="0"/>
+              <a:t>あ</a:t>
+            </a:r>
+            <a:endParaRPr kumimoji="1" lang="ja-JP" altLang="en-US" dirty="0"/>
+          </a:p>
+        </p:txBody>
+      </p:sp>
+      <p:pic>
+        <p:nvPicPr>
+          <p:cNvPr id="5" name="図 4">
+            <a:extLst>
+              <a:ext uri="{FF2B5EF4-FFF2-40B4-BE49-F238E27FC236}">
+                <a16:creationId xmlns:a16="http://schemas.microsoft.com/office/drawing/2014/main" id="{5237B6D4-CA1E-5E0F-D8AA-6DE139068C5B}"/>
+              </a:ext>
+            </a:extLst>
+          </p:cNvPr>
+          <p:cNvPicPr>
+            <a:picLocks noChangeAspect="1"/>
+          </p:cNvPicPr>
+          <p:nvPr/>
+        </p:nvPicPr>
+        <p:blipFill>
+          <a:blip r:embed="rId2"/>
+          <a:srcRect t="2997"/>
+          <a:stretch/>
+        </p:blipFill>
+        <p:spPr>
+          <a:xfrm>
+            <a:off x="1473882" y="3429000"/>
+            <a:ext cx="8210240" cy="3368488"/>
+          </a:xfrm>
+          <a:prstGeom prst="rect">
+            <a:avLst/>
+          </a:prstGeom>
+          <a:ln>
+            <a:solidFill>
+              <a:schemeClr val="tx1"/>
+            </a:solidFill>
+          </a:ln>
+        </p:spPr>
+      </p:pic>
+    </p:spTree>
+    <p:extLst>
+      <p:ext uri="{BB962C8B-B14F-4D97-AF65-F5344CB8AC3E}">
+        <p14:creationId xmlns:p14="http://schemas.microsoft.com/office/powerpoint/2010/main" val="949729401"/>
+      </p:ext>
+    </p:extLst>
+  </p:cSld>
+  <p:clrMapOvr>
+    <a:masterClrMapping/>
+  </p:clrMapOvr>
+</p:sld>
+</file>
+
+<file path=ppt/slides/slide17.xml><?xml version="1.0" encoding="utf-8"?>
+<p:sld xmlns:a="http://schemas.openxmlformats.org/drawingml/2006/main" xmlns:r="http://schemas.openxmlformats.org/officeDocument/2006/relationships" xmlns:p="http://schemas.openxmlformats.org/presentationml/2006/main">
+  <p:cSld>
+    <p:spTree>
+      <p:nvGrpSpPr>
+        <p:cNvPr id="1" name="">
+          <a:extLst>
+            <a:ext uri="{FF2B5EF4-FFF2-40B4-BE49-F238E27FC236}">
+              <a16:creationId xmlns:a16="http://schemas.microsoft.com/office/drawing/2014/main" id="{3C14FDD4-4AFD-B453-D276-E967CDC7BF11}"/>
+            </a:ext>
+          </a:extLst>
+        </p:cNvPr>
+        <p:cNvGrpSpPr/>
+        <p:nvPr/>
+      </p:nvGrpSpPr>
+      <p:grpSpPr>
+        <a:xfrm>
+          <a:off x="0" y="0"/>
+          <a:ext cx="0" cy="0"/>
+          <a:chOff x="0" y="0"/>
+          <a:chExt cx="0" cy="0"/>
+        </a:xfrm>
+      </p:grpSpPr>
+      <p:sp>
+        <p:nvSpPr>
+          <p:cNvPr id="2" name="タイトル 1">
+            <a:extLst>
+              <a:ext uri="{FF2B5EF4-FFF2-40B4-BE49-F238E27FC236}">
+                <a16:creationId xmlns:a16="http://schemas.microsoft.com/office/drawing/2014/main" id="{3C454505-A163-65B8-BEEB-614AF3792AF3}"/>
+              </a:ext>
+            </a:extLst>
+          </p:cNvPr>
+          <p:cNvSpPr>
+            <a:spLocks noGrp="1"/>
+          </p:cNvSpPr>
+          <p:nvPr>
+            <p:ph type="title"/>
+          </p:nvPr>
+        </p:nvSpPr>
+        <p:spPr/>
+        <p:txBody>
+          <a:bodyPr/>
+          <a:lstStyle/>
+          <a:p>
+            <a:r>
+              <a:rPr kumimoji="1" lang="en-US" altLang="ja-JP" dirty="0"/>
+              <a:t>IT</a:t>
+            </a:r>
+            <a:r>
+              <a:rPr kumimoji="1" lang="ja-JP" altLang="en-US" dirty="0"/>
+              <a:t>システムでやることの例</a:t>
+            </a:r>
+          </a:p>
+        </p:txBody>
+      </p:sp>
+      <p:sp>
+        <p:nvSpPr>
+          <p:cNvPr id="3" name="コンテンツ プレースホルダー 2">
+            <a:extLst>
+              <a:ext uri="{FF2B5EF4-FFF2-40B4-BE49-F238E27FC236}">
+                <a16:creationId xmlns:a16="http://schemas.microsoft.com/office/drawing/2014/main" id="{EB990FF7-4816-29CE-D5E6-A9EA30D4FAAE}"/>
+              </a:ext>
+            </a:extLst>
+          </p:cNvPr>
+          <p:cNvSpPr>
+            <a:spLocks noGrp="1"/>
+          </p:cNvSpPr>
+          <p:nvPr>
+            <p:ph idx="1"/>
+          </p:nvPr>
+        </p:nvSpPr>
+        <p:spPr/>
+        <p:txBody>
+          <a:bodyPr/>
+          <a:lstStyle/>
+          <a:p>
+            <a:endParaRPr kumimoji="1" lang="ja-JP" altLang="en-US" dirty="0"/>
+          </a:p>
+        </p:txBody>
+      </p:sp>
+    </p:spTree>
+    <p:extLst>
+      <p:ext uri="{BB962C8B-B14F-4D97-AF65-F5344CB8AC3E}">
+        <p14:creationId xmlns:p14="http://schemas.microsoft.com/office/powerpoint/2010/main" val="3336938435"/>
+      </p:ext>
+    </p:extLst>
+  </p:cSld>
+  <p:clrMapOvr>
+    <a:masterClrMapping/>
+  </p:clrMapOvr>
+</p:sld>
+</file>
+
+<file path=ppt/slides/slide18.xml><?xml version="1.0" encoding="utf-8"?>
+<p:sld xmlns:a="http://schemas.openxmlformats.org/drawingml/2006/main" xmlns:r="http://schemas.openxmlformats.org/officeDocument/2006/relationships" xmlns:p="http://schemas.openxmlformats.org/presentationml/2006/main">
+  <p:cSld>
+    <p:spTree>
+      <p:nvGrpSpPr>
+        <p:cNvPr id="1" name="">
+          <a:extLst>
+            <a:ext uri="{FF2B5EF4-FFF2-40B4-BE49-F238E27FC236}">
+              <a16:creationId xmlns:a16="http://schemas.microsoft.com/office/drawing/2014/main" id="{01B8CB10-BD06-351E-CFBE-C932298B79BA}"/>
+            </a:ext>
+          </a:extLst>
+        </p:cNvPr>
+        <p:cNvGrpSpPr/>
+        <p:nvPr/>
+      </p:nvGrpSpPr>
+      <p:grpSpPr>
+        <a:xfrm>
+          <a:off x="0" y="0"/>
+          <a:ext cx="0" cy="0"/>
+          <a:chOff x="0" y="0"/>
+          <a:chExt cx="0" cy="0"/>
+        </a:xfrm>
+      </p:grpSpPr>
+      <p:sp>
+        <p:nvSpPr>
+          <p:cNvPr id="2" name="タイトル 1">
+            <a:extLst>
+              <a:ext uri="{FF2B5EF4-FFF2-40B4-BE49-F238E27FC236}">
+                <a16:creationId xmlns:a16="http://schemas.microsoft.com/office/drawing/2014/main" id="{EDE0F08F-14A0-758C-E87B-0AC76EE3A8C0}"/>
+              </a:ext>
+            </a:extLst>
+          </p:cNvPr>
+          <p:cNvSpPr>
+            <a:spLocks noGrp="1"/>
+          </p:cNvSpPr>
+          <p:nvPr>
+            <p:ph type="title"/>
+          </p:nvPr>
+        </p:nvSpPr>
+        <p:spPr/>
+        <p:txBody>
+          <a:bodyPr/>
+          <a:lstStyle/>
+          <a:p>
+            <a:endParaRPr kumimoji="1" lang="ja-JP" altLang="en-US"/>
+          </a:p>
+        </p:txBody>
+      </p:sp>
+      <p:sp>
+        <p:nvSpPr>
+          <p:cNvPr id="3" name="コンテンツ プレースホルダー 2">
+            <a:extLst>
+              <a:ext uri="{FF2B5EF4-FFF2-40B4-BE49-F238E27FC236}">
+                <a16:creationId xmlns:a16="http://schemas.microsoft.com/office/drawing/2014/main" id="{45481885-846F-FD95-89FB-9A33D28D3393}"/>
+              </a:ext>
+            </a:extLst>
+          </p:cNvPr>
+          <p:cNvSpPr>
+            <a:spLocks noGrp="1"/>
+          </p:cNvSpPr>
+          <p:nvPr>
+            <p:ph idx="1"/>
+          </p:nvPr>
+        </p:nvSpPr>
+        <p:spPr/>
+        <p:txBody>
+          <a:bodyPr/>
+          <a:lstStyle/>
+          <a:p>
+            <a:endParaRPr kumimoji="1" lang="ja-JP" altLang="en-US" dirty="0"/>
+          </a:p>
+        </p:txBody>
+      </p:sp>
+      <p:pic>
+        <p:nvPicPr>
+          <p:cNvPr id="5" name="図 4">
+            <a:extLst>
+              <a:ext uri="{FF2B5EF4-FFF2-40B4-BE49-F238E27FC236}">
+                <a16:creationId xmlns:a16="http://schemas.microsoft.com/office/drawing/2014/main" id="{3B95F81D-19D2-8338-4776-463A5B9ED034}"/>
+              </a:ext>
+            </a:extLst>
+          </p:cNvPr>
+          <p:cNvPicPr>
+            <a:picLocks noChangeAspect="1"/>
+          </p:cNvPicPr>
+          <p:nvPr/>
+        </p:nvPicPr>
+        <p:blipFill>
+          <a:blip r:embed="rId2"/>
+          <a:stretch>
+            <a:fillRect/>
+          </a:stretch>
+        </p:blipFill>
+        <p:spPr>
+          <a:xfrm>
+            <a:off x="1576419" y="2705730"/>
+            <a:ext cx="7573432" cy="3019846"/>
+          </a:xfrm>
+          <a:prstGeom prst="rect">
+            <a:avLst/>
+          </a:prstGeom>
+        </p:spPr>
+      </p:pic>
+    </p:spTree>
+    <p:extLst>
+      <p:ext uri="{BB962C8B-B14F-4D97-AF65-F5344CB8AC3E}">
+        <p14:creationId xmlns:p14="http://schemas.microsoft.com/office/powerpoint/2010/main" val="631189543"/>
+      </p:ext>
+    </p:extLst>
+  </p:cSld>
+  <p:clrMapOvr>
+    <a:masterClrMapping/>
+  </p:clrMapOvr>
+</p:sld>
+</file>
+
+<file path=ppt/slides/slide19.xml><?xml version="1.0" encoding="utf-8"?>
+<p:sld xmlns:a="http://schemas.openxmlformats.org/drawingml/2006/main" xmlns:r="http://schemas.openxmlformats.org/officeDocument/2006/relationships" xmlns:p="http://schemas.openxmlformats.org/presentationml/2006/main">
+  <p:cSld>
+    <p:spTree>
+      <p:nvGrpSpPr>
+        <p:cNvPr id="1" name="">
+          <a:extLst>
+            <a:ext uri="{FF2B5EF4-FFF2-40B4-BE49-F238E27FC236}">
+              <a16:creationId xmlns:a16="http://schemas.microsoft.com/office/drawing/2014/main" id="{2213CBC0-FA0C-49CA-1024-F4FF3B15D1D6}"/>
+            </a:ext>
+          </a:extLst>
+        </p:cNvPr>
+        <p:cNvGrpSpPr/>
+        <p:nvPr/>
+      </p:nvGrpSpPr>
+      <p:grpSpPr>
+        <a:xfrm>
+          <a:off x="0" y="0"/>
+          <a:ext cx="0" cy="0"/>
+          <a:chOff x="0" y="0"/>
+          <a:chExt cx="0" cy="0"/>
+        </a:xfrm>
+      </p:grpSpPr>
+      <p:sp>
+        <p:nvSpPr>
+          <p:cNvPr id="2" name="タイトル 1">
+            <a:extLst>
+              <a:ext uri="{FF2B5EF4-FFF2-40B4-BE49-F238E27FC236}">
+                <a16:creationId xmlns:a16="http://schemas.microsoft.com/office/drawing/2014/main" id="{0C781253-1B37-8F9F-CF90-4026855E354A}"/>
+              </a:ext>
+            </a:extLst>
+          </p:cNvPr>
+          <p:cNvSpPr>
+            <a:spLocks noGrp="1"/>
+          </p:cNvSpPr>
+          <p:nvPr>
+            <p:ph type="title"/>
+          </p:nvPr>
+        </p:nvSpPr>
+        <p:spPr/>
+        <p:txBody>
+          <a:bodyPr/>
+          <a:lstStyle/>
+          <a:p>
+            <a:endParaRPr kumimoji="1" lang="ja-JP" altLang="en-US"/>
+          </a:p>
+        </p:txBody>
+      </p:sp>
+      <p:sp>
+        <p:nvSpPr>
+          <p:cNvPr id="3" name="コンテンツ プレースホルダー 2">
+            <a:extLst>
+              <a:ext uri="{FF2B5EF4-FFF2-40B4-BE49-F238E27FC236}">
+                <a16:creationId xmlns:a16="http://schemas.microsoft.com/office/drawing/2014/main" id="{A3D823A2-DF74-F9BC-5340-A1C694792745}"/>
+              </a:ext>
+            </a:extLst>
+          </p:cNvPr>
+          <p:cNvSpPr>
+            <a:spLocks noGrp="1"/>
+          </p:cNvSpPr>
+          <p:nvPr>
+            <p:ph idx="1"/>
+          </p:nvPr>
+        </p:nvSpPr>
+        <p:spPr/>
+        <p:txBody>
+          <a:bodyPr/>
+          <a:lstStyle/>
+          <a:p>
+            <a:endParaRPr kumimoji="1" lang="ja-JP" altLang="en-US" dirty="0"/>
+          </a:p>
+        </p:txBody>
+      </p:sp>
+    </p:spTree>
+    <p:extLst>
+      <p:ext uri="{BB962C8B-B14F-4D97-AF65-F5344CB8AC3E}">
+        <p14:creationId xmlns:p14="http://schemas.microsoft.com/office/powerpoint/2010/main" val="1779016745"/>
       </p:ext>
     </p:extLst>
   </p:cSld>
@@ -3872,7 +7509,7 @@
             <a:solidFill>
               <a:schemeClr val="bg1"/>
             </a:solidFill>
-            <a:ln>
+            <a:ln w="28575">
               <a:solidFill>
                 <a:schemeClr val="tx1"/>
               </a:solidFill>
@@ -3938,7 +7575,7 @@
             <a:solidFill>
               <a:schemeClr val="bg1"/>
             </a:solidFill>
-            <a:ln>
+            <a:ln w="28575">
               <a:solidFill>
                 <a:schemeClr val="tx1"/>
               </a:solidFill>
@@ -3971,7 +7608,23 @@
                     <a:schemeClr val="tx1"/>
                   </a:solidFill>
                 </a:rPr>
-                <a:t>お金の流れ</a:t>
+                <a:t>ビジネス</a:t>
+              </a:r>
+              <a:endParaRPr lang="en-US" altLang="ja-JP" sz="2200" b="1" dirty="0">
+                <a:solidFill>
+                  <a:schemeClr val="tx1"/>
+                </a:solidFill>
+              </a:endParaRPr>
+            </a:p>
+            <a:p>
+              <a:pPr algn="ctr"/>
+              <a:r>
+                <a:rPr lang="ja-JP" altLang="en-US" sz="2200" b="1" dirty="0">
+                  <a:solidFill>
+                    <a:schemeClr val="tx1"/>
+                  </a:solidFill>
+                </a:rPr>
+                <a:t>モデル</a:t>
               </a:r>
               <a:endParaRPr kumimoji="1" lang="ja-JP" altLang="en-US" sz="2200" b="1" dirty="0">
                 <a:solidFill>
@@ -4004,7 +7657,7 @@
             <a:solidFill>
               <a:schemeClr val="bg1"/>
             </a:solidFill>
-            <a:ln>
+            <a:ln w="28575">
               <a:solidFill>
                 <a:schemeClr val="tx1"/>
               </a:solidFill>
@@ -4065,7 +7718,7 @@
             <a:solidFill>
               <a:schemeClr val="bg1"/>
             </a:solidFill>
-            <a:ln>
+            <a:ln w="28575">
               <a:solidFill>
                 <a:schemeClr val="tx1"/>
               </a:solidFill>
@@ -4126,7 +7779,7 @@
             <a:solidFill>
               <a:schemeClr val="bg1"/>
             </a:solidFill>
-            <a:ln>
+            <a:ln w="28575">
               <a:solidFill>
                 <a:schemeClr val="tx1"/>
               </a:solidFill>
@@ -4187,7 +7840,7 @@
             <a:solidFill>
               <a:schemeClr val="bg1"/>
             </a:solidFill>
-            <a:ln>
+            <a:ln w="28575">
               <a:solidFill>
                 <a:schemeClr val="tx1"/>
               </a:solidFill>
@@ -4248,7 +7901,7 @@
             <a:solidFill>
               <a:schemeClr val="bg1"/>
             </a:solidFill>
-            <a:ln>
+            <a:ln w="28575">
               <a:solidFill>
                 <a:schemeClr val="tx1"/>
               </a:solidFill>
@@ -4309,7 +7962,7 @@
             <a:solidFill>
               <a:schemeClr val="bg1"/>
             </a:solidFill>
-            <a:ln>
+            <a:ln w="28575">
               <a:solidFill>
                 <a:schemeClr val="tx1"/>
               </a:solidFill>
@@ -4370,7 +8023,7 @@
             <a:solidFill>
               <a:schemeClr val="bg1"/>
             </a:solidFill>
-            <a:ln>
+            <a:ln w="28575">
               <a:solidFill>
                 <a:schemeClr val="tx1"/>
               </a:solidFill>
@@ -4431,7 +8084,7 @@
             <a:prstGeom prst="straightConnector1">
               <a:avLst/>
             </a:prstGeom>
-            <a:ln w="38100">
+            <a:ln w="28575">
               <a:solidFill>
                 <a:schemeClr val="tx1"/>
               </a:solidFill>
@@ -4476,7 +8129,7 @@
             <a:prstGeom prst="straightConnector1">
               <a:avLst/>
             </a:prstGeom>
-            <a:ln w="38100">
+            <a:ln w="28575">
               <a:solidFill>
                 <a:schemeClr val="tx1"/>
               </a:solidFill>
@@ -4521,7 +8174,7 @@
             <a:prstGeom prst="straightConnector1">
               <a:avLst/>
             </a:prstGeom>
-            <a:ln w="38100">
+            <a:ln w="28575">
               <a:solidFill>
                 <a:schemeClr val="tx1"/>
               </a:solidFill>
@@ -4566,7 +8219,7 @@
             <a:prstGeom prst="straightConnector1">
               <a:avLst/>
             </a:prstGeom>
-            <a:ln w="38100">
+            <a:ln w="28575">
               <a:solidFill>
                 <a:schemeClr val="tx1"/>
               </a:solidFill>
@@ -4613,7 +8266,7 @@
             </a:solidFill>
             <a:ln w="38100">
               <a:solidFill>
-                <a:srgbClr val="0070C0"/>
+                <a:srgbClr val="FF0000"/>
               </a:solidFill>
             </a:ln>
           </p:spPr>
@@ -4644,7 +8297,7 @@
                     <a:schemeClr val="tx1"/>
                   </a:solidFill>
                 </a:rPr>
-                <a:t>事業改革</a:t>
+                <a:t>業務改革</a:t>
               </a:r>
               <a:r>
                 <a:rPr kumimoji="1" lang="en-US" altLang="ja-JP" sz="2600" b="1" dirty="0">
@@ -4687,7 +8340,7 @@
             </a:solidFill>
             <a:ln w="38100">
               <a:solidFill>
-                <a:srgbClr val="FF0000"/>
+                <a:srgbClr val="0070C0"/>
               </a:solidFill>
             </a:ln>
           </p:spPr>
@@ -4772,7 +8425,7 @@
             </a:solidFill>
             <a:ln w="38100">
               <a:solidFill>
-                <a:srgbClr val="FF0000"/>
+                <a:srgbClr val="0070C0"/>
               </a:solidFill>
             </a:ln>
           </p:spPr>
@@ -4886,6 +8539,41 @@
           </a:p>
         </p:txBody>
       </p:sp>
+      <p:sp>
+        <p:nvSpPr>
+          <p:cNvPr id="12" name="テキスト ボックス 11">
+            <a:extLst>
+              <a:ext uri="{FF2B5EF4-FFF2-40B4-BE49-F238E27FC236}">
+                <a16:creationId xmlns:a16="http://schemas.microsoft.com/office/drawing/2014/main" id="{0482526B-A410-DFD0-CFBB-96A09AFACFE5}"/>
+              </a:ext>
+            </a:extLst>
+          </p:cNvPr>
+          <p:cNvSpPr txBox="1"/>
+          <p:nvPr/>
+        </p:nvSpPr>
+        <p:spPr>
+          <a:xfrm>
+            <a:off x="5342541" y="6281129"/>
+            <a:ext cx="1338828" cy="369332"/>
+          </a:xfrm>
+          <a:prstGeom prst="rect">
+            <a:avLst/>
+          </a:prstGeom>
+          <a:noFill/>
+        </p:spPr>
+        <p:txBody>
+          <a:bodyPr wrap="none" rtlCol="0">
+            <a:spAutoFit/>
+          </a:bodyPr>
+          <a:lstStyle/>
+          <a:p>
+            <a:r>
+              <a:rPr kumimoji="1" lang="ja-JP" altLang="en-US" dirty="0"/>
+              <a:t>今回はこれ</a:t>
+            </a:r>
+          </a:p>
+        </p:txBody>
+      </p:sp>
     </p:spTree>
     <p:extLst>
       <p:ext uri="{BB962C8B-B14F-4D97-AF65-F5344CB8AC3E}">
@@ -4899,7 +8587,938 @@
 </p:sld>
 </file>
 
+<file path=ppt/slides/slide20.xml><?xml version="1.0" encoding="utf-8"?>
+<p:sld xmlns:a="http://schemas.openxmlformats.org/drawingml/2006/main" xmlns:r="http://schemas.openxmlformats.org/officeDocument/2006/relationships" xmlns:p="http://schemas.openxmlformats.org/presentationml/2006/main">
+  <p:cSld>
+    <p:spTree>
+      <p:nvGrpSpPr>
+        <p:cNvPr id="1" name="">
+          <a:extLst>
+            <a:ext uri="{FF2B5EF4-FFF2-40B4-BE49-F238E27FC236}">
+              <a16:creationId xmlns:a16="http://schemas.microsoft.com/office/drawing/2014/main" id="{40660737-26F6-685D-109B-AFD22E9B5F48}"/>
+            </a:ext>
+          </a:extLst>
+        </p:cNvPr>
+        <p:cNvGrpSpPr/>
+        <p:nvPr/>
+      </p:nvGrpSpPr>
+      <p:grpSpPr>
+        <a:xfrm>
+          <a:off x="0" y="0"/>
+          <a:ext cx="0" cy="0"/>
+          <a:chOff x="0" y="0"/>
+          <a:chExt cx="0" cy="0"/>
+        </a:xfrm>
+      </p:grpSpPr>
+      <p:sp>
+        <p:nvSpPr>
+          <p:cNvPr id="2" name="タイトル 1">
+            <a:extLst>
+              <a:ext uri="{FF2B5EF4-FFF2-40B4-BE49-F238E27FC236}">
+                <a16:creationId xmlns:a16="http://schemas.microsoft.com/office/drawing/2014/main" id="{4F0B93C6-7EBE-D155-2FE1-979D9A37D6CF}"/>
+              </a:ext>
+            </a:extLst>
+          </p:cNvPr>
+          <p:cNvSpPr>
+            <a:spLocks noGrp="1"/>
+          </p:cNvSpPr>
+          <p:nvPr>
+            <p:ph type="title"/>
+          </p:nvPr>
+        </p:nvSpPr>
+        <p:spPr/>
+        <p:txBody>
+          <a:bodyPr/>
+          <a:lstStyle/>
+          <a:p>
+            <a:endParaRPr kumimoji="1" lang="ja-JP" altLang="en-US"/>
+          </a:p>
+        </p:txBody>
+      </p:sp>
+      <p:sp>
+        <p:nvSpPr>
+          <p:cNvPr id="3" name="コンテンツ プレースホルダー 2">
+            <a:extLst>
+              <a:ext uri="{FF2B5EF4-FFF2-40B4-BE49-F238E27FC236}">
+                <a16:creationId xmlns:a16="http://schemas.microsoft.com/office/drawing/2014/main" id="{6B69E7EE-AF6A-A4D4-DA74-8D062582716A}"/>
+              </a:ext>
+            </a:extLst>
+          </p:cNvPr>
+          <p:cNvSpPr>
+            <a:spLocks noGrp="1"/>
+          </p:cNvSpPr>
+          <p:nvPr>
+            <p:ph idx="1"/>
+          </p:nvPr>
+        </p:nvSpPr>
+        <p:spPr/>
+        <p:txBody>
+          <a:bodyPr/>
+          <a:lstStyle/>
+          <a:p>
+            <a:endParaRPr kumimoji="1" lang="ja-JP" altLang="en-US" dirty="0"/>
+          </a:p>
+        </p:txBody>
+      </p:sp>
+    </p:spTree>
+    <p:extLst>
+      <p:ext uri="{BB962C8B-B14F-4D97-AF65-F5344CB8AC3E}">
+        <p14:creationId xmlns:p14="http://schemas.microsoft.com/office/powerpoint/2010/main" val="4209693081"/>
+      </p:ext>
+    </p:extLst>
+  </p:cSld>
+  <p:clrMapOvr>
+    <a:masterClrMapping/>
+  </p:clrMapOvr>
+</p:sld>
+</file>
+
+<file path=ppt/slides/slide21.xml><?xml version="1.0" encoding="utf-8"?>
+<p:sld xmlns:a="http://schemas.openxmlformats.org/drawingml/2006/main" xmlns:r="http://schemas.openxmlformats.org/officeDocument/2006/relationships" xmlns:p="http://schemas.openxmlformats.org/presentationml/2006/main">
+  <p:cSld>
+    <p:spTree>
+      <p:nvGrpSpPr>
+        <p:cNvPr id="1" name="">
+          <a:extLst>
+            <a:ext uri="{FF2B5EF4-FFF2-40B4-BE49-F238E27FC236}">
+              <a16:creationId xmlns:a16="http://schemas.microsoft.com/office/drawing/2014/main" id="{0DCA90D8-9D16-A084-0618-1D789200E89F}"/>
+            </a:ext>
+          </a:extLst>
+        </p:cNvPr>
+        <p:cNvGrpSpPr/>
+        <p:nvPr/>
+      </p:nvGrpSpPr>
+      <p:grpSpPr>
+        <a:xfrm>
+          <a:off x="0" y="0"/>
+          <a:ext cx="0" cy="0"/>
+          <a:chOff x="0" y="0"/>
+          <a:chExt cx="0" cy="0"/>
+        </a:xfrm>
+      </p:grpSpPr>
+      <p:sp>
+        <p:nvSpPr>
+          <p:cNvPr id="2" name="タイトル 1">
+            <a:extLst>
+              <a:ext uri="{FF2B5EF4-FFF2-40B4-BE49-F238E27FC236}">
+                <a16:creationId xmlns:a16="http://schemas.microsoft.com/office/drawing/2014/main" id="{AFF12727-9531-0893-5727-8E7C6208DF4F}"/>
+              </a:ext>
+            </a:extLst>
+          </p:cNvPr>
+          <p:cNvSpPr>
+            <a:spLocks noGrp="1"/>
+          </p:cNvSpPr>
+          <p:nvPr>
+            <p:ph type="title"/>
+          </p:nvPr>
+        </p:nvSpPr>
+        <p:spPr/>
+        <p:txBody>
+          <a:bodyPr/>
+          <a:lstStyle/>
+          <a:p>
+            <a:endParaRPr kumimoji="1" lang="ja-JP" altLang="en-US"/>
+          </a:p>
+        </p:txBody>
+      </p:sp>
+      <p:sp>
+        <p:nvSpPr>
+          <p:cNvPr id="3" name="コンテンツ プレースホルダー 2">
+            <a:extLst>
+              <a:ext uri="{FF2B5EF4-FFF2-40B4-BE49-F238E27FC236}">
+                <a16:creationId xmlns:a16="http://schemas.microsoft.com/office/drawing/2014/main" id="{F1C59267-FA56-38AB-F2B5-A6896ECCF4C3}"/>
+              </a:ext>
+            </a:extLst>
+          </p:cNvPr>
+          <p:cNvSpPr>
+            <a:spLocks noGrp="1"/>
+          </p:cNvSpPr>
+          <p:nvPr>
+            <p:ph idx="1"/>
+          </p:nvPr>
+        </p:nvSpPr>
+        <p:spPr/>
+        <p:txBody>
+          <a:bodyPr/>
+          <a:lstStyle/>
+          <a:p>
+            <a:endParaRPr kumimoji="1" lang="ja-JP" altLang="en-US" dirty="0"/>
+          </a:p>
+        </p:txBody>
+      </p:sp>
+    </p:spTree>
+    <p:extLst>
+      <p:ext uri="{BB962C8B-B14F-4D97-AF65-F5344CB8AC3E}">
+        <p14:creationId xmlns:p14="http://schemas.microsoft.com/office/powerpoint/2010/main" val="2862062431"/>
+      </p:ext>
+    </p:extLst>
+  </p:cSld>
+  <p:clrMapOvr>
+    <a:masterClrMapping/>
+  </p:clrMapOvr>
+</p:sld>
+</file>
+
+<file path=ppt/slides/slide22.xml><?xml version="1.0" encoding="utf-8"?>
+<p:sld xmlns:a="http://schemas.openxmlformats.org/drawingml/2006/main" xmlns:r="http://schemas.openxmlformats.org/officeDocument/2006/relationships" xmlns:p="http://schemas.openxmlformats.org/presentationml/2006/main">
+  <p:cSld>
+    <p:spTree>
+      <p:nvGrpSpPr>
+        <p:cNvPr id="1" name="">
+          <a:extLst>
+            <a:ext uri="{FF2B5EF4-FFF2-40B4-BE49-F238E27FC236}">
+              <a16:creationId xmlns:a16="http://schemas.microsoft.com/office/drawing/2014/main" id="{B1841EAA-D199-9761-ACE4-E50BB90CD858}"/>
+            </a:ext>
+          </a:extLst>
+        </p:cNvPr>
+        <p:cNvGrpSpPr/>
+        <p:nvPr/>
+      </p:nvGrpSpPr>
+      <p:grpSpPr>
+        <a:xfrm>
+          <a:off x="0" y="0"/>
+          <a:ext cx="0" cy="0"/>
+          <a:chOff x="0" y="0"/>
+          <a:chExt cx="0" cy="0"/>
+        </a:xfrm>
+      </p:grpSpPr>
+      <p:sp>
+        <p:nvSpPr>
+          <p:cNvPr id="2" name="タイトル 1">
+            <a:extLst>
+              <a:ext uri="{FF2B5EF4-FFF2-40B4-BE49-F238E27FC236}">
+                <a16:creationId xmlns:a16="http://schemas.microsoft.com/office/drawing/2014/main" id="{0A7AD899-8D40-245C-2713-054F7545C663}"/>
+              </a:ext>
+            </a:extLst>
+          </p:cNvPr>
+          <p:cNvSpPr>
+            <a:spLocks noGrp="1"/>
+          </p:cNvSpPr>
+          <p:nvPr>
+            <p:ph type="title"/>
+          </p:nvPr>
+        </p:nvSpPr>
+        <p:spPr/>
+        <p:txBody>
+          <a:bodyPr/>
+          <a:lstStyle/>
+          <a:p>
+            <a:endParaRPr kumimoji="1" lang="ja-JP" altLang="en-US"/>
+          </a:p>
+        </p:txBody>
+      </p:sp>
+      <p:sp>
+        <p:nvSpPr>
+          <p:cNvPr id="3" name="コンテンツ プレースホルダー 2">
+            <a:extLst>
+              <a:ext uri="{FF2B5EF4-FFF2-40B4-BE49-F238E27FC236}">
+                <a16:creationId xmlns:a16="http://schemas.microsoft.com/office/drawing/2014/main" id="{C00C8573-35C3-0EF0-EE4B-D672634876D5}"/>
+              </a:ext>
+            </a:extLst>
+          </p:cNvPr>
+          <p:cNvSpPr>
+            <a:spLocks noGrp="1"/>
+          </p:cNvSpPr>
+          <p:nvPr>
+            <p:ph idx="1"/>
+          </p:nvPr>
+        </p:nvSpPr>
+        <p:spPr/>
+        <p:txBody>
+          <a:bodyPr/>
+          <a:lstStyle/>
+          <a:p>
+            <a:endParaRPr kumimoji="1" lang="ja-JP" altLang="en-US" dirty="0"/>
+          </a:p>
+        </p:txBody>
+      </p:sp>
+    </p:spTree>
+    <p:extLst>
+      <p:ext uri="{BB962C8B-B14F-4D97-AF65-F5344CB8AC3E}">
+        <p14:creationId xmlns:p14="http://schemas.microsoft.com/office/powerpoint/2010/main" val="2802464811"/>
+      </p:ext>
+    </p:extLst>
+  </p:cSld>
+  <p:clrMapOvr>
+    <a:masterClrMapping/>
+  </p:clrMapOvr>
+</p:sld>
+</file>
+
+<file path=ppt/slides/slide23.xml><?xml version="1.0" encoding="utf-8"?>
+<p:sld xmlns:a="http://schemas.openxmlformats.org/drawingml/2006/main" xmlns:r="http://schemas.openxmlformats.org/officeDocument/2006/relationships" xmlns:p="http://schemas.openxmlformats.org/presentationml/2006/main">
+  <p:cSld>
+    <p:spTree>
+      <p:nvGrpSpPr>
+        <p:cNvPr id="1" name="">
+          <a:extLst>
+            <a:ext uri="{FF2B5EF4-FFF2-40B4-BE49-F238E27FC236}">
+              <a16:creationId xmlns:a16="http://schemas.microsoft.com/office/drawing/2014/main" id="{C5B22831-CB7E-60E2-76E1-1BA877948793}"/>
+            </a:ext>
+          </a:extLst>
+        </p:cNvPr>
+        <p:cNvGrpSpPr/>
+        <p:nvPr/>
+      </p:nvGrpSpPr>
+      <p:grpSpPr>
+        <a:xfrm>
+          <a:off x="0" y="0"/>
+          <a:ext cx="0" cy="0"/>
+          <a:chOff x="0" y="0"/>
+          <a:chExt cx="0" cy="0"/>
+        </a:xfrm>
+      </p:grpSpPr>
+      <p:sp>
+        <p:nvSpPr>
+          <p:cNvPr id="2" name="タイトル 1">
+            <a:extLst>
+              <a:ext uri="{FF2B5EF4-FFF2-40B4-BE49-F238E27FC236}">
+                <a16:creationId xmlns:a16="http://schemas.microsoft.com/office/drawing/2014/main" id="{CA566EB0-90D6-CE8C-F6BA-5F6E132ABDCB}"/>
+              </a:ext>
+            </a:extLst>
+          </p:cNvPr>
+          <p:cNvSpPr>
+            <a:spLocks noGrp="1"/>
+          </p:cNvSpPr>
+          <p:nvPr>
+            <p:ph type="title"/>
+          </p:nvPr>
+        </p:nvSpPr>
+        <p:spPr/>
+        <p:txBody>
+          <a:bodyPr/>
+          <a:lstStyle/>
+          <a:p>
+            <a:endParaRPr kumimoji="1" lang="ja-JP" altLang="en-US"/>
+          </a:p>
+        </p:txBody>
+      </p:sp>
+      <p:sp>
+        <p:nvSpPr>
+          <p:cNvPr id="3" name="コンテンツ プレースホルダー 2">
+            <a:extLst>
+              <a:ext uri="{FF2B5EF4-FFF2-40B4-BE49-F238E27FC236}">
+                <a16:creationId xmlns:a16="http://schemas.microsoft.com/office/drawing/2014/main" id="{0DE5803C-09AB-FAD8-0991-9B8A04D68DE8}"/>
+              </a:ext>
+            </a:extLst>
+          </p:cNvPr>
+          <p:cNvSpPr>
+            <a:spLocks noGrp="1"/>
+          </p:cNvSpPr>
+          <p:nvPr>
+            <p:ph idx="1"/>
+          </p:nvPr>
+        </p:nvSpPr>
+        <p:spPr/>
+        <p:txBody>
+          <a:bodyPr/>
+          <a:lstStyle/>
+          <a:p>
+            <a:endParaRPr kumimoji="1" lang="ja-JP" altLang="en-US" dirty="0"/>
+          </a:p>
+        </p:txBody>
+      </p:sp>
+    </p:spTree>
+    <p:extLst>
+      <p:ext uri="{BB962C8B-B14F-4D97-AF65-F5344CB8AC3E}">
+        <p14:creationId xmlns:p14="http://schemas.microsoft.com/office/powerpoint/2010/main" val="341653493"/>
+      </p:ext>
+    </p:extLst>
+  </p:cSld>
+  <p:clrMapOvr>
+    <a:masterClrMapping/>
+  </p:clrMapOvr>
+</p:sld>
+</file>
+
+<file path=ppt/slides/slide24.xml><?xml version="1.0" encoding="utf-8"?>
+<p:sld xmlns:a="http://schemas.openxmlformats.org/drawingml/2006/main" xmlns:r="http://schemas.openxmlformats.org/officeDocument/2006/relationships" xmlns:p="http://schemas.openxmlformats.org/presentationml/2006/main">
+  <p:cSld>
+    <p:spTree>
+      <p:nvGrpSpPr>
+        <p:cNvPr id="1" name="">
+          <a:extLst>
+            <a:ext uri="{FF2B5EF4-FFF2-40B4-BE49-F238E27FC236}">
+              <a16:creationId xmlns:a16="http://schemas.microsoft.com/office/drawing/2014/main" id="{986623D0-E2C1-EBE6-DC67-F19AFC3CF422}"/>
+            </a:ext>
+          </a:extLst>
+        </p:cNvPr>
+        <p:cNvGrpSpPr/>
+        <p:nvPr/>
+      </p:nvGrpSpPr>
+      <p:grpSpPr>
+        <a:xfrm>
+          <a:off x="0" y="0"/>
+          <a:ext cx="0" cy="0"/>
+          <a:chOff x="0" y="0"/>
+          <a:chExt cx="0" cy="0"/>
+        </a:xfrm>
+      </p:grpSpPr>
+      <p:sp>
+        <p:nvSpPr>
+          <p:cNvPr id="2" name="タイトル 1">
+            <a:extLst>
+              <a:ext uri="{FF2B5EF4-FFF2-40B4-BE49-F238E27FC236}">
+                <a16:creationId xmlns:a16="http://schemas.microsoft.com/office/drawing/2014/main" id="{930F10AF-CA8D-3291-CE03-7F84F09BA78F}"/>
+              </a:ext>
+            </a:extLst>
+          </p:cNvPr>
+          <p:cNvSpPr>
+            <a:spLocks noGrp="1"/>
+          </p:cNvSpPr>
+          <p:nvPr>
+            <p:ph type="title"/>
+          </p:nvPr>
+        </p:nvSpPr>
+        <p:spPr/>
+        <p:txBody>
+          <a:bodyPr/>
+          <a:lstStyle/>
+          <a:p>
+            <a:endParaRPr kumimoji="1" lang="ja-JP" altLang="en-US"/>
+          </a:p>
+        </p:txBody>
+      </p:sp>
+      <p:sp>
+        <p:nvSpPr>
+          <p:cNvPr id="3" name="コンテンツ プレースホルダー 2">
+            <a:extLst>
+              <a:ext uri="{FF2B5EF4-FFF2-40B4-BE49-F238E27FC236}">
+                <a16:creationId xmlns:a16="http://schemas.microsoft.com/office/drawing/2014/main" id="{53F17DEF-647C-D46E-2578-0C4F7151E477}"/>
+              </a:ext>
+            </a:extLst>
+          </p:cNvPr>
+          <p:cNvSpPr>
+            <a:spLocks noGrp="1"/>
+          </p:cNvSpPr>
+          <p:nvPr>
+            <p:ph idx="1"/>
+          </p:nvPr>
+        </p:nvSpPr>
+        <p:spPr/>
+        <p:txBody>
+          <a:bodyPr/>
+          <a:lstStyle/>
+          <a:p>
+            <a:endParaRPr kumimoji="1" lang="ja-JP" altLang="en-US" dirty="0"/>
+          </a:p>
+        </p:txBody>
+      </p:sp>
+    </p:spTree>
+    <p:extLst>
+      <p:ext uri="{BB962C8B-B14F-4D97-AF65-F5344CB8AC3E}">
+        <p14:creationId xmlns:p14="http://schemas.microsoft.com/office/powerpoint/2010/main" val="2521631442"/>
+      </p:ext>
+    </p:extLst>
+  </p:cSld>
+  <p:clrMapOvr>
+    <a:masterClrMapping/>
+  </p:clrMapOvr>
+</p:sld>
+</file>
+
+<file path=ppt/slides/slide25.xml><?xml version="1.0" encoding="utf-8"?>
+<p:sld xmlns:a="http://schemas.openxmlformats.org/drawingml/2006/main" xmlns:r="http://schemas.openxmlformats.org/officeDocument/2006/relationships" xmlns:p="http://schemas.openxmlformats.org/presentationml/2006/main">
+  <p:cSld>
+    <p:spTree>
+      <p:nvGrpSpPr>
+        <p:cNvPr id="1" name="">
+          <a:extLst>
+            <a:ext uri="{FF2B5EF4-FFF2-40B4-BE49-F238E27FC236}">
+              <a16:creationId xmlns:a16="http://schemas.microsoft.com/office/drawing/2014/main" id="{0D33D3FC-2892-B058-4979-891FF55BE2BA}"/>
+            </a:ext>
+          </a:extLst>
+        </p:cNvPr>
+        <p:cNvGrpSpPr/>
+        <p:nvPr/>
+      </p:nvGrpSpPr>
+      <p:grpSpPr>
+        <a:xfrm>
+          <a:off x="0" y="0"/>
+          <a:ext cx="0" cy="0"/>
+          <a:chOff x="0" y="0"/>
+          <a:chExt cx="0" cy="0"/>
+        </a:xfrm>
+      </p:grpSpPr>
+      <p:sp>
+        <p:nvSpPr>
+          <p:cNvPr id="2" name="タイトル 1">
+            <a:extLst>
+              <a:ext uri="{FF2B5EF4-FFF2-40B4-BE49-F238E27FC236}">
+                <a16:creationId xmlns:a16="http://schemas.microsoft.com/office/drawing/2014/main" id="{D4D4FD9E-A9BA-91CB-B306-76C89FAF6CB7}"/>
+              </a:ext>
+            </a:extLst>
+          </p:cNvPr>
+          <p:cNvSpPr>
+            <a:spLocks noGrp="1"/>
+          </p:cNvSpPr>
+          <p:nvPr>
+            <p:ph type="title"/>
+          </p:nvPr>
+        </p:nvSpPr>
+        <p:spPr/>
+        <p:txBody>
+          <a:bodyPr/>
+          <a:lstStyle/>
+          <a:p>
+            <a:endParaRPr kumimoji="1" lang="ja-JP" altLang="en-US"/>
+          </a:p>
+        </p:txBody>
+      </p:sp>
+      <p:sp>
+        <p:nvSpPr>
+          <p:cNvPr id="3" name="コンテンツ プレースホルダー 2">
+            <a:extLst>
+              <a:ext uri="{FF2B5EF4-FFF2-40B4-BE49-F238E27FC236}">
+                <a16:creationId xmlns:a16="http://schemas.microsoft.com/office/drawing/2014/main" id="{53C06DA0-13ED-CA3E-71C1-442564FE3881}"/>
+              </a:ext>
+            </a:extLst>
+          </p:cNvPr>
+          <p:cNvSpPr>
+            <a:spLocks noGrp="1"/>
+          </p:cNvSpPr>
+          <p:nvPr>
+            <p:ph idx="1"/>
+          </p:nvPr>
+        </p:nvSpPr>
+        <p:spPr/>
+        <p:txBody>
+          <a:bodyPr/>
+          <a:lstStyle/>
+          <a:p>
+            <a:endParaRPr kumimoji="1" lang="ja-JP" altLang="en-US" dirty="0"/>
+          </a:p>
+        </p:txBody>
+      </p:sp>
+    </p:spTree>
+    <p:extLst>
+      <p:ext uri="{BB962C8B-B14F-4D97-AF65-F5344CB8AC3E}">
+        <p14:creationId xmlns:p14="http://schemas.microsoft.com/office/powerpoint/2010/main" val="2172095063"/>
+      </p:ext>
+    </p:extLst>
+  </p:cSld>
+  <p:clrMapOvr>
+    <a:masterClrMapping/>
+  </p:clrMapOvr>
+</p:sld>
+</file>
+
+<file path=ppt/slides/slide26.xml><?xml version="1.0" encoding="utf-8"?>
+<p:sld xmlns:a="http://schemas.openxmlformats.org/drawingml/2006/main" xmlns:r="http://schemas.openxmlformats.org/officeDocument/2006/relationships" xmlns:p="http://schemas.openxmlformats.org/presentationml/2006/main">
+  <p:cSld>
+    <p:spTree>
+      <p:nvGrpSpPr>
+        <p:cNvPr id="1" name="">
+          <a:extLst>
+            <a:ext uri="{FF2B5EF4-FFF2-40B4-BE49-F238E27FC236}">
+              <a16:creationId xmlns:a16="http://schemas.microsoft.com/office/drawing/2014/main" id="{330F4625-6172-E386-FAB4-D6DF17E36656}"/>
+            </a:ext>
+          </a:extLst>
+        </p:cNvPr>
+        <p:cNvGrpSpPr/>
+        <p:nvPr/>
+      </p:nvGrpSpPr>
+      <p:grpSpPr>
+        <a:xfrm>
+          <a:off x="0" y="0"/>
+          <a:ext cx="0" cy="0"/>
+          <a:chOff x="0" y="0"/>
+          <a:chExt cx="0" cy="0"/>
+        </a:xfrm>
+      </p:grpSpPr>
+      <p:sp>
+        <p:nvSpPr>
+          <p:cNvPr id="2" name="タイトル 1">
+            <a:extLst>
+              <a:ext uri="{FF2B5EF4-FFF2-40B4-BE49-F238E27FC236}">
+                <a16:creationId xmlns:a16="http://schemas.microsoft.com/office/drawing/2014/main" id="{760C1D3E-7343-19E7-8DE1-B0B6E2B5552F}"/>
+              </a:ext>
+            </a:extLst>
+          </p:cNvPr>
+          <p:cNvSpPr>
+            <a:spLocks noGrp="1"/>
+          </p:cNvSpPr>
+          <p:nvPr>
+            <p:ph type="title"/>
+          </p:nvPr>
+        </p:nvSpPr>
+        <p:spPr/>
+        <p:txBody>
+          <a:bodyPr/>
+          <a:lstStyle/>
+          <a:p>
+            <a:endParaRPr kumimoji="1" lang="ja-JP" altLang="en-US"/>
+          </a:p>
+        </p:txBody>
+      </p:sp>
+      <p:sp>
+        <p:nvSpPr>
+          <p:cNvPr id="3" name="コンテンツ プレースホルダー 2">
+            <a:extLst>
+              <a:ext uri="{FF2B5EF4-FFF2-40B4-BE49-F238E27FC236}">
+                <a16:creationId xmlns:a16="http://schemas.microsoft.com/office/drawing/2014/main" id="{72FBD3D6-B3FD-A468-B058-4BD3053BF4F2}"/>
+              </a:ext>
+            </a:extLst>
+          </p:cNvPr>
+          <p:cNvSpPr>
+            <a:spLocks noGrp="1"/>
+          </p:cNvSpPr>
+          <p:nvPr>
+            <p:ph idx="1"/>
+          </p:nvPr>
+        </p:nvSpPr>
+        <p:spPr/>
+        <p:txBody>
+          <a:bodyPr/>
+          <a:lstStyle/>
+          <a:p>
+            <a:endParaRPr kumimoji="1" lang="ja-JP" altLang="en-US" dirty="0"/>
+          </a:p>
+        </p:txBody>
+      </p:sp>
+    </p:spTree>
+    <p:extLst>
+      <p:ext uri="{BB962C8B-B14F-4D97-AF65-F5344CB8AC3E}">
+        <p14:creationId xmlns:p14="http://schemas.microsoft.com/office/powerpoint/2010/main" val="14369716"/>
+      </p:ext>
+    </p:extLst>
+  </p:cSld>
+  <p:clrMapOvr>
+    <a:masterClrMapping/>
+  </p:clrMapOvr>
+</p:sld>
+</file>
+
+<file path=ppt/slides/slide27.xml><?xml version="1.0" encoding="utf-8"?>
+<p:sld xmlns:a="http://schemas.openxmlformats.org/drawingml/2006/main" xmlns:r="http://schemas.openxmlformats.org/officeDocument/2006/relationships" xmlns:p="http://schemas.openxmlformats.org/presentationml/2006/main">
+  <p:cSld>
+    <p:spTree>
+      <p:nvGrpSpPr>
+        <p:cNvPr id="1" name="">
+          <a:extLst>
+            <a:ext uri="{FF2B5EF4-FFF2-40B4-BE49-F238E27FC236}">
+              <a16:creationId xmlns:a16="http://schemas.microsoft.com/office/drawing/2014/main" id="{05542EF1-4670-EB29-14E6-4FB9ACFEDF86}"/>
+            </a:ext>
+          </a:extLst>
+        </p:cNvPr>
+        <p:cNvGrpSpPr/>
+        <p:nvPr/>
+      </p:nvGrpSpPr>
+      <p:grpSpPr>
+        <a:xfrm>
+          <a:off x="0" y="0"/>
+          <a:ext cx="0" cy="0"/>
+          <a:chOff x="0" y="0"/>
+          <a:chExt cx="0" cy="0"/>
+        </a:xfrm>
+      </p:grpSpPr>
+      <p:sp>
+        <p:nvSpPr>
+          <p:cNvPr id="2" name="タイトル 1">
+            <a:extLst>
+              <a:ext uri="{FF2B5EF4-FFF2-40B4-BE49-F238E27FC236}">
+                <a16:creationId xmlns:a16="http://schemas.microsoft.com/office/drawing/2014/main" id="{4F8D2EF4-C593-2D23-5CBD-7DA2CD6A8B12}"/>
+              </a:ext>
+            </a:extLst>
+          </p:cNvPr>
+          <p:cNvSpPr>
+            <a:spLocks noGrp="1"/>
+          </p:cNvSpPr>
+          <p:nvPr>
+            <p:ph type="title"/>
+          </p:nvPr>
+        </p:nvSpPr>
+        <p:spPr/>
+        <p:txBody>
+          <a:bodyPr/>
+          <a:lstStyle/>
+          <a:p>
+            <a:endParaRPr kumimoji="1" lang="ja-JP" altLang="en-US"/>
+          </a:p>
+        </p:txBody>
+      </p:sp>
+      <p:sp>
+        <p:nvSpPr>
+          <p:cNvPr id="3" name="コンテンツ プレースホルダー 2">
+            <a:extLst>
+              <a:ext uri="{FF2B5EF4-FFF2-40B4-BE49-F238E27FC236}">
+                <a16:creationId xmlns:a16="http://schemas.microsoft.com/office/drawing/2014/main" id="{79038ADE-D7A2-8B19-8271-E4EC7139BBFA}"/>
+              </a:ext>
+            </a:extLst>
+          </p:cNvPr>
+          <p:cNvSpPr>
+            <a:spLocks noGrp="1"/>
+          </p:cNvSpPr>
+          <p:nvPr>
+            <p:ph idx="1"/>
+          </p:nvPr>
+        </p:nvSpPr>
+        <p:spPr/>
+        <p:txBody>
+          <a:bodyPr/>
+          <a:lstStyle/>
+          <a:p>
+            <a:endParaRPr kumimoji="1" lang="ja-JP" altLang="en-US" dirty="0"/>
+          </a:p>
+        </p:txBody>
+      </p:sp>
+    </p:spTree>
+    <p:extLst>
+      <p:ext uri="{BB962C8B-B14F-4D97-AF65-F5344CB8AC3E}">
+        <p14:creationId xmlns:p14="http://schemas.microsoft.com/office/powerpoint/2010/main" val="3700908488"/>
+      </p:ext>
+    </p:extLst>
+  </p:cSld>
+  <p:clrMapOvr>
+    <a:masterClrMapping/>
+  </p:clrMapOvr>
+</p:sld>
+</file>
+
+<file path=ppt/slides/slide28.xml><?xml version="1.0" encoding="utf-8"?>
+<p:sld xmlns:a="http://schemas.openxmlformats.org/drawingml/2006/main" xmlns:r="http://schemas.openxmlformats.org/officeDocument/2006/relationships" xmlns:p="http://schemas.openxmlformats.org/presentationml/2006/main">
+  <p:cSld>
+    <p:spTree>
+      <p:nvGrpSpPr>
+        <p:cNvPr id="1" name="">
+          <a:extLst>
+            <a:ext uri="{FF2B5EF4-FFF2-40B4-BE49-F238E27FC236}">
+              <a16:creationId xmlns:a16="http://schemas.microsoft.com/office/drawing/2014/main" id="{A7A91FE4-6C89-7EE2-6EFB-E9B170E2A203}"/>
+            </a:ext>
+          </a:extLst>
+        </p:cNvPr>
+        <p:cNvGrpSpPr/>
+        <p:nvPr/>
+      </p:nvGrpSpPr>
+      <p:grpSpPr>
+        <a:xfrm>
+          <a:off x="0" y="0"/>
+          <a:ext cx="0" cy="0"/>
+          <a:chOff x="0" y="0"/>
+          <a:chExt cx="0" cy="0"/>
+        </a:xfrm>
+      </p:grpSpPr>
+      <p:sp>
+        <p:nvSpPr>
+          <p:cNvPr id="2" name="タイトル 1">
+            <a:extLst>
+              <a:ext uri="{FF2B5EF4-FFF2-40B4-BE49-F238E27FC236}">
+                <a16:creationId xmlns:a16="http://schemas.microsoft.com/office/drawing/2014/main" id="{D01FDF6A-2812-53A8-7204-82CF8EA02D96}"/>
+              </a:ext>
+            </a:extLst>
+          </p:cNvPr>
+          <p:cNvSpPr>
+            <a:spLocks noGrp="1"/>
+          </p:cNvSpPr>
+          <p:nvPr>
+            <p:ph type="title"/>
+          </p:nvPr>
+        </p:nvSpPr>
+        <p:spPr/>
+        <p:txBody>
+          <a:bodyPr/>
+          <a:lstStyle/>
+          <a:p>
+            <a:endParaRPr kumimoji="1" lang="ja-JP" altLang="en-US"/>
+          </a:p>
+        </p:txBody>
+      </p:sp>
+      <p:sp>
+        <p:nvSpPr>
+          <p:cNvPr id="3" name="コンテンツ プレースホルダー 2">
+            <a:extLst>
+              <a:ext uri="{FF2B5EF4-FFF2-40B4-BE49-F238E27FC236}">
+                <a16:creationId xmlns:a16="http://schemas.microsoft.com/office/drawing/2014/main" id="{66CE8D2B-D549-B0E2-612F-CF7B1E7969A2}"/>
+              </a:ext>
+            </a:extLst>
+          </p:cNvPr>
+          <p:cNvSpPr>
+            <a:spLocks noGrp="1"/>
+          </p:cNvSpPr>
+          <p:nvPr>
+            <p:ph idx="1"/>
+          </p:nvPr>
+        </p:nvSpPr>
+        <p:spPr/>
+        <p:txBody>
+          <a:bodyPr/>
+          <a:lstStyle/>
+          <a:p>
+            <a:endParaRPr kumimoji="1" lang="ja-JP" altLang="en-US" dirty="0"/>
+          </a:p>
+        </p:txBody>
+      </p:sp>
+    </p:spTree>
+    <p:extLst>
+      <p:ext uri="{BB962C8B-B14F-4D97-AF65-F5344CB8AC3E}">
+        <p14:creationId xmlns:p14="http://schemas.microsoft.com/office/powerpoint/2010/main" val="1873388609"/>
+      </p:ext>
+    </p:extLst>
+  </p:cSld>
+  <p:clrMapOvr>
+    <a:masterClrMapping/>
+  </p:clrMapOvr>
+</p:sld>
+</file>
+
 <file path=ppt/slides/slide3.xml><?xml version="1.0" encoding="utf-8"?>
+<p:sld xmlns:a="http://schemas.openxmlformats.org/drawingml/2006/main" xmlns:r="http://schemas.openxmlformats.org/officeDocument/2006/relationships" xmlns:p="http://schemas.openxmlformats.org/presentationml/2006/main">
+  <p:cSld>
+    <p:spTree>
+      <p:nvGrpSpPr>
+        <p:cNvPr id="1" name="">
+          <a:extLst>
+            <a:ext uri="{FF2B5EF4-FFF2-40B4-BE49-F238E27FC236}">
+              <a16:creationId xmlns:a16="http://schemas.microsoft.com/office/drawing/2014/main" id="{2EA488DC-2DA5-78D6-7822-A8100BA2DEE9}"/>
+            </a:ext>
+          </a:extLst>
+        </p:cNvPr>
+        <p:cNvGrpSpPr/>
+        <p:nvPr/>
+      </p:nvGrpSpPr>
+      <p:grpSpPr>
+        <a:xfrm>
+          <a:off x="0" y="0"/>
+          <a:ext cx="0" cy="0"/>
+          <a:chOff x="0" y="0"/>
+          <a:chExt cx="0" cy="0"/>
+        </a:xfrm>
+      </p:grpSpPr>
+      <p:sp>
+        <p:nvSpPr>
+          <p:cNvPr id="2" name="タイトル 1">
+            <a:extLst>
+              <a:ext uri="{FF2B5EF4-FFF2-40B4-BE49-F238E27FC236}">
+                <a16:creationId xmlns:a16="http://schemas.microsoft.com/office/drawing/2014/main" id="{18166C08-F514-E02D-45EB-3A980934E5F6}"/>
+              </a:ext>
+            </a:extLst>
+          </p:cNvPr>
+          <p:cNvSpPr>
+            <a:spLocks noGrp="1"/>
+          </p:cNvSpPr>
+          <p:nvPr>
+            <p:ph type="title"/>
+          </p:nvPr>
+        </p:nvSpPr>
+        <p:spPr/>
+        <p:txBody>
+          <a:bodyPr/>
+          <a:lstStyle/>
+          <a:p>
+            <a:r>
+              <a:rPr lang="ja-JP" altLang="en-US" dirty="0"/>
+              <a:t>例</a:t>
+            </a:r>
+            <a:endParaRPr kumimoji="1" lang="ja-JP" altLang="en-US" dirty="0"/>
+          </a:p>
+        </p:txBody>
+      </p:sp>
+      <p:sp>
+        <p:nvSpPr>
+          <p:cNvPr id="3" name="コンテンツ プレースホルダー 2">
+            <a:extLst>
+              <a:ext uri="{FF2B5EF4-FFF2-40B4-BE49-F238E27FC236}">
+                <a16:creationId xmlns:a16="http://schemas.microsoft.com/office/drawing/2014/main" id="{98ED6C75-5143-F3CD-1E58-058B3BC6543E}"/>
+              </a:ext>
+            </a:extLst>
+          </p:cNvPr>
+          <p:cNvSpPr>
+            <a:spLocks noGrp="1"/>
+          </p:cNvSpPr>
+          <p:nvPr>
+            <p:ph idx="1"/>
+          </p:nvPr>
+        </p:nvSpPr>
+        <p:spPr/>
+        <p:txBody>
+          <a:bodyPr/>
+          <a:lstStyle/>
+          <a:p>
+            <a:r>
+              <a:rPr kumimoji="1" lang="en-US" altLang="ja-JP" dirty="0"/>
+              <a:t>A</a:t>
+            </a:r>
+          </a:p>
+          <a:p>
+            <a:pPr lvl="1"/>
+            <a:r>
+              <a:rPr lang="en-US" altLang="ja-JP" dirty="0"/>
+              <a:t>A</a:t>
+            </a:r>
+          </a:p>
+          <a:p>
+            <a:pPr lvl="2"/>
+            <a:r>
+              <a:rPr kumimoji="1" lang="en-US" altLang="ja-JP" dirty="0"/>
+              <a:t>A</a:t>
+            </a:r>
+          </a:p>
+          <a:p>
+            <a:pPr lvl="2"/>
+            <a:r>
+              <a:rPr lang="en-US" altLang="ja-JP" dirty="0"/>
+              <a:t>a</a:t>
+            </a:r>
+          </a:p>
+          <a:p>
+            <a:pPr lvl="2"/>
+            <a:r>
+              <a:rPr kumimoji="1" lang="en-US" altLang="ja-JP" dirty="0"/>
+              <a:t>a</a:t>
+            </a:r>
+            <a:endParaRPr kumimoji="1" lang="ja-JP" altLang="en-US" dirty="0"/>
+          </a:p>
+        </p:txBody>
+      </p:sp>
+      <p:pic>
+        <p:nvPicPr>
+          <p:cNvPr id="5" name="図 4">
+            <a:extLst>
+              <a:ext uri="{FF2B5EF4-FFF2-40B4-BE49-F238E27FC236}">
+                <a16:creationId xmlns:a16="http://schemas.microsoft.com/office/drawing/2014/main" id="{7B16752D-5F18-2085-866C-2D0B1579EBEA}"/>
+              </a:ext>
+            </a:extLst>
+          </p:cNvPr>
+          <p:cNvPicPr>
+            <a:picLocks noChangeAspect="1"/>
+          </p:cNvPicPr>
+          <p:nvPr/>
+        </p:nvPicPr>
+        <p:blipFill>
+          <a:blip r:embed="rId2"/>
+          <a:stretch>
+            <a:fillRect/>
+          </a:stretch>
+        </p:blipFill>
+        <p:spPr>
+          <a:xfrm>
+            <a:off x="4477871" y="3089599"/>
+            <a:ext cx="7283823" cy="3087364"/>
+          </a:xfrm>
+          <a:prstGeom prst="rect">
+            <a:avLst/>
+          </a:prstGeom>
+          <a:ln>
+            <a:solidFill>
+              <a:schemeClr val="tx1"/>
+            </a:solidFill>
+          </a:ln>
+        </p:spPr>
+      </p:pic>
+    </p:spTree>
+    <p:extLst>
+      <p:ext uri="{BB962C8B-B14F-4D97-AF65-F5344CB8AC3E}">
+        <p14:creationId xmlns:p14="http://schemas.microsoft.com/office/powerpoint/2010/main" val="3036569785"/>
+      </p:ext>
+    </p:extLst>
+  </p:cSld>
+  <p:clrMapOvr>
+    <a:masterClrMapping/>
+  </p:clrMapOvr>
+</p:sld>
+</file>
+
+<file path=ppt/slides/slide4.xml><?xml version="1.0" encoding="utf-8"?>
 <p:sld xmlns:a="http://schemas.openxmlformats.org/drawingml/2006/main" xmlns:r="http://schemas.openxmlformats.org/officeDocument/2006/relationships" xmlns:p="http://schemas.openxmlformats.org/presentationml/2006/main">
   <p:cSld>
     <p:spTree>
@@ -4959,6 +9578,7 @@
             <a:solidFill>
               <a:schemeClr val="bg1"/>
             </a:solidFill>
+            <a:ln w="28575"/>
           </p:spPr>
           <p:style>
             <a:lnRef idx="2">
@@ -5031,6 +9651,7 @@
             <a:solidFill>
               <a:schemeClr val="bg1"/>
             </a:solidFill>
+            <a:ln w="28575"/>
           </p:spPr>
           <p:style>
             <a:lnRef idx="2">
@@ -5087,6 +9708,7 @@
             <a:solidFill>
               <a:schemeClr val="bg1"/>
             </a:solidFill>
+            <a:ln w="28575"/>
           </p:spPr>
           <p:style>
             <a:lnRef idx="2">
@@ -5143,6 +9765,7 @@
             <a:solidFill>
               <a:schemeClr val="bg1"/>
             </a:solidFill>
+            <a:ln w="28575"/>
           </p:spPr>
           <p:style>
             <a:lnRef idx="2">
@@ -5199,6 +9822,7 @@
             <a:solidFill>
               <a:schemeClr val="bg1"/>
             </a:solidFill>
+            <a:ln w="28575"/>
           </p:spPr>
           <p:style>
             <a:lnRef idx="2">
@@ -5271,6 +9895,7 @@
             <a:solidFill>
               <a:schemeClr val="bg1"/>
             </a:solidFill>
+            <a:ln w="28575"/>
           </p:spPr>
           <p:style>
             <a:lnRef idx="2">
@@ -5327,6 +9952,7 @@
             <a:solidFill>
               <a:schemeClr val="bg1"/>
             </a:solidFill>
+            <a:ln w="28575"/>
           </p:spPr>
           <p:style>
             <a:lnRef idx="2">
@@ -5621,6 +10247,7 @@
             <a:solidFill>
               <a:schemeClr val="bg1"/>
             </a:solidFill>
+            <a:ln w="28575"/>
           </p:spPr>
           <p:style>
             <a:lnRef idx="2">
@@ -5670,6 +10297,7 @@
             <a:solidFill>
               <a:schemeClr val="bg1"/>
             </a:solidFill>
+            <a:ln w="28575"/>
           </p:spPr>
           <p:style>
             <a:lnRef idx="2">
@@ -5719,6 +10347,7 @@
             <a:solidFill>
               <a:schemeClr val="bg1"/>
             </a:solidFill>
+            <a:ln w="28575"/>
           </p:spPr>
           <p:style>
             <a:lnRef idx="2">
@@ -6322,12 +10951,18 @@
 </p:sld>
 </file>
 
-<file path=ppt/slides/slide4.xml><?xml version="1.0" encoding="utf-8"?>
+<file path=ppt/slides/slide5.xml><?xml version="1.0" encoding="utf-8"?>
 <p:sld xmlns:a="http://schemas.openxmlformats.org/drawingml/2006/main" xmlns:r="http://schemas.openxmlformats.org/officeDocument/2006/relationships" xmlns:p="http://schemas.openxmlformats.org/presentationml/2006/main">
   <p:cSld>
     <p:spTree>
       <p:nvGrpSpPr>
-        <p:cNvPr id="1" name=""/>
+        <p:cNvPr id="1" name="">
+          <a:extLst>
+            <a:ext uri="{FF2B5EF4-FFF2-40B4-BE49-F238E27FC236}">
+              <a16:creationId xmlns:a16="http://schemas.microsoft.com/office/drawing/2014/main" id="{55234C0B-967F-2FBE-978D-3E35BAD5C894}"/>
+            </a:ext>
+          </a:extLst>
+        </p:cNvPr>
         <p:cNvGrpSpPr/>
         <p:nvPr/>
       </p:nvGrpSpPr>
@@ -6339,29 +10974,85 @@
           <a:chExt cx="0" cy="0"/>
         </a:xfrm>
       </p:grpSpPr>
-      <p:sp>
-        <p:nvSpPr>
-          <p:cNvPr id="2" name="タイトル 1">
-            <a:extLst>
-              <a:ext uri="{FF2B5EF4-FFF2-40B4-BE49-F238E27FC236}">
-                <a16:creationId xmlns:a16="http://schemas.microsoft.com/office/drawing/2014/main" id="{F69F29A1-6C5F-006E-9BF4-9FFAB8C207E0}"/>
-              </a:ext>
-            </a:extLst>
-          </p:cNvPr>
-          <p:cNvSpPr>
-            <a:spLocks noGrp="1"/>
+      <p:pic>
+        <p:nvPicPr>
+          <p:cNvPr id="4" name="図 3">
+            <a:extLst>
+              <a:ext uri="{FF2B5EF4-FFF2-40B4-BE49-F238E27FC236}">
+                <a16:creationId xmlns:a16="http://schemas.microsoft.com/office/drawing/2014/main" id="{DCE13E87-A993-167B-FA30-8A6AAE385312}"/>
+              </a:ext>
+            </a:extLst>
+          </p:cNvPr>
+          <p:cNvPicPr>
+            <a:picLocks noChangeAspect="1"/>
+          </p:cNvPicPr>
+          <p:nvPr/>
+        </p:nvPicPr>
+        <p:blipFill>
+          <a:blip r:embed="rId2"/>
+          <a:stretch>
+            <a:fillRect/>
+          </a:stretch>
+        </p:blipFill>
+        <p:spPr>
+          <a:xfrm>
+            <a:off x="551328" y="1990068"/>
+            <a:ext cx="10113021" cy="4249367"/>
+          </a:xfrm>
+          <a:prstGeom prst="rect">
+            <a:avLst/>
+          </a:prstGeom>
+        </p:spPr>
+      </p:pic>
+      <p:sp>
+        <p:nvSpPr>
+          <p:cNvPr id="5" name="タイトル 1">
+            <a:extLst>
+              <a:ext uri="{FF2B5EF4-FFF2-40B4-BE49-F238E27FC236}">
+                <a16:creationId xmlns:a16="http://schemas.microsoft.com/office/drawing/2014/main" id="{78D5D22A-E04E-F08B-02F4-A6E908F31E1D}"/>
+              </a:ext>
+            </a:extLst>
+          </p:cNvPr>
+          <p:cNvSpPr txBox="1">
+            <a:spLocks/>
           </p:cNvSpPr>
-          <p:nvPr>
-            <p:ph type="title"/>
-          </p:nvPr>
-        </p:nvSpPr>
-        <p:spPr/>
-        <p:txBody>
-          <a:bodyPr/>
-          <a:lstStyle/>
-          <a:p>
-            <a:r>
-              <a:rPr kumimoji="1" lang="ja-JP" altLang="en-US" dirty="0"/>
+          <p:nvPr/>
+        </p:nvSpPr>
+        <p:spPr>
+          <a:xfrm>
+            <a:off x="990600" y="517525"/>
+            <a:ext cx="10515600" cy="1325563"/>
+          </a:xfrm>
+          <a:prstGeom prst="rect">
+            <a:avLst/>
+          </a:prstGeom>
+        </p:spPr>
+        <p:txBody>
+          <a:bodyPr vert="horz" lIns="91440" tIns="45720" rIns="91440" bIns="45720" rtlCol="0" anchor="ctr">
+            <a:normAutofit/>
+          </a:bodyPr>
+          <a:lstStyle>
+            <a:lvl1pPr algn="l" defTabSz="914400" rtl="0" eaLnBrk="1" latinLnBrk="0" hangingPunct="1">
+              <a:lnSpc>
+                <a:spcPct val="90000"/>
+              </a:lnSpc>
+              <a:spcBef>
+                <a:spcPct val="0"/>
+              </a:spcBef>
+              <a:buNone/>
+              <a:defRPr kumimoji="1" sz="4400" kern="1200">
+                <a:solidFill>
+                  <a:schemeClr val="tx1"/>
+                </a:solidFill>
+                <a:latin typeface="+mj-lt"/>
+                <a:ea typeface="+mj-ea"/>
+                <a:cs typeface="+mj-cs"/>
+              </a:defRPr>
+            </a:lvl1pPr>
+          </a:lstStyle>
+          <a:p>
+            <a:r>
+              <a:rPr lang="ja-JP" altLang="en-US" dirty="0"/>
               <a:t>会社全体で考える</a:t>
             </a:r>
           </a:p>
@@ -6370,97 +11061,7 @@
     </p:spTree>
     <p:extLst>
       <p:ext uri="{BB962C8B-B14F-4D97-AF65-F5344CB8AC3E}">
-        <p14:creationId xmlns:p14="http://schemas.microsoft.com/office/powerpoint/2010/main" val="2053566808"/>
-      </p:ext>
-    </p:extLst>
-  </p:cSld>
-  <p:clrMapOvr>
-    <a:masterClrMapping/>
-  </p:clrMapOvr>
-</p:sld>
-</file>
-
-<file path=ppt/slides/slide5.xml><?xml version="1.0" encoding="utf-8"?>
-<p:sld xmlns:a="http://schemas.openxmlformats.org/drawingml/2006/main" xmlns:r="http://schemas.openxmlformats.org/officeDocument/2006/relationships" xmlns:p="http://schemas.openxmlformats.org/presentationml/2006/main">
-  <p:cSld>
-    <p:spTree>
-      <p:nvGrpSpPr>
-        <p:cNvPr id="1" name=""/>
-        <p:cNvGrpSpPr/>
-        <p:nvPr/>
-      </p:nvGrpSpPr>
-      <p:grpSpPr>
-        <a:xfrm>
-          <a:off x="0" y="0"/>
-          <a:ext cx="0" cy="0"/>
-          <a:chOff x="0" y="0"/>
-          <a:chExt cx="0" cy="0"/>
-        </a:xfrm>
-      </p:grpSpPr>
-      <p:sp>
-        <p:nvSpPr>
-          <p:cNvPr id="2" name="タイトル 1">
-            <a:extLst>
-              <a:ext uri="{FF2B5EF4-FFF2-40B4-BE49-F238E27FC236}">
-                <a16:creationId xmlns:a16="http://schemas.microsoft.com/office/drawing/2014/main" id="{3A0AD8E7-504A-2BBA-E99F-72A57E6A1A48}"/>
-              </a:ext>
-            </a:extLst>
-          </p:cNvPr>
-          <p:cNvSpPr>
-            <a:spLocks noGrp="1"/>
-          </p:cNvSpPr>
-          <p:nvPr>
-            <p:ph type="title"/>
-          </p:nvPr>
-        </p:nvSpPr>
-        <p:spPr/>
-        <p:txBody>
-          <a:bodyPr/>
-          <a:lstStyle/>
-          <a:p>
-            <a:r>
-              <a:rPr kumimoji="1" lang="ja-JP" altLang="en-US" dirty="0"/>
-              <a:t>リーンキャンバス</a:t>
-            </a:r>
-          </a:p>
-        </p:txBody>
-      </p:sp>
-      <p:sp>
-        <p:nvSpPr>
-          <p:cNvPr id="3" name="コンテンツ プレースホルダー 2">
-            <a:extLst>
-              <a:ext uri="{FF2B5EF4-FFF2-40B4-BE49-F238E27FC236}">
-                <a16:creationId xmlns:a16="http://schemas.microsoft.com/office/drawing/2014/main" id="{5B27BF29-E9CD-480C-66AB-2C01F19E3962}"/>
-              </a:ext>
-            </a:extLst>
-          </p:cNvPr>
-          <p:cNvSpPr>
-            <a:spLocks noGrp="1"/>
-          </p:cNvSpPr>
-          <p:nvPr>
-            <p:ph idx="1"/>
-          </p:nvPr>
-        </p:nvSpPr>
-        <p:spPr/>
-        <p:txBody>
-          <a:bodyPr/>
-          <a:lstStyle/>
-          <a:p>
-            <a:r>
-              <a:rPr kumimoji="1" lang="en-US" altLang="ja-JP" dirty="0"/>
-              <a:t>Web</a:t>
-            </a:r>
-            <a:r>
-              <a:rPr kumimoji="1" lang="ja-JP" altLang="en-US" dirty="0"/>
-              <a:t>から引っ張ってくる</a:t>
-            </a:r>
-          </a:p>
-        </p:txBody>
-      </p:sp>
-    </p:spTree>
-    <p:extLst>
-      <p:ext uri="{BB962C8B-B14F-4D97-AF65-F5344CB8AC3E}">
-        <p14:creationId xmlns:p14="http://schemas.microsoft.com/office/powerpoint/2010/main" val="1063273541"/>
+        <p14:creationId xmlns:p14="http://schemas.microsoft.com/office/powerpoint/2010/main" val="900911376"/>
       </p:ext>
     </p:extLst>
   </p:cSld>
@@ -6492,7 +11093,7 @@
           <p:cNvPr id="2" name="タイトル 1">
             <a:extLst>
               <a:ext uri="{FF2B5EF4-FFF2-40B4-BE49-F238E27FC236}">
-                <a16:creationId xmlns:a16="http://schemas.microsoft.com/office/drawing/2014/main" id="{A42D8C8E-90B0-B11B-2F37-F9CD40458540}"/>
+                <a16:creationId xmlns:a16="http://schemas.microsoft.com/office/drawing/2014/main" id="{F69F29A1-6C5F-006E-9BF4-9FFAB8C207E0}"/>
               </a:ext>
             </a:extLst>
           </p:cNvPr>
@@ -6510,17 +11111,17 @@
           <a:p>
             <a:r>
               <a:rPr kumimoji="1" lang="ja-JP" altLang="en-US" dirty="0"/>
-              <a:t>提案が難しい</a:t>
-            </a:r>
-          </a:p>
-        </p:txBody>
-      </p:sp>
-      <p:sp>
-        <p:nvSpPr>
-          <p:cNvPr id="4" name="コンテンツ プレースホルダー 2">
-            <a:extLst>
-              <a:ext uri="{FF2B5EF4-FFF2-40B4-BE49-F238E27FC236}">
-                <a16:creationId xmlns:a16="http://schemas.microsoft.com/office/drawing/2014/main" id="{E499908E-B624-7E3A-6184-581D03E9D4CB}"/>
+              <a:t>例</a:t>
+            </a:r>
+          </a:p>
+        </p:txBody>
+      </p:sp>
+      <p:sp>
+        <p:nvSpPr>
+          <p:cNvPr id="3" name="コンテンツ プレースホルダー 2">
+            <a:extLst>
+              <a:ext uri="{FF2B5EF4-FFF2-40B4-BE49-F238E27FC236}">
+                <a16:creationId xmlns:a16="http://schemas.microsoft.com/office/drawing/2014/main" id="{80FDD49F-93C5-7FFE-EACD-DCBF8D7A0B7F}"/>
               </a:ext>
             </a:extLst>
           </p:cNvPr>
@@ -6543,10 +11144,418 @@
           <a:p>
             <a:r>
               <a:rPr kumimoji="1" lang="ja-JP" altLang="en-US" dirty="0"/>
-              <a:t>昨今の</a:t>
-            </a:r>
-            <a:r>
-              <a:rPr kumimoji="1" lang="ja-JP" altLang="en-US" dirty="0">
+              <a:t>あ</a:t>
+            </a:r>
+            <a:endParaRPr kumimoji="1" lang="en-US" altLang="ja-JP" dirty="0"/>
+          </a:p>
+          <a:p>
+            <a:endParaRPr lang="en-US" altLang="ja-JP" dirty="0"/>
+          </a:p>
+          <a:p>
+            <a:r>
+              <a:rPr kumimoji="1" lang="ja-JP" altLang="en-US" dirty="0"/>
+              <a:t>あ</a:t>
+            </a:r>
+            <a:endParaRPr kumimoji="1" lang="en-US" altLang="ja-JP" dirty="0"/>
+          </a:p>
+          <a:p>
+            <a:pPr lvl="1"/>
+            <a:r>
+              <a:rPr lang="ja-JP" altLang="en-US" dirty="0"/>
+              <a:t>あ</a:t>
+            </a:r>
+            <a:endParaRPr lang="en-US" altLang="ja-JP" dirty="0"/>
+          </a:p>
+          <a:p>
+            <a:pPr lvl="1"/>
+            <a:r>
+              <a:rPr kumimoji="1" lang="ja-JP" altLang="en-US" dirty="0"/>
+              <a:t>あ</a:t>
+            </a:r>
+          </a:p>
+        </p:txBody>
+      </p:sp>
+      <p:pic>
+        <p:nvPicPr>
+          <p:cNvPr id="5" name="図 4">
+            <a:extLst>
+              <a:ext uri="{FF2B5EF4-FFF2-40B4-BE49-F238E27FC236}">
+                <a16:creationId xmlns:a16="http://schemas.microsoft.com/office/drawing/2014/main" id="{0BB4712B-9FC1-69F4-1002-A2B5BBA97E14}"/>
+              </a:ext>
+            </a:extLst>
+          </p:cNvPr>
+          <p:cNvPicPr>
+            <a:picLocks noChangeAspect="1"/>
+          </p:cNvPicPr>
+          <p:nvPr/>
+        </p:nvPicPr>
+        <p:blipFill>
+          <a:blip r:embed="rId2"/>
+          <a:stretch>
+            <a:fillRect/>
+          </a:stretch>
+        </p:blipFill>
+        <p:spPr>
+          <a:xfrm>
+            <a:off x="218897" y="4282887"/>
+            <a:ext cx="5960828" cy="2380131"/>
+          </a:xfrm>
+          <a:prstGeom prst="rect">
+            <a:avLst/>
+          </a:prstGeom>
+          <a:ln>
+            <a:solidFill>
+              <a:schemeClr val="tx1"/>
+            </a:solidFill>
+          </a:ln>
+        </p:spPr>
+      </p:pic>
+      <p:pic>
+        <p:nvPicPr>
+          <p:cNvPr id="7" name="図 6">
+            <a:extLst>
+              <a:ext uri="{FF2B5EF4-FFF2-40B4-BE49-F238E27FC236}">
+                <a16:creationId xmlns:a16="http://schemas.microsoft.com/office/drawing/2014/main" id="{0D3E7614-F964-4AD2-42D8-15F1616E512E}"/>
+              </a:ext>
+            </a:extLst>
+          </p:cNvPr>
+          <p:cNvPicPr>
+            <a:picLocks noChangeAspect="1"/>
+          </p:cNvPicPr>
+          <p:nvPr/>
+        </p:nvPicPr>
+        <p:blipFill>
+          <a:blip r:embed="rId3"/>
+          <a:stretch>
+            <a:fillRect/>
+          </a:stretch>
+        </p:blipFill>
+        <p:spPr>
+          <a:xfrm>
+            <a:off x="6541993" y="4336581"/>
+            <a:ext cx="5131740" cy="2156294"/>
+          </a:xfrm>
+          <a:prstGeom prst="rect">
+            <a:avLst/>
+          </a:prstGeom>
+        </p:spPr>
+      </p:pic>
+    </p:spTree>
+    <p:extLst>
+      <p:ext uri="{BB962C8B-B14F-4D97-AF65-F5344CB8AC3E}">
+        <p14:creationId xmlns:p14="http://schemas.microsoft.com/office/powerpoint/2010/main" val="2053566808"/>
+      </p:ext>
+    </p:extLst>
+  </p:cSld>
+  <p:clrMapOvr>
+    <a:masterClrMapping/>
+  </p:clrMapOvr>
+</p:sld>
+</file>
+
+<file path=ppt/slides/slide7.xml><?xml version="1.0" encoding="utf-8"?>
+<p:sld xmlns:a="http://schemas.openxmlformats.org/drawingml/2006/main" xmlns:r="http://schemas.openxmlformats.org/officeDocument/2006/relationships" xmlns:p="http://schemas.openxmlformats.org/presentationml/2006/main">
+  <p:cSld>
+    <p:spTree>
+      <p:nvGrpSpPr>
+        <p:cNvPr id="1" name=""/>
+        <p:cNvGrpSpPr/>
+        <p:nvPr/>
+      </p:nvGrpSpPr>
+      <p:grpSpPr>
+        <a:xfrm>
+          <a:off x="0" y="0"/>
+          <a:ext cx="0" cy="0"/>
+          <a:chOff x="0" y="0"/>
+          <a:chExt cx="0" cy="0"/>
+        </a:xfrm>
+      </p:grpSpPr>
+      <p:sp>
+        <p:nvSpPr>
+          <p:cNvPr id="2" name="タイトル 1">
+            <a:extLst>
+              <a:ext uri="{FF2B5EF4-FFF2-40B4-BE49-F238E27FC236}">
+                <a16:creationId xmlns:a16="http://schemas.microsoft.com/office/drawing/2014/main" id="{3A0AD8E7-504A-2BBA-E99F-72A57E6A1A48}"/>
+              </a:ext>
+            </a:extLst>
+          </p:cNvPr>
+          <p:cNvSpPr>
+            <a:spLocks noGrp="1"/>
+          </p:cNvSpPr>
+          <p:nvPr>
+            <p:ph type="title"/>
+          </p:nvPr>
+        </p:nvSpPr>
+        <p:spPr/>
+        <p:txBody>
+          <a:bodyPr/>
+          <a:lstStyle/>
+          <a:p>
+            <a:r>
+              <a:rPr kumimoji="1" lang="ja-JP" altLang="en-US" dirty="0"/>
+              <a:t>リーンキャンバス</a:t>
+            </a:r>
+          </a:p>
+        </p:txBody>
+      </p:sp>
+      <p:pic>
+        <p:nvPicPr>
+          <p:cNvPr id="5" name="図 4">
+            <a:extLst>
+              <a:ext uri="{FF2B5EF4-FFF2-40B4-BE49-F238E27FC236}">
+                <a16:creationId xmlns:a16="http://schemas.microsoft.com/office/drawing/2014/main" id="{CCDF17A2-B0C8-CD99-DD1C-0AED8D1A5CBB}"/>
+              </a:ext>
+            </a:extLst>
+          </p:cNvPr>
+          <p:cNvPicPr>
+            <a:picLocks noChangeAspect="1"/>
+          </p:cNvPicPr>
+          <p:nvPr/>
+        </p:nvPicPr>
+        <p:blipFill>
+          <a:blip r:embed="rId2"/>
+          <a:stretch>
+            <a:fillRect/>
+          </a:stretch>
+        </p:blipFill>
+        <p:spPr>
+          <a:xfrm>
+            <a:off x="679678" y="2255060"/>
+            <a:ext cx="10499121" cy="4078505"/>
+          </a:xfrm>
+          <a:prstGeom prst="rect">
+            <a:avLst/>
+          </a:prstGeom>
+        </p:spPr>
+      </p:pic>
+    </p:spTree>
+    <p:extLst>
+      <p:ext uri="{BB962C8B-B14F-4D97-AF65-F5344CB8AC3E}">
+        <p14:creationId xmlns:p14="http://schemas.microsoft.com/office/powerpoint/2010/main" val="1063273541"/>
+      </p:ext>
+    </p:extLst>
+  </p:cSld>
+  <p:clrMapOvr>
+    <a:masterClrMapping/>
+  </p:clrMapOvr>
+</p:sld>
+</file>
+
+<file path=ppt/slides/slide8.xml><?xml version="1.0" encoding="utf-8"?>
+<p:sld xmlns:a="http://schemas.openxmlformats.org/drawingml/2006/main" xmlns:r="http://schemas.openxmlformats.org/officeDocument/2006/relationships" xmlns:p="http://schemas.openxmlformats.org/presentationml/2006/main">
+  <p:cSld>
+    <p:spTree>
+      <p:nvGrpSpPr>
+        <p:cNvPr id="1" name=""/>
+        <p:cNvGrpSpPr/>
+        <p:nvPr/>
+      </p:nvGrpSpPr>
+      <p:grpSpPr>
+        <a:xfrm>
+          <a:off x="0" y="0"/>
+          <a:ext cx="0" cy="0"/>
+          <a:chOff x="0" y="0"/>
+          <a:chExt cx="0" cy="0"/>
+        </a:xfrm>
+      </p:grpSpPr>
+      <p:sp>
+        <p:nvSpPr>
+          <p:cNvPr id="11" name="コンテンツ プレースホルダー 2">
+            <a:extLst>
+              <a:ext uri="{FF2B5EF4-FFF2-40B4-BE49-F238E27FC236}">
+                <a16:creationId xmlns:a16="http://schemas.microsoft.com/office/drawing/2014/main" id="{D1942651-6D03-FB23-8BE5-AA8935A7C9CD}"/>
+              </a:ext>
+            </a:extLst>
+          </p:cNvPr>
+          <p:cNvSpPr txBox="1">
+            <a:spLocks/>
+          </p:cNvSpPr>
+          <p:nvPr/>
+        </p:nvSpPr>
+        <p:spPr>
+          <a:xfrm>
+            <a:off x="338418" y="2504391"/>
+            <a:ext cx="11696700" cy="4351338"/>
+          </a:xfrm>
+          <a:prstGeom prst="rect">
+            <a:avLst/>
+          </a:prstGeom>
+        </p:spPr>
+        <p:txBody>
+          <a:bodyPr vert="horz" lIns="91440" tIns="45720" rIns="91440" bIns="45720" rtlCol="0">
+            <a:normAutofit/>
+          </a:bodyPr>
+          <a:lstStyle>
+            <a:lvl1pPr marL="228600" indent="-228600" algn="l" defTabSz="914400" rtl="0" eaLnBrk="1" latinLnBrk="0" hangingPunct="1">
+              <a:lnSpc>
+                <a:spcPct val="90000"/>
+              </a:lnSpc>
+              <a:spcBef>
+                <a:spcPts val="1000"/>
+              </a:spcBef>
+              <a:buFont typeface="Arial" panose="020B0604020202020204" pitchFamily="34" charset="0"/>
+              <a:buChar char="•"/>
+              <a:defRPr kumimoji="1" sz="2800" kern="1200">
+                <a:solidFill>
+                  <a:schemeClr val="tx1"/>
+                </a:solidFill>
+                <a:latin typeface="+mn-lt"/>
+                <a:ea typeface="+mn-ea"/>
+                <a:cs typeface="+mn-cs"/>
+              </a:defRPr>
+            </a:lvl1pPr>
+            <a:lvl2pPr marL="685800" indent="-228600" algn="l" defTabSz="914400" rtl="0" eaLnBrk="1" latinLnBrk="0" hangingPunct="1">
+              <a:lnSpc>
+                <a:spcPct val="90000"/>
+              </a:lnSpc>
+              <a:spcBef>
+                <a:spcPts val="500"/>
+              </a:spcBef>
+              <a:buFont typeface="Arial" panose="020B0604020202020204" pitchFamily="34" charset="0"/>
+              <a:buChar char="•"/>
+              <a:defRPr kumimoji="1" sz="2400" kern="1200">
+                <a:solidFill>
+                  <a:schemeClr val="tx1"/>
+                </a:solidFill>
+                <a:latin typeface="+mn-lt"/>
+                <a:ea typeface="+mn-ea"/>
+                <a:cs typeface="+mn-cs"/>
+              </a:defRPr>
+            </a:lvl2pPr>
+            <a:lvl3pPr marL="1143000" indent="-228600" algn="l" defTabSz="914400" rtl="0" eaLnBrk="1" latinLnBrk="0" hangingPunct="1">
+              <a:lnSpc>
+                <a:spcPct val="90000"/>
+              </a:lnSpc>
+              <a:spcBef>
+                <a:spcPts val="500"/>
+              </a:spcBef>
+              <a:buFont typeface="Arial" panose="020B0604020202020204" pitchFamily="34" charset="0"/>
+              <a:buChar char="•"/>
+              <a:defRPr kumimoji="1" sz="2000" kern="1200">
+                <a:solidFill>
+                  <a:schemeClr val="tx1"/>
+                </a:solidFill>
+                <a:latin typeface="+mn-lt"/>
+                <a:ea typeface="+mn-ea"/>
+                <a:cs typeface="+mn-cs"/>
+              </a:defRPr>
+            </a:lvl3pPr>
+            <a:lvl4pPr marL="1600200" indent="-228600" algn="l" defTabSz="914400" rtl="0" eaLnBrk="1" latinLnBrk="0" hangingPunct="1">
+              <a:lnSpc>
+                <a:spcPct val="90000"/>
+              </a:lnSpc>
+              <a:spcBef>
+                <a:spcPts val="500"/>
+              </a:spcBef>
+              <a:buFont typeface="Arial" panose="020B0604020202020204" pitchFamily="34" charset="0"/>
+              <a:buChar char="•"/>
+              <a:defRPr kumimoji="1" sz="1800" kern="1200">
+                <a:solidFill>
+                  <a:schemeClr val="tx1"/>
+                </a:solidFill>
+                <a:latin typeface="+mn-lt"/>
+                <a:ea typeface="+mn-ea"/>
+                <a:cs typeface="+mn-cs"/>
+              </a:defRPr>
+            </a:lvl4pPr>
+            <a:lvl5pPr marL="2057400" indent="-228600" algn="l" defTabSz="914400" rtl="0" eaLnBrk="1" latinLnBrk="0" hangingPunct="1">
+              <a:lnSpc>
+                <a:spcPct val="90000"/>
+              </a:lnSpc>
+              <a:spcBef>
+                <a:spcPts val="500"/>
+              </a:spcBef>
+              <a:buFont typeface="Arial" panose="020B0604020202020204" pitchFamily="34" charset="0"/>
+              <a:buChar char="•"/>
+              <a:defRPr kumimoji="1" sz="1800" kern="1200">
+                <a:solidFill>
+                  <a:schemeClr val="tx1"/>
+                </a:solidFill>
+                <a:latin typeface="+mn-lt"/>
+                <a:ea typeface="+mn-ea"/>
+                <a:cs typeface="+mn-cs"/>
+              </a:defRPr>
+            </a:lvl5pPr>
+            <a:lvl6pPr marL="2514600" indent="-228600" algn="l" defTabSz="914400" rtl="0" eaLnBrk="1" latinLnBrk="0" hangingPunct="1">
+              <a:lnSpc>
+                <a:spcPct val="90000"/>
+              </a:lnSpc>
+              <a:spcBef>
+                <a:spcPts val="500"/>
+              </a:spcBef>
+              <a:buFont typeface="Arial" panose="020B0604020202020204" pitchFamily="34" charset="0"/>
+              <a:buChar char="•"/>
+              <a:defRPr kumimoji="1" sz="1800" kern="1200">
+                <a:solidFill>
+                  <a:schemeClr val="tx1"/>
+                </a:solidFill>
+                <a:latin typeface="+mn-lt"/>
+                <a:ea typeface="+mn-ea"/>
+                <a:cs typeface="+mn-cs"/>
+              </a:defRPr>
+            </a:lvl6pPr>
+            <a:lvl7pPr marL="2971800" indent="-228600" algn="l" defTabSz="914400" rtl="0" eaLnBrk="1" latinLnBrk="0" hangingPunct="1">
+              <a:lnSpc>
+                <a:spcPct val="90000"/>
+              </a:lnSpc>
+              <a:spcBef>
+                <a:spcPts val="500"/>
+              </a:spcBef>
+              <a:buFont typeface="Arial" panose="020B0604020202020204" pitchFamily="34" charset="0"/>
+              <a:buChar char="•"/>
+              <a:defRPr kumimoji="1" sz="1800" kern="1200">
+                <a:solidFill>
+                  <a:schemeClr val="tx1"/>
+                </a:solidFill>
+                <a:latin typeface="+mn-lt"/>
+                <a:ea typeface="+mn-ea"/>
+                <a:cs typeface="+mn-cs"/>
+              </a:defRPr>
+            </a:lvl7pPr>
+            <a:lvl8pPr marL="3429000" indent="-228600" algn="l" defTabSz="914400" rtl="0" eaLnBrk="1" latinLnBrk="0" hangingPunct="1">
+              <a:lnSpc>
+                <a:spcPct val="90000"/>
+              </a:lnSpc>
+              <a:spcBef>
+                <a:spcPts val="500"/>
+              </a:spcBef>
+              <a:buFont typeface="Arial" panose="020B0604020202020204" pitchFamily="34" charset="0"/>
+              <a:buChar char="•"/>
+              <a:defRPr kumimoji="1" sz="1800" kern="1200">
+                <a:solidFill>
+                  <a:schemeClr val="tx1"/>
+                </a:solidFill>
+                <a:latin typeface="+mn-lt"/>
+                <a:ea typeface="+mn-ea"/>
+                <a:cs typeface="+mn-cs"/>
+              </a:defRPr>
+            </a:lvl8pPr>
+            <a:lvl9pPr marL="3886200" indent="-228600" algn="l" defTabSz="914400" rtl="0" eaLnBrk="1" latinLnBrk="0" hangingPunct="1">
+              <a:lnSpc>
+                <a:spcPct val="90000"/>
+              </a:lnSpc>
+              <a:spcBef>
+                <a:spcPts val="500"/>
+              </a:spcBef>
+              <a:buFont typeface="Arial" panose="020B0604020202020204" pitchFamily="34" charset="0"/>
+              <a:buChar char="•"/>
+              <a:defRPr kumimoji="1" sz="1800" kern="1200">
+                <a:solidFill>
+                  <a:schemeClr val="tx1"/>
+                </a:solidFill>
+                <a:latin typeface="+mn-lt"/>
+                <a:ea typeface="+mn-ea"/>
+                <a:cs typeface="+mn-cs"/>
+              </a:defRPr>
+            </a:lvl9pPr>
+          </a:lstStyle>
+          <a:p>
+            <a:r>
+              <a:rPr lang="ja-JP" altLang="en-US" b="1" dirty="0"/>
+              <a:t>背景：</a:t>
+            </a:r>
+            <a:r>
+              <a:rPr lang="ja-JP" altLang="en-US" b="1" dirty="0">
                 <a:solidFill>
                   <a:srgbClr val="FF0000"/>
                 </a:solidFill>
@@ -6554,45 +11563,39 @@
               <a:t>人材不足</a:t>
             </a:r>
             <a:r>
-              <a:rPr kumimoji="1" lang="ja-JP" altLang="en-US" dirty="0"/>
-              <a:t>を背景に、多くの企業で問い合わせチャットボットの導入が進んでいる</a:t>
-            </a:r>
-            <a:endParaRPr kumimoji="1" lang="en-US" altLang="ja-JP" dirty="0"/>
-          </a:p>
-          <a:p>
-            <a:endParaRPr lang="en-US" altLang="ja-JP" dirty="0"/>
-          </a:p>
-          <a:p>
-            <a:r>
-              <a:rPr kumimoji="1" lang="ja-JP" altLang="en-US" dirty="0"/>
-              <a:t>コールセンターへの問い合わせ</a:t>
-            </a:r>
-            <a:r>
-              <a:rPr kumimoji="1" lang="en-US" altLang="ja-JP" dirty="0"/>
-              <a:t>1000</a:t>
-            </a:r>
-            <a:r>
-              <a:rPr kumimoji="1" lang="ja-JP" altLang="en-US" dirty="0"/>
-              <a:t>件</a:t>
-            </a:r>
-            <a:r>
-              <a:rPr kumimoji="1" lang="en-US" altLang="ja-JP" dirty="0"/>
-              <a:t>/</a:t>
-            </a:r>
-            <a:r>
-              <a:rPr kumimoji="1" lang="ja-JP" altLang="en-US" dirty="0"/>
-              <a:t>日のうち、</a:t>
-            </a:r>
-            <a:r>
-              <a:rPr kumimoji="1" lang="en-US" altLang="ja-JP" dirty="0"/>
+              <a:rPr lang="ja-JP" altLang="en-US" b="1" dirty="0"/>
+              <a:t>によりチャットボットの導入する企業が増加</a:t>
+            </a:r>
+            <a:endParaRPr lang="en-US" altLang="ja-JP" b="1" dirty="0"/>
+          </a:p>
+          <a:p>
+            <a:endParaRPr lang="en-US" altLang="ja-JP" b="1" dirty="0"/>
+          </a:p>
+          <a:p>
+            <a:r>
+              <a:rPr lang="ja-JP" altLang="en-US" b="1" dirty="0"/>
+              <a:t>効果：コールセンターの</a:t>
+            </a:r>
+            <a:r>
+              <a:rPr lang="en-US" altLang="ja-JP" b="1" dirty="0"/>
               <a:t>7</a:t>
             </a:r>
             <a:r>
-              <a:rPr kumimoji="1" lang="ja-JP" altLang="en-US" dirty="0"/>
-              <a:t>割が製品仕様の質問であり、これらの問い合わせを全てチャットに移行すれば、年間およそ</a:t>
-            </a:r>
-            <a:r>
-              <a:rPr kumimoji="1" lang="en-US" altLang="ja-JP" dirty="0">
+              <a:rPr lang="ja-JP" altLang="en-US" b="1" dirty="0"/>
+              <a:t>割（製品仕様の質問）をチャット対応に移行　　</a:t>
+            </a:r>
+            <a:endParaRPr lang="en-US" altLang="ja-JP" b="1" dirty="0"/>
+          </a:p>
+          <a:p>
+            <a:pPr marL="0" indent="0">
+              <a:buNone/>
+            </a:pPr>
+            <a:r>
+              <a:rPr lang="ja-JP" altLang="en-US" b="1" dirty="0"/>
+              <a:t>　　　  →年間約</a:t>
+            </a:r>
+            <a:r>
+              <a:rPr lang="en-US" altLang="ja-JP" b="1" dirty="0">
                 <a:solidFill>
                   <a:srgbClr val="FF0000"/>
                 </a:solidFill>
@@ -6600,38 +11603,55 @@
               <a:t>1</a:t>
             </a:r>
             <a:r>
-              <a:rPr kumimoji="1" lang="ja-JP" altLang="en-US" dirty="0">
+              <a:rPr lang="ja-JP" altLang="en-US" b="1" dirty="0">
                 <a:solidFill>
                   <a:srgbClr val="FF0000"/>
                 </a:solidFill>
               </a:rPr>
               <a:t>億円のコスト削減</a:t>
             </a:r>
+            <a:endParaRPr lang="en-US" altLang="ja-JP" b="1" dirty="0"/>
+          </a:p>
+          <a:p>
+            <a:endParaRPr lang="en-US" altLang="ja-JP" b="1" dirty="0"/>
+          </a:p>
+          <a:p>
+            <a:r>
+              <a:rPr lang="ja-JP" altLang="en-US" b="1" dirty="0"/>
+              <a:t>提案：トライアル導入で効果を検証し、投資判断を検討</a:t>
+            </a:r>
+          </a:p>
+        </p:txBody>
+      </p:sp>
+      <p:sp>
+        <p:nvSpPr>
+          <p:cNvPr id="2" name="タイトル 1">
+            <a:extLst>
+              <a:ext uri="{FF2B5EF4-FFF2-40B4-BE49-F238E27FC236}">
+                <a16:creationId xmlns:a16="http://schemas.microsoft.com/office/drawing/2014/main" id="{A42D8C8E-90B0-B11B-2F37-F9CD40458540}"/>
+              </a:ext>
+            </a:extLst>
+          </p:cNvPr>
+          <p:cNvSpPr>
+            <a:spLocks noGrp="1"/>
+          </p:cNvSpPr>
+          <p:nvPr>
+            <p:ph type="title"/>
+          </p:nvPr>
+        </p:nvSpPr>
+        <p:spPr>
+          <a:xfrm>
+            <a:off x="13828" y="-85254"/>
+            <a:ext cx="10515600" cy="1325563"/>
+          </a:xfrm>
+        </p:spPr>
+        <p:txBody>
+          <a:bodyPr/>
+          <a:lstStyle/>
+          <a:p>
             <a:r>
               <a:rPr kumimoji="1" lang="ja-JP" altLang="en-US" dirty="0"/>
-              <a:t>が可能</a:t>
-            </a:r>
-            <a:endParaRPr kumimoji="1" lang="en-US" altLang="ja-JP" dirty="0"/>
-          </a:p>
-          <a:p>
-            <a:endParaRPr lang="en-US" altLang="ja-JP" dirty="0"/>
-          </a:p>
-          <a:p>
-            <a:r>
-              <a:rPr kumimoji="1" lang="ja-JP" altLang="en-US" dirty="0"/>
-              <a:t>まずはトライアル版のチャットボットを導入して</a:t>
-            </a:r>
-            <a:r>
-              <a:rPr kumimoji="1" lang="ja-JP" altLang="en-US" dirty="0">
-                <a:solidFill>
-                  <a:srgbClr val="FF0000"/>
-                </a:solidFill>
-              </a:rPr>
-              <a:t>効果検証</a:t>
-            </a:r>
-            <a:r>
-              <a:rPr kumimoji="1" lang="ja-JP" altLang="en-US" dirty="0"/>
-              <a:t>を行うべく、投資のご判断をいただきたい</a:t>
+              <a:t>提案が難しい</a:t>
             </a:r>
           </a:p>
         </p:txBody>
@@ -6650,7 +11670,7 @@
         </p:nvGrpSpPr>
         <p:grpSpPr>
           <a:xfrm>
-            <a:off x="2266210" y="934571"/>
+            <a:off x="1809010" y="1606924"/>
             <a:ext cx="2292343" cy="700530"/>
             <a:chOff x="1273369" y="2272713"/>
             <a:chExt cx="2292343" cy="700530"/>
@@ -6683,7 +11703,7 @@
             <a:solidFill>
               <a:schemeClr val="bg1"/>
             </a:solidFill>
-            <a:ln>
+            <a:ln w="28575">
               <a:solidFill>
                 <a:schemeClr val="tx1"/>
               </a:solidFill>
@@ -6743,7 +11763,7 @@
             <a:lstStyle/>
             <a:p>
               <a:r>
-                <a:rPr kumimoji="1" lang="ja-JP" altLang="en-US" sz="2000" dirty="0"/>
+                <a:rPr kumimoji="1" lang="ja-JP" altLang="en-US" sz="2000" b="1" dirty="0"/>
                 <a:t>うちもそうなの？</a:t>
               </a:r>
             </a:p>
@@ -6764,20 +11784,20 @@
         </p:nvSpPr>
         <p:spPr>
           <a:xfrm>
-            <a:off x="8987498" y="4132730"/>
-            <a:ext cx="2292343" cy="700530"/>
+            <a:off x="6567028" y="4278799"/>
+            <a:ext cx="1507932" cy="642825"/>
           </a:xfrm>
           <a:prstGeom prst="wedgeRoundRectCallout">
             <a:avLst>
-              <a:gd name="adj1" fmla="val -71763"/>
-              <a:gd name="adj2" fmla="val -18363"/>
+              <a:gd name="adj1" fmla="val -65310"/>
+              <a:gd name="adj2" fmla="val -48116"/>
               <a:gd name="adj3" fmla="val 16667"/>
             </a:avLst>
           </a:prstGeom>
           <a:solidFill>
             <a:schemeClr val="bg1"/>
           </a:solidFill>
-          <a:ln>
+          <a:ln w="28575">
             <a:solidFill>
               <a:schemeClr val="tx1"/>
             </a:solidFill>
@@ -6805,7 +11825,7 @@
           <a:p>
             <a:pPr algn="ctr"/>
             <a:r>
-              <a:rPr kumimoji="1" lang="ja-JP" altLang="en-US" dirty="0">
+              <a:rPr kumimoji="1" lang="ja-JP" altLang="en-US" sz="2400" b="1" dirty="0">
                 <a:solidFill>
                   <a:schemeClr val="tx1"/>
                 </a:solidFill>
@@ -6829,7 +11849,7 @@
         </p:nvSpPr>
         <p:spPr>
           <a:xfrm>
-            <a:off x="8554951" y="5961635"/>
+            <a:off x="2819780" y="5692694"/>
             <a:ext cx="2292343" cy="700530"/>
           </a:xfrm>
           <a:prstGeom prst="wedgeRoundRectCallout">
@@ -6842,7 +11862,7 @@
           <a:solidFill>
             <a:schemeClr val="bg1"/>
           </a:solidFill>
-          <a:ln>
+          <a:ln w="28575">
             <a:solidFill>
               <a:schemeClr val="tx1"/>
             </a:solidFill>
@@ -6870,7 +11890,7 @@
           <a:p>
             <a:pPr algn="ctr"/>
             <a:r>
-              <a:rPr kumimoji="1" lang="ja-JP" altLang="en-US" dirty="0">
+              <a:rPr kumimoji="1" lang="ja-JP" altLang="en-US" sz="2400" b="1" dirty="0">
                 <a:solidFill>
                   <a:schemeClr val="tx1"/>
                 </a:solidFill>
@@ -6884,1436 +11904,6 @@
     <p:extLst>
       <p:ext uri="{BB962C8B-B14F-4D97-AF65-F5344CB8AC3E}">
         <p14:creationId xmlns:p14="http://schemas.microsoft.com/office/powerpoint/2010/main" val="3885186827"/>
-      </p:ext>
-    </p:extLst>
-  </p:cSld>
-  <p:clrMapOvr>
-    <a:masterClrMapping/>
-  </p:clrMapOvr>
-</p:sld>
-</file>
-
-<file path=ppt/slides/slide7.xml><?xml version="1.0" encoding="utf-8"?>
-<p:sld xmlns:a="http://schemas.openxmlformats.org/drawingml/2006/main" xmlns:r="http://schemas.openxmlformats.org/officeDocument/2006/relationships" xmlns:p="http://schemas.openxmlformats.org/presentationml/2006/main">
-  <p:cSld>
-    <p:spTree>
-      <p:nvGrpSpPr>
-        <p:cNvPr id="1" name="">
-          <a:extLst>
-            <a:ext uri="{FF2B5EF4-FFF2-40B4-BE49-F238E27FC236}">
-              <a16:creationId xmlns:a16="http://schemas.microsoft.com/office/drawing/2014/main" id="{1E1C2138-A043-BD6D-9104-55348A6BED86}"/>
-            </a:ext>
-          </a:extLst>
-        </p:cNvPr>
-        <p:cNvGrpSpPr/>
-        <p:nvPr/>
-      </p:nvGrpSpPr>
-      <p:grpSpPr>
-        <a:xfrm>
-          <a:off x="0" y="0"/>
-          <a:ext cx="0" cy="0"/>
-          <a:chOff x="0" y="0"/>
-          <a:chExt cx="0" cy="0"/>
-        </a:xfrm>
-      </p:grpSpPr>
-      <p:sp>
-        <p:nvSpPr>
-          <p:cNvPr id="2" name="タイトル 1">
-            <a:extLst>
-              <a:ext uri="{FF2B5EF4-FFF2-40B4-BE49-F238E27FC236}">
-                <a16:creationId xmlns:a16="http://schemas.microsoft.com/office/drawing/2014/main" id="{9EEF8656-5AA3-BC45-B961-9CC7D4173E95}"/>
-              </a:ext>
-            </a:extLst>
-          </p:cNvPr>
-          <p:cNvSpPr>
-            <a:spLocks noGrp="1"/>
-          </p:cNvSpPr>
-          <p:nvPr>
-            <p:ph type="title"/>
-          </p:nvPr>
-        </p:nvSpPr>
-        <p:spPr>
-          <a:xfrm>
-            <a:off x="838200" y="155843"/>
-            <a:ext cx="10515600" cy="1325563"/>
-          </a:xfrm>
-        </p:spPr>
-        <p:txBody>
-          <a:bodyPr/>
-          <a:lstStyle/>
-          <a:p>
-            <a:r>
-              <a:rPr kumimoji="1" lang="en-US" altLang="ja-JP" b="1" dirty="0"/>
-              <a:t>3</a:t>
-            </a:r>
-            <a:r>
-              <a:rPr kumimoji="1" lang="ja-JP" altLang="en-US" b="1" dirty="0"/>
-              <a:t>ステップ</a:t>
-            </a:r>
-          </a:p>
-        </p:txBody>
-      </p:sp>
-      <p:sp>
-        <p:nvSpPr>
-          <p:cNvPr id="3" name="矢印: 右 2">
-            <a:extLst>
-              <a:ext uri="{FF2B5EF4-FFF2-40B4-BE49-F238E27FC236}">
-                <a16:creationId xmlns:a16="http://schemas.microsoft.com/office/drawing/2014/main" id="{61A98C55-3CF7-6CD4-FD11-5CFC3260E509}"/>
-              </a:ext>
-            </a:extLst>
-          </p:cNvPr>
-          <p:cNvSpPr/>
-          <p:nvPr/>
-        </p:nvSpPr>
-        <p:spPr>
-          <a:xfrm>
-            <a:off x="1075765" y="6051176"/>
-            <a:ext cx="10152529" cy="477371"/>
-          </a:xfrm>
-          <a:prstGeom prst="rightArrow">
-            <a:avLst/>
-          </a:prstGeom>
-          <a:solidFill>
-            <a:schemeClr val="bg1"/>
-          </a:solidFill>
-        </p:spPr>
-        <p:style>
-          <a:lnRef idx="2">
-            <a:schemeClr val="accent1">
-              <a:shade val="15000"/>
-            </a:schemeClr>
-          </a:lnRef>
-          <a:fillRef idx="1">
-            <a:schemeClr val="accent1"/>
-          </a:fillRef>
-          <a:effectRef idx="0">
-            <a:schemeClr val="accent1"/>
-          </a:effectRef>
-          <a:fontRef idx="minor">
-            <a:schemeClr val="lt1"/>
-          </a:fontRef>
-        </p:style>
-        <p:txBody>
-          <a:bodyPr rtlCol="0" anchor="ctr"/>
-          <a:lstStyle/>
-          <a:p>
-            <a:pPr algn="ctr"/>
-            <a:endParaRPr kumimoji="1" lang="ja-JP" altLang="en-US" b="1"/>
-          </a:p>
-        </p:txBody>
-      </p:sp>
-      <p:sp>
-        <p:nvSpPr>
-          <p:cNvPr id="6" name="四角形: 角を丸くする 5">
-            <a:extLst>
-              <a:ext uri="{FF2B5EF4-FFF2-40B4-BE49-F238E27FC236}">
-                <a16:creationId xmlns:a16="http://schemas.microsoft.com/office/drawing/2014/main" id="{6E4CD4C1-9D9D-89D7-3E26-3C41A495B45D}"/>
-              </a:ext>
-            </a:extLst>
-          </p:cNvPr>
-          <p:cNvSpPr/>
-          <p:nvPr/>
-        </p:nvSpPr>
-        <p:spPr>
-          <a:xfrm>
-            <a:off x="4182036" y="6051176"/>
-            <a:ext cx="2770094" cy="477371"/>
-          </a:xfrm>
-          <a:prstGeom prst="roundRect">
-            <a:avLst/>
-          </a:prstGeom>
-          <a:solidFill>
-            <a:schemeClr val="bg1"/>
-          </a:solidFill>
-          <a:ln>
-            <a:solidFill>
-              <a:schemeClr val="tx1"/>
-            </a:solidFill>
-          </a:ln>
-        </p:spPr>
-        <p:style>
-          <a:lnRef idx="2">
-            <a:schemeClr val="accent1">
-              <a:shade val="15000"/>
-            </a:schemeClr>
-          </a:lnRef>
-          <a:fillRef idx="1">
-            <a:schemeClr val="accent1"/>
-          </a:fillRef>
-          <a:effectRef idx="0">
-            <a:schemeClr val="accent1"/>
-          </a:effectRef>
-          <a:fontRef idx="minor">
-            <a:schemeClr val="lt1"/>
-          </a:fontRef>
-        </p:style>
-        <p:txBody>
-          <a:bodyPr rtlCol="0" anchor="ctr"/>
-          <a:lstStyle/>
-          <a:p>
-            <a:pPr algn="ctr"/>
-            <a:r>
-              <a:rPr kumimoji="1" lang="en-US" altLang="ja-JP" sz="2000" b="1" dirty="0">
-                <a:solidFill>
-                  <a:schemeClr val="tx1"/>
-                </a:solidFill>
-              </a:rPr>
-              <a:t>DX</a:t>
-            </a:r>
-            <a:r>
-              <a:rPr kumimoji="1" lang="ja-JP" altLang="en-US" sz="2000" b="1" dirty="0">
-                <a:solidFill>
-                  <a:schemeClr val="tx1"/>
-                </a:solidFill>
-              </a:rPr>
-              <a:t>のロードマップ</a:t>
-            </a:r>
-          </a:p>
-        </p:txBody>
-      </p:sp>
-      <p:grpSp>
-        <p:nvGrpSpPr>
-          <p:cNvPr id="9" name="グループ化 8">
-            <a:extLst>
-              <a:ext uri="{FF2B5EF4-FFF2-40B4-BE49-F238E27FC236}">
-                <a16:creationId xmlns:a16="http://schemas.microsoft.com/office/drawing/2014/main" id="{1B93336A-CFC3-41C8-1000-83EEAFF5FB55}"/>
-              </a:ext>
-            </a:extLst>
-          </p:cNvPr>
-          <p:cNvGrpSpPr/>
-          <p:nvPr/>
-        </p:nvGrpSpPr>
-        <p:grpSpPr>
-          <a:xfrm>
-            <a:off x="1273369" y="5237629"/>
-            <a:ext cx="1929653" cy="726142"/>
-            <a:chOff x="1714500" y="5237629"/>
-            <a:chExt cx="1929653" cy="726142"/>
-          </a:xfrm>
-        </p:grpSpPr>
-        <p:sp>
-          <p:nvSpPr>
-            <p:cNvPr id="7" name="楕円 6">
-              <a:extLst>
-                <a:ext uri="{FF2B5EF4-FFF2-40B4-BE49-F238E27FC236}">
-                  <a16:creationId xmlns:a16="http://schemas.microsoft.com/office/drawing/2014/main" id="{073C45E3-329E-0CA8-CCAF-84938802CC44}"/>
-                </a:ext>
-              </a:extLst>
-            </p:cNvPr>
-            <p:cNvSpPr/>
-            <p:nvPr/>
-          </p:nvSpPr>
-          <p:spPr>
-            <a:xfrm>
-              <a:off x="1714500" y="5237629"/>
-              <a:ext cx="1929653" cy="726142"/>
-            </a:xfrm>
-            <a:prstGeom prst="ellipse">
-              <a:avLst/>
-            </a:prstGeom>
-            <a:solidFill>
-              <a:schemeClr val="bg1"/>
-            </a:solidFill>
-          </p:spPr>
-          <p:style>
-            <a:lnRef idx="2">
-              <a:schemeClr val="accent1">
-                <a:shade val="15000"/>
-              </a:schemeClr>
-            </a:lnRef>
-            <a:fillRef idx="1">
-              <a:schemeClr val="accent1"/>
-            </a:fillRef>
-            <a:effectRef idx="0">
-              <a:schemeClr val="accent1"/>
-            </a:effectRef>
-            <a:fontRef idx="minor">
-              <a:schemeClr val="lt1"/>
-            </a:fontRef>
-          </p:style>
-          <p:txBody>
-            <a:bodyPr rtlCol="0" anchor="ctr"/>
-            <a:lstStyle/>
-            <a:p>
-              <a:pPr algn="ctr"/>
-              <a:endParaRPr kumimoji="1" lang="ja-JP" altLang="en-US" b="1"/>
-            </a:p>
-          </p:txBody>
-        </p:sp>
-        <p:sp>
-          <p:nvSpPr>
-            <p:cNvPr id="8" name="テキスト ボックス 7">
-              <a:extLst>
-                <a:ext uri="{FF2B5EF4-FFF2-40B4-BE49-F238E27FC236}">
-                  <a16:creationId xmlns:a16="http://schemas.microsoft.com/office/drawing/2014/main" id="{646FA2AC-9496-17D0-A62F-528AB2B251A8}"/>
-                </a:ext>
-              </a:extLst>
-            </p:cNvPr>
-            <p:cNvSpPr txBox="1"/>
-            <p:nvPr/>
-          </p:nvSpPr>
-          <p:spPr>
-            <a:xfrm>
-              <a:off x="1895297" y="5407309"/>
-              <a:ext cx="1584088" cy="400110"/>
-            </a:xfrm>
-            <a:prstGeom prst="rect">
-              <a:avLst/>
-            </a:prstGeom>
-            <a:noFill/>
-          </p:spPr>
-          <p:txBody>
-            <a:bodyPr wrap="none" rtlCol="0">
-              <a:spAutoFit/>
-            </a:bodyPr>
-            <a:lstStyle/>
-            <a:p>
-              <a:r>
-                <a:rPr kumimoji="1" lang="ja-JP" altLang="en-US" sz="2000" b="1" dirty="0"/>
-                <a:t>生産性の</a:t>
-              </a:r>
-              <a:r>
-                <a:rPr kumimoji="1" lang="en-US" altLang="ja-JP" sz="2000" b="1" dirty="0"/>
-                <a:t>DX</a:t>
-              </a:r>
-              <a:endParaRPr kumimoji="1" lang="ja-JP" altLang="en-US" sz="2000" b="1" dirty="0"/>
-            </a:p>
-          </p:txBody>
-        </p:sp>
-      </p:grpSp>
-      <p:grpSp>
-        <p:nvGrpSpPr>
-          <p:cNvPr id="10" name="グループ化 9">
-            <a:extLst>
-              <a:ext uri="{FF2B5EF4-FFF2-40B4-BE49-F238E27FC236}">
-                <a16:creationId xmlns:a16="http://schemas.microsoft.com/office/drawing/2014/main" id="{9570FF86-633C-5295-305B-A04F6FF45488}"/>
-              </a:ext>
-            </a:extLst>
-          </p:cNvPr>
-          <p:cNvGrpSpPr/>
-          <p:nvPr/>
-        </p:nvGrpSpPr>
-        <p:grpSpPr>
-          <a:xfrm>
-            <a:off x="8347999" y="4118041"/>
-            <a:ext cx="1929653" cy="726142"/>
-            <a:chOff x="1714500" y="5237629"/>
-            <a:chExt cx="1929653" cy="726142"/>
-          </a:xfrm>
-        </p:grpSpPr>
-        <p:sp>
-          <p:nvSpPr>
-            <p:cNvPr id="11" name="楕円 10">
-              <a:extLst>
-                <a:ext uri="{FF2B5EF4-FFF2-40B4-BE49-F238E27FC236}">
-                  <a16:creationId xmlns:a16="http://schemas.microsoft.com/office/drawing/2014/main" id="{3C90AB29-F61A-1962-A48E-79362A54F746}"/>
-                </a:ext>
-              </a:extLst>
-            </p:cNvPr>
-            <p:cNvSpPr/>
-            <p:nvPr/>
-          </p:nvSpPr>
-          <p:spPr>
-            <a:xfrm>
-              <a:off x="1714500" y="5237629"/>
-              <a:ext cx="1929653" cy="726142"/>
-            </a:xfrm>
-            <a:prstGeom prst="ellipse">
-              <a:avLst/>
-            </a:prstGeom>
-            <a:solidFill>
-              <a:schemeClr val="bg1"/>
-            </a:solidFill>
-          </p:spPr>
-          <p:style>
-            <a:lnRef idx="2">
-              <a:schemeClr val="accent1">
-                <a:shade val="15000"/>
-              </a:schemeClr>
-            </a:lnRef>
-            <a:fillRef idx="1">
-              <a:schemeClr val="accent1"/>
-            </a:fillRef>
-            <a:effectRef idx="0">
-              <a:schemeClr val="accent1"/>
-            </a:effectRef>
-            <a:fontRef idx="minor">
-              <a:schemeClr val="lt1"/>
-            </a:fontRef>
-          </p:style>
-          <p:txBody>
-            <a:bodyPr rtlCol="0" anchor="ctr"/>
-            <a:lstStyle/>
-            <a:p>
-              <a:pPr algn="ctr"/>
-              <a:endParaRPr kumimoji="1" lang="ja-JP" altLang="en-US" b="1"/>
-            </a:p>
-          </p:txBody>
-        </p:sp>
-        <p:sp>
-          <p:nvSpPr>
-            <p:cNvPr id="12" name="テキスト ボックス 11">
-              <a:extLst>
-                <a:ext uri="{FF2B5EF4-FFF2-40B4-BE49-F238E27FC236}">
-                  <a16:creationId xmlns:a16="http://schemas.microsoft.com/office/drawing/2014/main" id="{3F5A7A87-ACD5-59E7-831D-FE59A01710E1}"/>
-                </a:ext>
-              </a:extLst>
-            </p:cNvPr>
-            <p:cNvSpPr txBox="1"/>
-            <p:nvPr/>
-          </p:nvSpPr>
-          <p:spPr>
-            <a:xfrm>
-              <a:off x="1767057" y="5400645"/>
-              <a:ext cx="1824538" cy="400110"/>
-            </a:xfrm>
-            <a:prstGeom prst="rect">
-              <a:avLst/>
-            </a:prstGeom>
-            <a:noFill/>
-          </p:spPr>
-          <p:txBody>
-            <a:bodyPr wrap="none" rtlCol="0">
-              <a:spAutoFit/>
-            </a:bodyPr>
-            <a:lstStyle/>
-            <a:p>
-              <a:r>
-                <a:rPr kumimoji="1" lang="ja-JP" altLang="en-US" sz="2000" b="1" dirty="0"/>
-                <a:t>事業改革の</a:t>
-              </a:r>
-              <a:r>
-                <a:rPr kumimoji="1" lang="en-US" altLang="ja-JP" sz="2000" b="1" dirty="0"/>
-                <a:t>DX</a:t>
-              </a:r>
-              <a:endParaRPr kumimoji="1" lang="ja-JP" altLang="en-US" sz="2000" b="1" dirty="0"/>
-            </a:p>
-          </p:txBody>
-        </p:sp>
-      </p:grpSp>
-      <p:grpSp>
-        <p:nvGrpSpPr>
-          <p:cNvPr id="13" name="グループ化 12">
-            <a:extLst>
-              <a:ext uri="{FF2B5EF4-FFF2-40B4-BE49-F238E27FC236}">
-                <a16:creationId xmlns:a16="http://schemas.microsoft.com/office/drawing/2014/main" id="{7C723BB5-E2D0-4A48-0BB5-A3FA9A17C682}"/>
-              </a:ext>
-            </a:extLst>
-          </p:cNvPr>
-          <p:cNvGrpSpPr/>
-          <p:nvPr/>
-        </p:nvGrpSpPr>
-        <p:grpSpPr>
-          <a:xfrm>
-            <a:off x="4810684" y="4681167"/>
-            <a:ext cx="1929653" cy="726142"/>
-            <a:chOff x="1714500" y="5237629"/>
-            <a:chExt cx="1929653" cy="726142"/>
-          </a:xfrm>
-        </p:grpSpPr>
-        <p:sp>
-          <p:nvSpPr>
-            <p:cNvPr id="14" name="楕円 13">
-              <a:extLst>
-                <a:ext uri="{FF2B5EF4-FFF2-40B4-BE49-F238E27FC236}">
-                  <a16:creationId xmlns:a16="http://schemas.microsoft.com/office/drawing/2014/main" id="{AF0768C1-5181-8AF9-B5D2-036CA0DDDC71}"/>
-                </a:ext>
-              </a:extLst>
-            </p:cNvPr>
-            <p:cNvSpPr/>
-            <p:nvPr/>
-          </p:nvSpPr>
-          <p:spPr>
-            <a:xfrm>
-              <a:off x="1714500" y="5237629"/>
-              <a:ext cx="1929653" cy="726142"/>
-            </a:xfrm>
-            <a:prstGeom prst="ellipse">
-              <a:avLst/>
-            </a:prstGeom>
-            <a:solidFill>
-              <a:schemeClr val="bg1"/>
-            </a:solidFill>
-          </p:spPr>
-          <p:style>
-            <a:lnRef idx="2">
-              <a:schemeClr val="accent1">
-                <a:shade val="15000"/>
-              </a:schemeClr>
-            </a:lnRef>
-            <a:fillRef idx="1">
-              <a:schemeClr val="accent1"/>
-            </a:fillRef>
-            <a:effectRef idx="0">
-              <a:schemeClr val="accent1"/>
-            </a:effectRef>
-            <a:fontRef idx="minor">
-              <a:schemeClr val="lt1"/>
-            </a:fontRef>
-          </p:style>
-          <p:txBody>
-            <a:bodyPr rtlCol="0" anchor="ctr"/>
-            <a:lstStyle/>
-            <a:p>
-              <a:pPr algn="ctr"/>
-              <a:endParaRPr kumimoji="1" lang="ja-JP" altLang="en-US" b="1"/>
-            </a:p>
-          </p:txBody>
-        </p:sp>
-        <p:sp>
-          <p:nvSpPr>
-            <p:cNvPr id="15" name="テキスト ボックス 14">
-              <a:extLst>
-                <a:ext uri="{FF2B5EF4-FFF2-40B4-BE49-F238E27FC236}">
-                  <a16:creationId xmlns:a16="http://schemas.microsoft.com/office/drawing/2014/main" id="{193C1E99-6441-2D37-DF58-1E493C1F72E8}"/>
-                </a:ext>
-              </a:extLst>
-            </p:cNvPr>
-            <p:cNvSpPr txBox="1"/>
-            <p:nvPr/>
-          </p:nvSpPr>
-          <p:spPr>
-            <a:xfrm>
-              <a:off x="1767057" y="5400645"/>
-              <a:ext cx="1824538" cy="400110"/>
-            </a:xfrm>
-            <a:prstGeom prst="rect">
-              <a:avLst/>
-            </a:prstGeom>
-            <a:noFill/>
-          </p:spPr>
-          <p:txBody>
-            <a:bodyPr wrap="none" rtlCol="0">
-              <a:spAutoFit/>
-            </a:bodyPr>
-            <a:lstStyle/>
-            <a:p>
-              <a:r>
-                <a:rPr lang="ja-JP" altLang="en-US" sz="2000" b="1" dirty="0"/>
-                <a:t>顧客理解</a:t>
-              </a:r>
-              <a:r>
-                <a:rPr kumimoji="1" lang="ja-JP" altLang="en-US" sz="2000" b="1" dirty="0"/>
-                <a:t>の</a:t>
-              </a:r>
-              <a:r>
-                <a:rPr kumimoji="1" lang="en-US" altLang="ja-JP" sz="2000" b="1" dirty="0"/>
-                <a:t>DX</a:t>
-              </a:r>
-              <a:endParaRPr kumimoji="1" lang="ja-JP" altLang="en-US" sz="2000" b="1" dirty="0"/>
-            </a:p>
-          </p:txBody>
-        </p:sp>
-      </p:grpSp>
-      <p:grpSp>
-        <p:nvGrpSpPr>
-          <p:cNvPr id="22" name="グループ化 21">
-            <a:extLst>
-              <a:ext uri="{FF2B5EF4-FFF2-40B4-BE49-F238E27FC236}">
-                <a16:creationId xmlns:a16="http://schemas.microsoft.com/office/drawing/2014/main" id="{16C20691-3CCA-D055-2724-DCBA9FC3A73F}"/>
-              </a:ext>
-            </a:extLst>
-          </p:cNvPr>
-          <p:cNvGrpSpPr/>
-          <p:nvPr/>
-        </p:nvGrpSpPr>
-        <p:grpSpPr>
-          <a:xfrm>
-            <a:off x="976009" y="2699523"/>
-            <a:ext cx="10003515" cy="1465261"/>
-            <a:chOff x="1192687" y="3669261"/>
-            <a:chExt cx="9615052" cy="1483528"/>
-          </a:xfrm>
-        </p:grpSpPr>
-        <p:cxnSp>
-          <p:nvCxnSpPr>
-            <p:cNvPr id="19" name="コネクタ: カギ線 18">
-              <a:extLst>
-                <a:ext uri="{FF2B5EF4-FFF2-40B4-BE49-F238E27FC236}">
-                  <a16:creationId xmlns:a16="http://schemas.microsoft.com/office/drawing/2014/main" id="{85AD591C-E10C-96FA-09B9-73EC6C4AEA7A}"/>
-                </a:ext>
-              </a:extLst>
-            </p:cNvPr>
-            <p:cNvCxnSpPr>
-              <a:cxnSpLocks/>
-            </p:cNvCxnSpPr>
-            <p:nvPr/>
-          </p:nvCxnSpPr>
-          <p:spPr>
-            <a:xfrm flipV="1">
-              <a:off x="1192687" y="4407832"/>
-              <a:ext cx="6249789" cy="744957"/>
-            </a:xfrm>
-            <a:prstGeom prst="bentConnector3">
-              <a:avLst/>
-            </a:prstGeom>
-            <a:ln w="28575">
-              <a:solidFill>
-                <a:schemeClr val="tx1"/>
-              </a:solidFill>
-            </a:ln>
-          </p:spPr>
-          <p:style>
-            <a:lnRef idx="1">
-              <a:schemeClr val="accent1"/>
-            </a:lnRef>
-            <a:fillRef idx="0">
-              <a:schemeClr val="accent1"/>
-            </a:fillRef>
-            <a:effectRef idx="0">
-              <a:schemeClr val="accent1"/>
-            </a:effectRef>
-            <a:fontRef idx="minor">
-              <a:schemeClr val="tx1"/>
-            </a:fontRef>
-          </p:style>
-        </p:cxnSp>
-        <p:cxnSp>
-          <p:nvCxnSpPr>
-            <p:cNvPr id="21" name="コネクタ: カギ線 20">
-              <a:extLst>
-                <a:ext uri="{FF2B5EF4-FFF2-40B4-BE49-F238E27FC236}">
-                  <a16:creationId xmlns:a16="http://schemas.microsoft.com/office/drawing/2014/main" id="{CA48DBCF-AFA0-DE74-CB1A-92F91FA663DD}"/>
-                </a:ext>
-              </a:extLst>
-            </p:cNvPr>
-            <p:cNvCxnSpPr>
-              <a:cxnSpLocks/>
-            </p:cNvCxnSpPr>
-            <p:nvPr/>
-          </p:nvCxnSpPr>
-          <p:spPr>
-            <a:xfrm flipV="1">
-              <a:off x="4398614" y="3669261"/>
-              <a:ext cx="6409125" cy="742677"/>
-            </a:xfrm>
-            <a:prstGeom prst="bentConnector3">
-              <a:avLst/>
-            </a:prstGeom>
-            <a:ln w="28575">
-              <a:solidFill>
-                <a:schemeClr val="tx1"/>
-              </a:solidFill>
-            </a:ln>
-          </p:spPr>
-          <p:style>
-            <a:lnRef idx="1">
-              <a:schemeClr val="accent1"/>
-            </a:lnRef>
-            <a:fillRef idx="0">
-              <a:schemeClr val="accent1"/>
-            </a:fillRef>
-            <a:effectRef idx="0">
-              <a:schemeClr val="accent1"/>
-            </a:effectRef>
-            <a:fontRef idx="minor">
-              <a:schemeClr val="tx1"/>
-            </a:fontRef>
-          </p:style>
-        </p:cxnSp>
-      </p:grpSp>
-      <p:sp>
-        <p:nvSpPr>
-          <p:cNvPr id="23" name="テキスト ボックス 22">
-            <a:extLst>
-              <a:ext uri="{FF2B5EF4-FFF2-40B4-BE49-F238E27FC236}">
-                <a16:creationId xmlns:a16="http://schemas.microsoft.com/office/drawing/2014/main" id="{A90C210B-43FB-C666-6E34-621F89D61C25}"/>
-              </a:ext>
-            </a:extLst>
-          </p:cNvPr>
-          <p:cNvSpPr txBox="1"/>
-          <p:nvPr/>
-        </p:nvSpPr>
-        <p:spPr>
-          <a:xfrm>
-            <a:off x="1482563" y="3541452"/>
-            <a:ext cx="1821332" cy="523220"/>
-          </a:xfrm>
-          <a:prstGeom prst="rect">
-            <a:avLst/>
-          </a:prstGeom>
-          <a:noFill/>
-        </p:spPr>
-        <p:txBody>
-          <a:bodyPr wrap="none" rtlCol="0">
-            <a:spAutoFit/>
-          </a:bodyPr>
-          <a:lstStyle/>
-          <a:p>
-            <a:r>
-              <a:rPr kumimoji="1" lang="ja-JP" altLang="en-US" sz="2800" b="1" dirty="0"/>
-              <a:t>ステップ</a:t>
-            </a:r>
-            <a:r>
-              <a:rPr kumimoji="1" lang="en-US" altLang="ja-JP" sz="2800" b="1" dirty="0"/>
-              <a:t>1</a:t>
-            </a:r>
-            <a:endParaRPr kumimoji="1" lang="ja-JP" altLang="en-US" sz="2800" b="1" dirty="0"/>
-          </a:p>
-        </p:txBody>
-      </p:sp>
-      <p:sp>
-        <p:nvSpPr>
-          <p:cNvPr id="24" name="テキスト ボックス 23">
-            <a:extLst>
-              <a:ext uri="{FF2B5EF4-FFF2-40B4-BE49-F238E27FC236}">
-                <a16:creationId xmlns:a16="http://schemas.microsoft.com/office/drawing/2014/main" id="{4F10DD6A-127D-B29D-1639-9ED05F6D5834}"/>
-              </a:ext>
-            </a:extLst>
-          </p:cNvPr>
-          <p:cNvSpPr txBox="1"/>
-          <p:nvPr/>
-        </p:nvSpPr>
-        <p:spPr>
-          <a:xfrm>
-            <a:off x="4764580" y="2811808"/>
-            <a:ext cx="1821332" cy="523220"/>
-          </a:xfrm>
-          <a:prstGeom prst="rect">
-            <a:avLst/>
-          </a:prstGeom>
-          <a:noFill/>
-        </p:spPr>
-        <p:txBody>
-          <a:bodyPr wrap="none" rtlCol="0">
-            <a:spAutoFit/>
-          </a:bodyPr>
-          <a:lstStyle/>
-          <a:p>
-            <a:r>
-              <a:rPr kumimoji="1" lang="ja-JP" altLang="en-US" sz="2800" b="1" dirty="0"/>
-              <a:t>ステップ</a:t>
-            </a:r>
-            <a:r>
-              <a:rPr kumimoji="1" lang="en-US" altLang="ja-JP" sz="2800" b="1" dirty="0"/>
-              <a:t>2</a:t>
-            </a:r>
-            <a:endParaRPr kumimoji="1" lang="ja-JP" altLang="en-US" sz="2800" b="1" dirty="0"/>
-          </a:p>
-        </p:txBody>
-      </p:sp>
-      <p:sp>
-        <p:nvSpPr>
-          <p:cNvPr id="25" name="テキスト ボックス 24">
-            <a:extLst>
-              <a:ext uri="{FF2B5EF4-FFF2-40B4-BE49-F238E27FC236}">
-                <a16:creationId xmlns:a16="http://schemas.microsoft.com/office/drawing/2014/main" id="{09B81CA4-50D7-B272-77A6-5E52E76B236B}"/>
-              </a:ext>
-            </a:extLst>
-          </p:cNvPr>
-          <p:cNvSpPr txBox="1"/>
-          <p:nvPr/>
-        </p:nvSpPr>
-        <p:spPr>
-          <a:xfrm>
-            <a:off x="8278157" y="2122717"/>
-            <a:ext cx="1821332" cy="523220"/>
-          </a:xfrm>
-          <a:prstGeom prst="rect">
-            <a:avLst/>
-          </a:prstGeom>
-          <a:noFill/>
-        </p:spPr>
-        <p:txBody>
-          <a:bodyPr wrap="none" rtlCol="0">
-            <a:spAutoFit/>
-          </a:bodyPr>
-          <a:lstStyle/>
-          <a:p>
-            <a:r>
-              <a:rPr kumimoji="1" lang="ja-JP" altLang="en-US" sz="2800" b="1" dirty="0"/>
-              <a:t>ステップ</a:t>
-            </a:r>
-            <a:r>
-              <a:rPr lang="en-US" altLang="ja-JP" sz="2800" b="1" dirty="0"/>
-              <a:t>3</a:t>
-            </a:r>
-            <a:endParaRPr kumimoji="1" lang="ja-JP" altLang="en-US" sz="2800" b="1" dirty="0"/>
-          </a:p>
-        </p:txBody>
-      </p:sp>
-      <p:grpSp>
-        <p:nvGrpSpPr>
-          <p:cNvPr id="29" name="グループ化 28">
-            <a:extLst>
-              <a:ext uri="{FF2B5EF4-FFF2-40B4-BE49-F238E27FC236}">
-                <a16:creationId xmlns:a16="http://schemas.microsoft.com/office/drawing/2014/main" id="{E1073B16-FF47-5490-38DA-3A241F9A5FAB}"/>
-              </a:ext>
-            </a:extLst>
-          </p:cNvPr>
-          <p:cNvGrpSpPr/>
-          <p:nvPr/>
-        </p:nvGrpSpPr>
-        <p:grpSpPr>
-          <a:xfrm>
-            <a:off x="4605883" y="1627803"/>
-            <a:ext cx="1946457" cy="954064"/>
-            <a:chOff x="1273369" y="2019179"/>
-            <a:chExt cx="1946457" cy="954064"/>
-          </a:xfrm>
-        </p:grpSpPr>
-        <p:sp>
-          <p:nvSpPr>
-            <p:cNvPr id="26" name="吹き出し: 角を丸めた四角形 25">
-              <a:extLst>
-                <a:ext uri="{FF2B5EF4-FFF2-40B4-BE49-F238E27FC236}">
-                  <a16:creationId xmlns:a16="http://schemas.microsoft.com/office/drawing/2014/main" id="{E7865E61-4665-8AE4-6ADF-EECBF267ACE5}"/>
-                </a:ext>
-              </a:extLst>
-            </p:cNvPr>
-            <p:cNvSpPr/>
-            <p:nvPr/>
-          </p:nvSpPr>
-          <p:spPr>
-            <a:xfrm>
-              <a:off x="1273369" y="2019179"/>
-              <a:ext cx="1946457" cy="954064"/>
-            </a:xfrm>
-            <a:prstGeom prst="wedgeRoundRectCallout">
-              <a:avLst>
-                <a:gd name="adj1" fmla="val -20142"/>
-                <a:gd name="adj2" fmla="val 73776"/>
-                <a:gd name="adj3" fmla="val 16667"/>
-              </a:avLst>
-            </a:prstGeom>
-            <a:solidFill>
-              <a:schemeClr val="bg1"/>
-            </a:solidFill>
-            <a:ln>
-              <a:solidFill>
-                <a:schemeClr val="tx1"/>
-              </a:solidFill>
-            </a:ln>
-          </p:spPr>
-          <p:style>
-            <a:lnRef idx="2">
-              <a:schemeClr val="accent1">
-                <a:shade val="15000"/>
-              </a:schemeClr>
-            </a:lnRef>
-            <a:fillRef idx="1">
-              <a:schemeClr val="accent1"/>
-            </a:fillRef>
-            <a:effectRef idx="0">
-              <a:schemeClr val="accent1"/>
-            </a:effectRef>
-            <a:fontRef idx="minor">
-              <a:schemeClr val="lt1"/>
-            </a:fontRef>
-          </p:style>
-          <p:txBody>
-            <a:bodyPr rtlCol="0" anchor="ctr"/>
-            <a:lstStyle/>
-            <a:p>
-              <a:pPr algn="ctr"/>
-              <a:endParaRPr kumimoji="1" lang="ja-JP" altLang="en-US" b="1"/>
-            </a:p>
-          </p:txBody>
-        </p:sp>
-        <p:sp>
-          <p:nvSpPr>
-            <p:cNvPr id="28" name="テキスト ボックス 27">
-              <a:extLst>
-                <a:ext uri="{FF2B5EF4-FFF2-40B4-BE49-F238E27FC236}">
-                  <a16:creationId xmlns:a16="http://schemas.microsoft.com/office/drawing/2014/main" id="{B681C0F4-F8A0-3104-CC94-5D8AF4D998AB}"/>
-                </a:ext>
-              </a:extLst>
-            </p:cNvPr>
-            <p:cNvSpPr txBox="1"/>
-            <p:nvPr/>
-          </p:nvSpPr>
-          <p:spPr>
-            <a:xfrm>
-              <a:off x="1424096" y="2361639"/>
-              <a:ext cx="1667444" cy="400110"/>
-            </a:xfrm>
-            <a:prstGeom prst="rect">
-              <a:avLst/>
-            </a:prstGeom>
-            <a:noFill/>
-          </p:spPr>
-          <p:txBody>
-            <a:bodyPr wrap="none" rtlCol="0">
-              <a:spAutoFit/>
-            </a:bodyPr>
-            <a:lstStyle/>
-            <a:p>
-              <a:r>
-                <a:rPr kumimoji="1" lang="en-US" altLang="ja-JP" sz="2000" b="1" dirty="0"/>
-                <a:t>ROI</a:t>
-              </a:r>
-              <a:r>
-                <a:rPr kumimoji="1" lang="ja-JP" altLang="en-US" sz="2000" b="1" dirty="0"/>
-                <a:t>を目指す</a:t>
-              </a:r>
-            </a:p>
-          </p:txBody>
-        </p:sp>
-      </p:grpSp>
-      <p:grpSp>
-        <p:nvGrpSpPr>
-          <p:cNvPr id="30" name="グループ化 29">
-            <a:extLst>
-              <a:ext uri="{FF2B5EF4-FFF2-40B4-BE49-F238E27FC236}">
-                <a16:creationId xmlns:a16="http://schemas.microsoft.com/office/drawing/2014/main" id="{89F6ABDD-83E6-5D3B-C0AC-5D46E9FC025D}"/>
-              </a:ext>
-            </a:extLst>
-          </p:cNvPr>
-          <p:cNvGrpSpPr/>
-          <p:nvPr/>
-        </p:nvGrpSpPr>
-        <p:grpSpPr>
-          <a:xfrm>
-            <a:off x="1454166" y="2365319"/>
-            <a:ext cx="1980029" cy="954064"/>
-            <a:chOff x="1273369" y="2019179"/>
-            <a:chExt cx="1980029" cy="954064"/>
-          </a:xfrm>
-        </p:grpSpPr>
-        <p:sp>
-          <p:nvSpPr>
-            <p:cNvPr id="31" name="吹き出し: 角を丸めた四角形 30">
-              <a:extLst>
-                <a:ext uri="{FF2B5EF4-FFF2-40B4-BE49-F238E27FC236}">
-                  <a16:creationId xmlns:a16="http://schemas.microsoft.com/office/drawing/2014/main" id="{3DB56074-42D4-58A9-8029-3298A8B52170}"/>
-                </a:ext>
-              </a:extLst>
-            </p:cNvPr>
-            <p:cNvSpPr/>
-            <p:nvPr/>
-          </p:nvSpPr>
-          <p:spPr>
-            <a:xfrm>
-              <a:off x="1273369" y="2019179"/>
-              <a:ext cx="1946457" cy="954064"/>
-            </a:xfrm>
-            <a:prstGeom prst="wedgeRoundRectCallout">
-              <a:avLst>
-                <a:gd name="adj1" fmla="val -20142"/>
-                <a:gd name="adj2" fmla="val 73776"/>
-                <a:gd name="adj3" fmla="val 16667"/>
-              </a:avLst>
-            </a:prstGeom>
-            <a:solidFill>
-              <a:schemeClr val="bg1"/>
-            </a:solidFill>
-            <a:ln>
-              <a:solidFill>
-                <a:schemeClr val="tx1"/>
-              </a:solidFill>
-            </a:ln>
-          </p:spPr>
-          <p:style>
-            <a:lnRef idx="2">
-              <a:schemeClr val="accent1">
-                <a:shade val="15000"/>
-              </a:schemeClr>
-            </a:lnRef>
-            <a:fillRef idx="1">
-              <a:schemeClr val="accent1"/>
-            </a:fillRef>
-            <a:effectRef idx="0">
-              <a:schemeClr val="accent1"/>
-            </a:effectRef>
-            <a:fontRef idx="minor">
-              <a:schemeClr val="lt1"/>
-            </a:fontRef>
-          </p:style>
-          <p:txBody>
-            <a:bodyPr rtlCol="0" anchor="ctr"/>
-            <a:lstStyle/>
-            <a:p>
-              <a:pPr algn="ctr"/>
-              <a:endParaRPr kumimoji="1" lang="ja-JP" altLang="en-US" b="1"/>
-            </a:p>
-          </p:txBody>
-        </p:sp>
-        <p:sp>
-          <p:nvSpPr>
-            <p:cNvPr id="32" name="テキスト ボックス 31">
-              <a:extLst>
-                <a:ext uri="{FF2B5EF4-FFF2-40B4-BE49-F238E27FC236}">
-                  <a16:creationId xmlns:a16="http://schemas.microsoft.com/office/drawing/2014/main" id="{0A572869-A610-CC0F-A0FE-1E9121A4F1EB}"/>
-                </a:ext>
-              </a:extLst>
-            </p:cNvPr>
-            <p:cNvSpPr txBox="1"/>
-            <p:nvPr/>
-          </p:nvSpPr>
-          <p:spPr>
-            <a:xfrm>
-              <a:off x="1273369" y="2143734"/>
-              <a:ext cx="1980029" cy="707886"/>
-            </a:xfrm>
-            <a:prstGeom prst="rect">
-              <a:avLst/>
-            </a:prstGeom>
-            <a:noFill/>
-          </p:spPr>
-          <p:txBody>
-            <a:bodyPr wrap="none" rtlCol="0">
-              <a:spAutoFit/>
-            </a:bodyPr>
-            <a:lstStyle/>
-            <a:p>
-              <a:r>
-                <a:rPr kumimoji="1" lang="en-US" altLang="ja-JP" sz="2000" b="1" dirty="0"/>
-                <a:t>CX</a:t>
-              </a:r>
-              <a:r>
-                <a:rPr kumimoji="1" lang="ja-JP" altLang="en-US" sz="2000" b="1" dirty="0"/>
-                <a:t>・</a:t>
-              </a:r>
-              <a:r>
-                <a:rPr lang="en-US" altLang="ja-JP" sz="2000" b="1" dirty="0"/>
-                <a:t>EX</a:t>
-              </a:r>
-              <a:r>
-                <a:rPr lang="ja-JP" altLang="en-US" sz="2000" b="1" dirty="0"/>
-                <a:t>が向上</a:t>
-              </a:r>
-              <a:endParaRPr lang="en-US" altLang="ja-JP" sz="2000" b="1" dirty="0"/>
-            </a:p>
-            <a:p>
-              <a:r>
-                <a:rPr lang="ja-JP" altLang="en-US" sz="2000" b="1" dirty="0"/>
-                <a:t>することを確認</a:t>
-              </a:r>
-              <a:endParaRPr kumimoji="1" lang="ja-JP" altLang="en-US" sz="2000" b="1" dirty="0"/>
-            </a:p>
-          </p:txBody>
-        </p:sp>
-      </p:grpSp>
-      <p:grpSp>
-        <p:nvGrpSpPr>
-          <p:cNvPr id="33" name="グループ化 32">
-            <a:extLst>
-              <a:ext uri="{FF2B5EF4-FFF2-40B4-BE49-F238E27FC236}">
-                <a16:creationId xmlns:a16="http://schemas.microsoft.com/office/drawing/2014/main" id="{BC85933E-75F3-E0AF-73FA-E13B4589C14F}"/>
-              </a:ext>
-            </a:extLst>
-          </p:cNvPr>
-          <p:cNvGrpSpPr/>
-          <p:nvPr/>
-        </p:nvGrpSpPr>
-        <p:grpSpPr>
-          <a:xfrm>
-            <a:off x="8153032" y="911358"/>
-            <a:ext cx="1946457" cy="954064"/>
-            <a:chOff x="1465880" y="2307633"/>
-            <a:chExt cx="1946457" cy="954064"/>
-          </a:xfrm>
-        </p:grpSpPr>
-        <p:sp>
-          <p:nvSpPr>
-            <p:cNvPr id="34" name="吹き出し: 角を丸めた四角形 33">
-              <a:extLst>
-                <a:ext uri="{FF2B5EF4-FFF2-40B4-BE49-F238E27FC236}">
-                  <a16:creationId xmlns:a16="http://schemas.microsoft.com/office/drawing/2014/main" id="{8786EFAB-F900-5EB6-017D-8E27B5E9E3F7}"/>
-                </a:ext>
-              </a:extLst>
-            </p:cNvPr>
-            <p:cNvSpPr/>
-            <p:nvPr/>
-          </p:nvSpPr>
-          <p:spPr>
-            <a:xfrm>
-              <a:off x="1465880" y="2307633"/>
-              <a:ext cx="1946457" cy="954064"/>
-            </a:xfrm>
-            <a:prstGeom prst="wedgeRoundRectCallout">
-              <a:avLst>
-                <a:gd name="adj1" fmla="val -20142"/>
-                <a:gd name="adj2" fmla="val 73776"/>
-                <a:gd name="adj3" fmla="val 16667"/>
-              </a:avLst>
-            </a:prstGeom>
-            <a:solidFill>
-              <a:schemeClr val="bg1"/>
-            </a:solidFill>
-            <a:ln>
-              <a:solidFill>
-                <a:schemeClr val="tx1"/>
-              </a:solidFill>
-            </a:ln>
-          </p:spPr>
-          <p:style>
-            <a:lnRef idx="2">
-              <a:schemeClr val="accent1">
-                <a:shade val="15000"/>
-              </a:schemeClr>
-            </a:lnRef>
-            <a:fillRef idx="1">
-              <a:schemeClr val="accent1"/>
-            </a:fillRef>
-            <a:effectRef idx="0">
-              <a:schemeClr val="accent1"/>
-            </a:effectRef>
-            <a:fontRef idx="minor">
-              <a:schemeClr val="lt1"/>
-            </a:fontRef>
-          </p:style>
-          <p:txBody>
-            <a:bodyPr rtlCol="0" anchor="ctr"/>
-            <a:lstStyle/>
-            <a:p>
-              <a:pPr algn="ctr"/>
-              <a:endParaRPr kumimoji="1" lang="ja-JP" altLang="en-US" b="1"/>
-            </a:p>
-          </p:txBody>
-        </p:sp>
-        <p:sp>
-          <p:nvSpPr>
-            <p:cNvPr id="35" name="テキスト ボックス 34">
-              <a:extLst>
-                <a:ext uri="{FF2B5EF4-FFF2-40B4-BE49-F238E27FC236}">
-                  <a16:creationId xmlns:a16="http://schemas.microsoft.com/office/drawing/2014/main" id="{817F0E49-0201-BDFD-143C-E7CD8A63F671}"/>
-                </a:ext>
-              </a:extLst>
-            </p:cNvPr>
-            <p:cNvSpPr txBox="1"/>
-            <p:nvPr/>
-          </p:nvSpPr>
-          <p:spPr>
-            <a:xfrm>
-              <a:off x="1526839" y="2603937"/>
-              <a:ext cx="1824538" cy="400110"/>
-            </a:xfrm>
-            <a:prstGeom prst="rect">
-              <a:avLst/>
-            </a:prstGeom>
-            <a:noFill/>
-          </p:spPr>
-          <p:txBody>
-            <a:bodyPr wrap="none" rtlCol="0">
-              <a:spAutoFit/>
-            </a:bodyPr>
-            <a:lstStyle/>
-            <a:p>
-              <a:r>
-                <a:rPr kumimoji="1" lang="en-US" altLang="ja-JP" sz="2000" b="1" dirty="0"/>
-                <a:t>DX</a:t>
-              </a:r>
-              <a:r>
-                <a:rPr kumimoji="1" lang="ja-JP" altLang="en-US" sz="2000" b="1" dirty="0"/>
-                <a:t>で目指す姿</a:t>
-              </a:r>
-            </a:p>
-          </p:txBody>
-        </p:sp>
-      </p:grpSp>
-      <p:sp>
-        <p:nvSpPr>
-          <p:cNvPr id="36" name="テキスト ボックス 35">
-            <a:extLst>
-              <a:ext uri="{FF2B5EF4-FFF2-40B4-BE49-F238E27FC236}">
-                <a16:creationId xmlns:a16="http://schemas.microsoft.com/office/drawing/2014/main" id="{AA1FEC8E-968B-7635-6722-1D91BBDCD321}"/>
-              </a:ext>
-            </a:extLst>
-          </p:cNvPr>
-          <p:cNvSpPr txBox="1"/>
-          <p:nvPr/>
-        </p:nvSpPr>
-        <p:spPr>
-          <a:xfrm>
-            <a:off x="1273369" y="4173335"/>
-            <a:ext cx="2492990" cy="1015663"/>
-          </a:xfrm>
-          <a:prstGeom prst="rect">
-            <a:avLst/>
-          </a:prstGeom>
-          <a:noFill/>
-        </p:spPr>
-        <p:txBody>
-          <a:bodyPr wrap="none" rtlCol="0">
-            <a:spAutoFit/>
-          </a:bodyPr>
-          <a:lstStyle/>
-          <a:p>
-            <a:r>
-              <a:rPr kumimoji="1" lang="ja-JP" altLang="en-US" sz="2000" b="1" dirty="0"/>
-              <a:t>チャットボットで</a:t>
-            </a:r>
-            <a:endParaRPr kumimoji="1" lang="en-US" altLang="ja-JP" sz="2000" b="1" dirty="0"/>
-          </a:p>
-          <a:p>
-            <a:r>
-              <a:rPr lang="ja-JP" altLang="en-US" sz="2000" b="1" dirty="0"/>
-              <a:t>・機会損失削減</a:t>
-            </a:r>
-            <a:endParaRPr lang="en-US" altLang="ja-JP" sz="2000" b="1" dirty="0"/>
-          </a:p>
-          <a:p>
-            <a:r>
-              <a:rPr kumimoji="1" lang="ja-JP" altLang="en-US" sz="2000" b="1" dirty="0"/>
-              <a:t>・顧客接点を増やす</a:t>
-            </a:r>
-          </a:p>
-        </p:txBody>
-      </p:sp>
-      <p:sp>
-        <p:nvSpPr>
-          <p:cNvPr id="37" name="テキスト ボックス 36">
-            <a:extLst>
-              <a:ext uri="{FF2B5EF4-FFF2-40B4-BE49-F238E27FC236}">
-                <a16:creationId xmlns:a16="http://schemas.microsoft.com/office/drawing/2014/main" id="{24098E91-E681-C5EF-8BC4-69B78EE73D73}"/>
-              </a:ext>
-            </a:extLst>
-          </p:cNvPr>
-          <p:cNvSpPr txBox="1"/>
-          <p:nvPr/>
-        </p:nvSpPr>
-        <p:spPr>
-          <a:xfrm>
-            <a:off x="4472348" y="3534854"/>
-            <a:ext cx="3005951" cy="1015663"/>
-          </a:xfrm>
-          <a:prstGeom prst="rect">
-            <a:avLst/>
-          </a:prstGeom>
-          <a:noFill/>
-        </p:spPr>
-        <p:txBody>
-          <a:bodyPr wrap="none" rtlCol="0">
-            <a:spAutoFit/>
-          </a:bodyPr>
-          <a:lstStyle/>
-          <a:p>
-            <a:r>
-              <a:rPr kumimoji="1" lang="ja-JP" altLang="en-US" sz="2000" b="1" dirty="0"/>
-              <a:t>・機会損失をゼロに</a:t>
-            </a:r>
-            <a:endParaRPr kumimoji="1" lang="en-US" altLang="ja-JP" sz="2000" b="1" dirty="0"/>
-          </a:p>
-          <a:p>
-            <a:r>
-              <a:rPr lang="ja-JP" altLang="en-US" sz="2000" b="1" dirty="0"/>
-              <a:t>・デジタルチャネルの</a:t>
-            </a:r>
-            <a:endParaRPr lang="en-US" altLang="ja-JP" sz="2000" b="1" dirty="0"/>
-          </a:p>
-          <a:p>
-            <a:r>
-              <a:rPr lang="ja-JP" altLang="en-US" sz="2000" b="1" dirty="0"/>
-              <a:t>データ活用で販売を拡大</a:t>
-            </a:r>
-            <a:endParaRPr kumimoji="1" lang="ja-JP" altLang="en-US" sz="2000" b="1" dirty="0"/>
-          </a:p>
-        </p:txBody>
-      </p:sp>
-      <p:sp>
-        <p:nvSpPr>
-          <p:cNvPr id="38" name="テキスト ボックス 37">
-            <a:extLst>
-              <a:ext uri="{FF2B5EF4-FFF2-40B4-BE49-F238E27FC236}">
-                <a16:creationId xmlns:a16="http://schemas.microsoft.com/office/drawing/2014/main" id="{6371BB5D-1D2D-0A21-EB48-48186696DBD4}"/>
-              </a:ext>
-            </a:extLst>
-          </p:cNvPr>
-          <p:cNvSpPr txBox="1"/>
-          <p:nvPr/>
-        </p:nvSpPr>
-        <p:spPr>
-          <a:xfrm>
-            <a:off x="7803255" y="3004020"/>
-            <a:ext cx="3262432" cy="1015663"/>
-          </a:xfrm>
-          <a:prstGeom prst="rect">
-            <a:avLst/>
-          </a:prstGeom>
-          <a:noFill/>
-        </p:spPr>
-        <p:txBody>
-          <a:bodyPr wrap="none" rtlCol="0">
-            <a:spAutoFit/>
-          </a:bodyPr>
-          <a:lstStyle/>
-          <a:p>
-            <a:r>
-              <a:rPr kumimoji="1" lang="ja-JP" altLang="en-US" sz="2000" b="1" dirty="0"/>
-              <a:t>・収集した顧客データ</a:t>
-            </a:r>
-            <a:endParaRPr kumimoji="1" lang="en-US" altLang="ja-JP" sz="2000" b="1" dirty="0"/>
-          </a:p>
-          <a:p>
-            <a:r>
-              <a:rPr kumimoji="1" lang="ja-JP" altLang="en-US" sz="2000" b="1" dirty="0"/>
-              <a:t>をもとに、</a:t>
-            </a:r>
-            <a:r>
-              <a:rPr lang="ja-JP" altLang="en-US" sz="2000" b="1" dirty="0"/>
-              <a:t>既存事業の枠を</a:t>
-            </a:r>
-            <a:endParaRPr lang="en-US" altLang="ja-JP" sz="2000" b="1" dirty="0"/>
-          </a:p>
-          <a:p>
-            <a:r>
-              <a:rPr lang="ja-JP" altLang="en-US" sz="2000" b="1" dirty="0"/>
-              <a:t>超えた新しいサービス提供</a:t>
-            </a:r>
-            <a:endParaRPr kumimoji="1" lang="ja-JP" altLang="en-US" sz="2000" b="1" dirty="0"/>
-          </a:p>
-        </p:txBody>
-      </p:sp>
-    </p:spTree>
-    <p:extLst>
-      <p:ext uri="{BB962C8B-B14F-4D97-AF65-F5344CB8AC3E}">
-        <p14:creationId xmlns:p14="http://schemas.microsoft.com/office/powerpoint/2010/main" val="4123977935"/>
-      </p:ext>
-    </p:extLst>
-  </p:cSld>
-  <p:clrMapOvr>
-    <a:masterClrMapping/>
-  </p:clrMapOvr>
-</p:sld>
-</file>
-
-<file path=ppt/slides/slide8.xml><?xml version="1.0" encoding="utf-8"?>
-<p:sld xmlns:a="http://schemas.openxmlformats.org/drawingml/2006/main" xmlns:r="http://schemas.openxmlformats.org/officeDocument/2006/relationships" xmlns:p="http://schemas.openxmlformats.org/presentationml/2006/main">
-  <p:cSld>
-    <p:spTree>
-      <p:nvGrpSpPr>
-        <p:cNvPr id="1" name="">
-          <a:extLst>
-            <a:ext uri="{FF2B5EF4-FFF2-40B4-BE49-F238E27FC236}">
-              <a16:creationId xmlns:a16="http://schemas.microsoft.com/office/drawing/2014/main" id="{6DF0F5BB-4DC3-2BBF-C8C5-D247BA314374}"/>
-            </a:ext>
-          </a:extLst>
-        </p:cNvPr>
-        <p:cNvGrpSpPr/>
-        <p:nvPr/>
-      </p:nvGrpSpPr>
-      <p:grpSpPr>
-        <a:xfrm>
-          <a:off x="0" y="0"/>
-          <a:ext cx="0" cy="0"/>
-          <a:chOff x="0" y="0"/>
-          <a:chExt cx="0" cy="0"/>
-        </a:xfrm>
-      </p:grpSpPr>
-      <p:sp>
-        <p:nvSpPr>
-          <p:cNvPr id="2" name="タイトル 1">
-            <a:extLst>
-              <a:ext uri="{FF2B5EF4-FFF2-40B4-BE49-F238E27FC236}">
-                <a16:creationId xmlns:a16="http://schemas.microsoft.com/office/drawing/2014/main" id="{4B959402-F0C7-7827-1F15-8010D6C202C8}"/>
-              </a:ext>
-            </a:extLst>
-          </p:cNvPr>
-          <p:cNvSpPr>
-            <a:spLocks noGrp="1"/>
-          </p:cNvSpPr>
-          <p:nvPr>
-            <p:ph type="title"/>
-          </p:nvPr>
-        </p:nvSpPr>
-        <p:spPr/>
-        <p:txBody>
-          <a:bodyPr/>
-          <a:lstStyle/>
-          <a:p>
-            <a:r>
-              <a:rPr kumimoji="1" lang="ja-JP" altLang="en-US" dirty="0"/>
-              <a:t>業務フロー図</a:t>
-            </a:r>
-          </a:p>
-        </p:txBody>
-      </p:sp>
-      <p:pic>
-        <p:nvPicPr>
-          <p:cNvPr id="4" name="図 3">
-            <a:extLst>
-              <a:ext uri="{FF2B5EF4-FFF2-40B4-BE49-F238E27FC236}">
-                <a16:creationId xmlns:a16="http://schemas.microsoft.com/office/drawing/2014/main" id="{F28C5A62-D369-03FB-DF02-9BF48148EE48}"/>
-              </a:ext>
-            </a:extLst>
-          </p:cNvPr>
-          <p:cNvPicPr>
-            <a:picLocks noChangeAspect="1"/>
-          </p:cNvPicPr>
-          <p:nvPr/>
-        </p:nvPicPr>
-        <p:blipFill>
-          <a:blip r:embed="rId2"/>
-          <a:stretch>
-            <a:fillRect/>
-          </a:stretch>
-        </p:blipFill>
-        <p:spPr>
-          <a:xfrm>
-            <a:off x="1852894" y="2877671"/>
-            <a:ext cx="5701965" cy="3536576"/>
-          </a:xfrm>
-          <a:prstGeom prst="rect">
-            <a:avLst/>
-          </a:prstGeom>
-        </p:spPr>
-      </p:pic>
-      <p:sp>
-        <p:nvSpPr>
-          <p:cNvPr id="5" name="コンテンツ プレースホルダー 2">
-            <a:extLst>
-              <a:ext uri="{FF2B5EF4-FFF2-40B4-BE49-F238E27FC236}">
-                <a16:creationId xmlns:a16="http://schemas.microsoft.com/office/drawing/2014/main" id="{56A9028A-3F06-DDBF-C0C2-E2CB83E40B3C}"/>
-              </a:ext>
-            </a:extLst>
-          </p:cNvPr>
-          <p:cNvSpPr>
-            <a:spLocks noGrp="1"/>
-          </p:cNvSpPr>
-          <p:nvPr>
-            <p:ph idx="1"/>
-          </p:nvPr>
-        </p:nvSpPr>
-        <p:spPr>
-          <a:xfrm>
-            <a:off x="838200" y="1825625"/>
-            <a:ext cx="10515600" cy="4351338"/>
-          </a:xfrm>
-        </p:spPr>
-        <p:txBody>
-          <a:bodyPr/>
-          <a:lstStyle/>
-          <a:p>
-            <a:r>
-              <a:rPr kumimoji="1" lang="ja-JP" altLang="en-US" dirty="0"/>
-              <a:t>こんな感じ（</a:t>
-            </a:r>
-            <a:r>
-              <a:rPr lang="en-US" altLang="ja-JP" dirty="0">
-                <a:hlinkClick r:id="rId3"/>
-              </a:rPr>
-              <a:t>【</a:t>
-            </a:r>
-            <a:r>
-              <a:rPr lang="ja-JP" altLang="en-US" dirty="0">
-                <a:hlinkClick r:id="rId3"/>
-              </a:rPr>
-              <a:t>サンプルあり</a:t>
-            </a:r>
-            <a:r>
-              <a:rPr lang="en-US" altLang="ja-JP" dirty="0">
-                <a:hlinkClick r:id="rId3"/>
-              </a:rPr>
-              <a:t>】</a:t>
-            </a:r>
-            <a:r>
-              <a:rPr lang="ja-JP" altLang="en-US" dirty="0">
-                <a:hlinkClick r:id="rId3"/>
-              </a:rPr>
-              <a:t>分かりやすい業務フロー図の書き方・作り方のコツ</a:t>
-            </a:r>
-            <a:r>
-              <a:rPr kumimoji="1" lang="ja-JP" altLang="en-US" dirty="0"/>
-              <a:t>）</a:t>
-            </a:r>
-          </a:p>
-        </p:txBody>
-      </p:sp>
-    </p:spTree>
-    <p:extLst>
-      <p:ext uri="{BB962C8B-B14F-4D97-AF65-F5344CB8AC3E}">
-        <p14:creationId xmlns:p14="http://schemas.microsoft.com/office/powerpoint/2010/main" val="1137190524"/>
       </p:ext>
     </p:extLst>
   </p:cSld>
@@ -8331,7 +11921,7 @@
         <p:cNvPr id="1" name="">
           <a:extLst>
             <a:ext uri="{FF2B5EF4-FFF2-40B4-BE49-F238E27FC236}">
-              <a16:creationId xmlns:a16="http://schemas.microsoft.com/office/drawing/2014/main" id="{9FD45412-32B4-0C10-5D4B-AAB9409321C9}"/>
+              <a16:creationId xmlns:a16="http://schemas.microsoft.com/office/drawing/2014/main" id="{C6DC9CFC-CB18-C09A-C818-BD7BEDA3F3C9}"/>
             </a:ext>
           </a:extLst>
         </p:cNvPr>
@@ -8351,7 +11941,7 @@
           <p:cNvPr id="2" name="タイトル 1">
             <a:extLst>
               <a:ext uri="{FF2B5EF4-FFF2-40B4-BE49-F238E27FC236}">
-                <a16:creationId xmlns:a16="http://schemas.microsoft.com/office/drawing/2014/main" id="{CD0CA7EB-DB1B-42FB-2B99-31CF1592BC73}"/>
+                <a16:creationId xmlns:a16="http://schemas.microsoft.com/office/drawing/2014/main" id="{DF71D6AB-5843-8B4F-339F-7C773C48C77E}"/>
               </a:ext>
             </a:extLst>
           </p:cNvPr>
@@ -8369,809 +11959,97 @@
           <a:p>
             <a:r>
               <a:rPr kumimoji="1" lang="ja-JP" altLang="en-US" dirty="0"/>
-              <a:t>テスト</a:t>
-            </a:r>
-          </a:p>
-        </p:txBody>
-      </p:sp>
-      <p:grpSp>
-        <p:nvGrpSpPr>
-          <p:cNvPr id="48" name="グループ化 47">
-            <a:extLst>
-              <a:ext uri="{FF2B5EF4-FFF2-40B4-BE49-F238E27FC236}">
-                <a16:creationId xmlns:a16="http://schemas.microsoft.com/office/drawing/2014/main" id="{D0F83DAE-5FCE-5EBB-84EC-8403056A32CD}"/>
-              </a:ext>
-            </a:extLst>
-          </p:cNvPr>
-          <p:cNvGrpSpPr/>
+              <a:t>ロードマップを作る</a:t>
+            </a:r>
+          </a:p>
+        </p:txBody>
+      </p:sp>
+      <p:sp>
+        <p:nvSpPr>
+          <p:cNvPr id="3" name="コンテンツ プレースホルダー 2">
+            <a:extLst>
+              <a:ext uri="{FF2B5EF4-FFF2-40B4-BE49-F238E27FC236}">
+                <a16:creationId xmlns:a16="http://schemas.microsoft.com/office/drawing/2014/main" id="{B85C19C8-4547-8848-838A-97647D330609}"/>
+              </a:ext>
+            </a:extLst>
+          </p:cNvPr>
+          <p:cNvSpPr>
+            <a:spLocks noGrp="1"/>
+          </p:cNvSpPr>
+          <p:nvPr>
+            <p:ph idx="1"/>
+          </p:nvPr>
+        </p:nvSpPr>
+        <p:spPr/>
+        <p:txBody>
+          <a:bodyPr/>
+          <a:lstStyle/>
+          <a:p>
+            <a:r>
+              <a:rPr lang="ja-JP" altLang="en-US" dirty="0"/>
+              <a:t>あ</a:t>
+            </a:r>
+            <a:endParaRPr lang="en-US" altLang="ja-JP" dirty="0"/>
+          </a:p>
+          <a:p>
+            <a:endParaRPr kumimoji="1" lang="en-US" altLang="ja-JP" dirty="0"/>
+          </a:p>
+          <a:p>
+            <a:r>
+              <a:rPr lang="ja-JP" altLang="en-US" dirty="0"/>
+              <a:t>あ</a:t>
+            </a:r>
+            <a:endParaRPr lang="en-US" altLang="ja-JP" dirty="0"/>
+          </a:p>
+          <a:p>
+            <a:pPr lvl="1"/>
+            <a:r>
+              <a:rPr kumimoji="1" lang="ja-JP" altLang="en-US" dirty="0"/>
+              <a:t>あ</a:t>
+            </a:r>
+            <a:endParaRPr kumimoji="1" lang="en-US" altLang="ja-JP" dirty="0"/>
+          </a:p>
+        </p:txBody>
+      </p:sp>
+      <p:pic>
+        <p:nvPicPr>
+          <p:cNvPr id="7" name="図 6">
+            <a:extLst>
+              <a:ext uri="{FF2B5EF4-FFF2-40B4-BE49-F238E27FC236}">
+                <a16:creationId xmlns:a16="http://schemas.microsoft.com/office/drawing/2014/main" id="{67C54FF5-B8E9-89C9-060A-3C036958FD3F}"/>
+              </a:ext>
+            </a:extLst>
+          </p:cNvPr>
+          <p:cNvPicPr>
+            <a:picLocks noChangeAspect="1"/>
+          </p:cNvPicPr>
           <p:nvPr/>
-        </p:nvGrpSpPr>
-        <p:grpSpPr>
+        </p:nvPicPr>
+        <p:blipFill>
+          <a:blip r:embed="rId2"/>
+          <a:stretch>
+            <a:fillRect/>
+          </a:stretch>
+        </p:blipFill>
+        <p:spPr>
           <a:xfrm>
-            <a:off x="934572" y="2141871"/>
-            <a:ext cx="10468534" cy="4351004"/>
-            <a:chOff x="934572" y="2141871"/>
-            <a:chExt cx="10468534" cy="4351004"/>
+            <a:off x="5860753" y="3455698"/>
+            <a:ext cx="6216947" cy="2649267"/>
           </a:xfrm>
-        </p:grpSpPr>
-        <p:cxnSp>
-          <p:nvCxnSpPr>
-            <p:cNvPr id="11" name="直線コネクタ 10">
-              <a:extLst>
-                <a:ext uri="{FF2B5EF4-FFF2-40B4-BE49-F238E27FC236}">
-                  <a16:creationId xmlns:a16="http://schemas.microsoft.com/office/drawing/2014/main" id="{6E71F4B5-8049-BEDA-9062-81BFDC3FECCB}"/>
-                </a:ext>
-              </a:extLst>
-            </p:cNvPr>
-            <p:cNvCxnSpPr>
-              <a:cxnSpLocks/>
-            </p:cNvCxnSpPr>
-            <p:nvPr/>
-          </p:nvCxnSpPr>
-          <p:spPr>
-            <a:xfrm>
-              <a:off x="2548217" y="2141871"/>
-              <a:ext cx="3547783" cy="4320000"/>
-            </a:xfrm>
-            <a:prstGeom prst="line">
-              <a:avLst/>
-            </a:prstGeom>
-            <a:ln w="38100">
-              <a:solidFill>
-                <a:schemeClr val="tx1"/>
-              </a:solidFill>
-            </a:ln>
-          </p:spPr>
-          <p:style>
-            <a:lnRef idx="1">
-              <a:schemeClr val="accent1"/>
-            </a:lnRef>
-            <a:fillRef idx="0">
-              <a:schemeClr val="accent1"/>
-            </a:fillRef>
-            <a:effectRef idx="0">
-              <a:schemeClr val="accent1"/>
-            </a:effectRef>
-            <a:fontRef idx="minor">
+          <a:prstGeom prst="rect">
+            <a:avLst/>
+          </a:prstGeom>
+          <a:ln>
+            <a:solidFill>
               <a:schemeClr val="tx1"/>
-            </a:fontRef>
-          </p:style>
-        </p:cxnSp>
-        <p:sp>
-          <p:nvSpPr>
-            <p:cNvPr id="15" name="四角形: 角を丸くする 14">
-              <a:extLst>
-                <a:ext uri="{FF2B5EF4-FFF2-40B4-BE49-F238E27FC236}">
-                  <a16:creationId xmlns:a16="http://schemas.microsoft.com/office/drawing/2014/main" id="{9502DA92-E25C-EEEC-5402-0E3C17C36FA1}"/>
-                </a:ext>
-              </a:extLst>
-            </p:cNvPr>
-            <p:cNvSpPr/>
-            <p:nvPr/>
-          </p:nvSpPr>
-          <p:spPr>
-            <a:xfrm>
-              <a:off x="934572" y="2542068"/>
-              <a:ext cx="1976718" cy="826994"/>
-            </a:xfrm>
-            <a:prstGeom prst="roundRect">
-              <a:avLst/>
-            </a:prstGeom>
-            <a:solidFill>
-              <a:schemeClr val="bg1"/>
             </a:solidFill>
-            <a:ln>
-              <a:solidFill>
-                <a:schemeClr val="tx1"/>
-              </a:solidFill>
-            </a:ln>
-          </p:spPr>
-          <p:style>
-            <a:lnRef idx="2">
-              <a:schemeClr val="accent1">
-                <a:shade val="15000"/>
-              </a:schemeClr>
-            </a:lnRef>
-            <a:fillRef idx="1">
-              <a:schemeClr val="accent1"/>
-            </a:fillRef>
-            <a:effectRef idx="0">
-              <a:schemeClr val="accent1"/>
-            </a:effectRef>
-            <a:fontRef idx="minor">
-              <a:schemeClr val="lt1"/>
-            </a:fontRef>
-          </p:style>
-          <p:txBody>
-            <a:bodyPr rtlCol="0" anchor="ctr"/>
-            <a:lstStyle/>
-            <a:p>
-              <a:pPr algn="ctr"/>
-              <a:r>
-                <a:rPr kumimoji="1" lang="ja-JP" altLang="en-US" sz="2800" dirty="0">
-                  <a:solidFill>
-                    <a:schemeClr val="tx1"/>
-                  </a:solidFill>
-                </a:rPr>
-                <a:t>要件定義</a:t>
-              </a:r>
-            </a:p>
-          </p:txBody>
-        </p:sp>
-        <p:sp>
-          <p:nvSpPr>
-            <p:cNvPr id="16" name="四角形: 角を丸くする 15">
-              <a:extLst>
-                <a:ext uri="{FF2B5EF4-FFF2-40B4-BE49-F238E27FC236}">
-                  <a16:creationId xmlns:a16="http://schemas.microsoft.com/office/drawing/2014/main" id="{555B6301-8D67-EBB6-107E-857008E51B5F}"/>
-                </a:ext>
-              </a:extLst>
-            </p:cNvPr>
-            <p:cNvSpPr/>
-            <p:nvPr/>
-          </p:nvSpPr>
-          <p:spPr>
-            <a:xfrm>
-              <a:off x="2985248" y="5335537"/>
-              <a:ext cx="1976718" cy="826994"/>
-            </a:xfrm>
-            <a:prstGeom prst="roundRect">
-              <a:avLst/>
-            </a:prstGeom>
-            <a:solidFill>
-              <a:schemeClr val="bg1"/>
-            </a:solidFill>
-            <a:ln>
-              <a:solidFill>
-                <a:schemeClr val="tx1"/>
-              </a:solidFill>
-            </a:ln>
-          </p:spPr>
-          <p:style>
-            <a:lnRef idx="2">
-              <a:schemeClr val="accent1">
-                <a:shade val="15000"/>
-              </a:schemeClr>
-            </a:lnRef>
-            <a:fillRef idx="1">
-              <a:schemeClr val="accent1"/>
-            </a:fillRef>
-            <a:effectRef idx="0">
-              <a:schemeClr val="accent1"/>
-            </a:effectRef>
-            <a:fontRef idx="minor">
-              <a:schemeClr val="lt1"/>
-            </a:fontRef>
-          </p:style>
-          <p:txBody>
-            <a:bodyPr rtlCol="0" anchor="ctr"/>
-            <a:lstStyle/>
-            <a:p>
-              <a:pPr algn="ctr"/>
-              <a:r>
-                <a:rPr kumimoji="1" lang="ja-JP" altLang="en-US" sz="2800" dirty="0">
-                  <a:solidFill>
-                    <a:schemeClr val="tx1"/>
-                  </a:solidFill>
-                </a:rPr>
-                <a:t>開発</a:t>
-              </a:r>
-            </a:p>
-          </p:txBody>
-        </p:sp>
-        <p:cxnSp>
-          <p:nvCxnSpPr>
-            <p:cNvPr id="19" name="直線コネクタ 18">
-              <a:extLst>
-                <a:ext uri="{FF2B5EF4-FFF2-40B4-BE49-F238E27FC236}">
-                  <a16:creationId xmlns:a16="http://schemas.microsoft.com/office/drawing/2014/main" id="{4D0A5A9D-EAD4-88C9-AA1E-2D6341028920}"/>
-                </a:ext>
-              </a:extLst>
-            </p:cNvPr>
-            <p:cNvCxnSpPr>
-              <a:cxnSpLocks/>
-            </p:cNvCxnSpPr>
-            <p:nvPr/>
-          </p:nvCxnSpPr>
-          <p:spPr>
-            <a:xfrm flipH="1">
-              <a:off x="6096000" y="2172875"/>
-              <a:ext cx="3541059" cy="4320000"/>
-            </a:xfrm>
-            <a:prstGeom prst="line">
-              <a:avLst/>
-            </a:prstGeom>
-            <a:ln w="38100">
-              <a:solidFill>
-                <a:schemeClr val="tx1"/>
-              </a:solidFill>
-            </a:ln>
-          </p:spPr>
-          <p:style>
-            <a:lnRef idx="1">
-              <a:schemeClr val="accent1"/>
-            </a:lnRef>
-            <a:fillRef idx="0">
-              <a:schemeClr val="accent1"/>
-            </a:fillRef>
-            <a:effectRef idx="0">
-              <a:schemeClr val="accent1"/>
-            </a:effectRef>
-            <a:fontRef idx="minor">
-              <a:schemeClr val="tx1"/>
-            </a:fontRef>
-          </p:style>
-        </p:cxnSp>
-        <p:sp>
-          <p:nvSpPr>
-            <p:cNvPr id="22" name="四角形: 角を丸くする 21">
-              <a:extLst>
-                <a:ext uri="{FF2B5EF4-FFF2-40B4-BE49-F238E27FC236}">
-                  <a16:creationId xmlns:a16="http://schemas.microsoft.com/office/drawing/2014/main" id="{0B09DC4C-9AFA-D02E-0D50-2E20D91980CD}"/>
-                </a:ext>
-              </a:extLst>
-            </p:cNvPr>
-            <p:cNvSpPr/>
-            <p:nvPr/>
-          </p:nvSpPr>
-          <p:spPr>
-            <a:xfrm>
-              <a:off x="9280710" y="2542068"/>
-              <a:ext cx="2122396" cy="826994"/>
-            </a:xfrm>
-            <a:prstGeom prst="roundRect">
-              <a:avLst/>
-            </a:prstGeom>
-            <a:solidFill>
-              <a:schemeClr val="bg1"/>
-            </a:solidFill>
-            <a:ln>
-              <a:solidFill>
-                <a:schemeClr val="tx1"/>
-              </a:solidFill>
-            </a:ln>
-          </p:spPr>
-          <p:style>
-            <a:lnRef idx="2">
-              <a:schemeClr val="accent1">
-                <a:shade val="15000"/>
-              </a:schemeClr>
-            </a:lnRef>
-            <a:fillRef idx="1">
-              <a:schemeClr val="accent1"/>
-            </a:fillRef>
-            <a:effectRef idx="0">
-              <a:schemeClr val="accent1"/>
-            </a:effectRef>
-            <a:fontRef idx="minor">
-              <a:schemeClr val="lt1"/>
-            </a:fontRef>
-          </p:style>
-          <p:txBody>
-            <a:bodyPr rtlCol="0" anchor="ctr"/>
-            <a:lstStyle/>
-            <a:p>
-              <a:pPr algn="ctr"/>
-              <a:r>
-                <a:rPr kumimoji="1" lang="ja-JP" altLang="en-US" sz="2800" dirty="0">
-                  <a:solidFill>
-                    <a:schemeClr val="tx1"/>
-                  </a:solidFill>
-                </a:rPr>
-                <a:t>受入テスト</a:t>
-              </a:r>
-            </a:p>
-          </p:txBody>
-        </p:sp>
-        <p:sp>
-          <p:nvSpPr>
-            <p:cNvPr id="23" name="四角形: 角を丸くする 22">
-              <a:extLst>
-                <a:ext uri="{FF2B5EF4-FFF2-40B4-BE49-F238E27FC236}">
-                  <a16:creationId xmlns:a16="http://schemas.microsoft.com/office/drawing/2014/main" id="{5875AC31-742E-EF1D-4345-E5A0BF4BB4C4}"/>
-                </a:ext>
-              </a:extLst>
-            </p:cNvPr>
-            <p:cNvSpPr/>
-            <p:nvPr/>
-          </p:nvSpPr>
-          <p:spPr>
-            <a:xfrm>
-              <a:off x="7474324" y="5335537"/>
-              <a:ext cx="1976718" cy="826994"/>
-            </a:xfrm>
-            <a:prstGeom prst="roundRect">
-              <a:avLst/>
-            </a:prstGeom>
-            <a:solidFill>
-              <a:schemeClr val="bg1"/>
-            </a:solidFill>
-            <a:ln>
-              <a:solidFill>
-                <a:schemeClr val="tx1"/>
-              </a:solidFill>
-            </a:ln>
-          </p:spPr>
-          <p:style>
-            <a:lnRef idx="2">
-              <a:schemeClr val="accent1">
-                <a:shade val="15000"/>
-              </a:schemeClr>
-            </a:lnRef>
-            <a:fillRef idx="1">
-              <a:schemeClr val="accent1"/>
-            </a:fillRef>
-            <a:effectRef idx="0">
-              <a:schemeClr val="accent1"/>
-            </a:effectRef>
-            <a:fontRef idx="minor">
-              <a:schemeClr val="lt1"/>
-            </a:fontRef>
-          </p:style>
-          <p:txBody>
-            <a:bodyPr rtlCol="0" anchor="ctr"/>
-            <a:lstStyle/>
-            <a:p>
-              <a:pPr algn="ctr"/>
-              <a:r>
-                <a:rPr kumimoji="1" lang="ja-JP" altLang="en-US" sz="2400" dirty="0">
-                  <a:solidFill>
-                    <a:schemeClr val="tx1"/>
-                  </a:solidFill>
-                </a:rPr>
-                <a:t>単体テスト</a:t>
-              </a:r>
-              <a:endParaRPr kumimoji="1" lang="en-US" altLang="ja-JP" sz="2400" dirty="0">
-                <a:solidFill>
-                  <a:schemeClr val="tx1"/>
-                </a:solidFill>
-              </a:endParaRPr>
-            </a:p>
-            <a:p>
-              <a:pPr algn="ctr"/>
-              <a:r>
-                <a:rPr kumimoji="1" lang="ja-JP" altLang="en-US" sz="2400" dirty="0">
-                  <a:solidFill>
-                    <a:schemeClr val="tx1"/>
-                  </a:solidFill>
-                </a:rPr>
-                <a:t>総合テスト</a:t>
-              </a:r>
-            </a:p>
-          </p:txBody>
-        </p:sp>
-        <p:cxnSp>
-          <p:nvCxnSpPr>
-            <p:cNvPr id="25" name="直線矢印コネクタ 24">
-              <a:extLst>
-                <a:ext uri="{FF2B5EF4-FFF2-40B4-BE49-F238E27FC236}">
-                  <a16:creationId xmlns:a16="http://schemas.microsoft.com/office/drawing/2014/main" id="{1E2774DC-541C-05BD-C037-F01CD9C0E203}"/>
-                </a:ext>
-              </a:extLst>
-            </p:cNvPr>
-            <p:cNvCxnSpPr>
-              <a:cxnSpLocks/>
-              <a:stCxn id="15" idx="3"/>
-              <a:endCxn id="22" idx="1"/>
-            </p:cNvCxnSpPr>
-            <p:nvPr/>
-          </p:nvCxnSpPr>
-          <p:spPr>
-            <a:xfrm>
-              <a:off x="2911290" y="2955565"/>
-              <a:ext cx="6369420" cy="0"/>
-            </a:xfrm>
-            <a:prstGeom prst="straightConnector1">
-              <a:avLst/>
-            </a:prstGeom>
-            <a:ln w="38100">
-              <a:solidFill>
-                <a:schemeClr val="tx1"/>
-              </a:solidFill>
-              <a:tailEnd type="triangle"/>
-            </a:ln>
-          </p:spPr>
-          <p:style>
-            <a:lnRef idx="1">
-              <a:schemeClr val="accent1"/>
-            </a:lnRef>
-            <a:fillRef idx="0">
-              <a:schemeClr val="accent1"/>
-            </a:fillRef>
-            <a:effectRef idx="0">
-              <a:schemeClr val="accent1"/>
-            </a:effectRef>
-            <a:fontRef idx="minor">
-              <a:schemeClr val="tx1"/>
-            </a:fontRef>
-          </p:style>
-        </p:cxnSp>
-        <p:grpSp>
-          <p:nvGrpSpPr>
-            <p:cNvPr id="33" name="グループ化 32">
-              <a:extLst>
-                <a:ext uri="{FF2B5EF4-FFF2-40B4-BE49-F238E27FC236}">
-                  <a16:creationId xmlns:a16="http://schemas.microsoft.com/office/drawing/2014/main" id="{50C10AD5-58D8-70EF-48FA-E0DA3879910B}"/>
-                </a:ext>
-              </a:extLst>
-            </p:cNvPr>
-            <p:cNvGrpSpPr/>
-            <p:nvPr/>
-          </p:nvGrpSpPr>
-          <p:grpSpPr>
-            <a:xfrm>
-              <a:off x="2011459" y="3938802"/>
-              <a:ext cx="8314758" cy="826994"/>
-              <a:chOff x="1633819" y="3829945"/>
-              <a:chExt cx="8314758" cy="826994"/>
-            </a:xfrm>
-          </p:grpSpPr>
-          <p:sp>
-            <p:nvSpPr>
-              <p:cNvPr id="17" name="四角形: 角を丸くする 16">
-                <a:extLst>
-                  <a:ext uri="{FF2B5EF4-FFF2-40B4-BE49-F238E27FC236}">
-                    <a16:creationId xmlns:a16="http://schemas.microsoft.com/office/drawing/2014/main" id="{2553C975-ECC0-CA50-740F-E40254EC1741}"/>
-                  </a:ext>
-                </a:extLst>
-              </p:cNvPr>
-              <p:cNvSpPr/>
-              <p:nvPr/>
-            </p:nvSpPr>
-            <p:spPr>
-              <a:xfrm>
-                <a:off x="7826182" y="3829945"/>
-                <a:ext cx="2122395" cy="826994"/>
-              </a:xfrm>
-              <a:prstGeom prst="roundRect">
-                <a:avLst/>
-              </a:prstGeom>
-              <a:solidFill>
-                <a:schemeClr val="bg1"/>
-              </a:solidFill>
-              <a:ln>
-                <a:solidFill>
-                  <a:schemeClr val="tx1"/>
-                </a:solidFill>
-              </a:ln>
-            </p:spPr>
-            <p:style>
-              <a:lnRef idx="2">
-                <a:schemeClr val="accent1">
-                  <a:shade val="15000"/>
-                </a:schemeClr>
-              </a:lnRef>
-              <a:fillRef idx="1">
-                <a:schemeClr val="accent1"/>
-              </a:fillRef>
-              <a:effectRef idx="0">
-                <a:schemeClr val="accent1"/>
-              </a:effectRef>
-              <a:fontRef idx="minor">
-                <a:schemeClr val="lt1"/>
-              </a:fontRef>
-            </p:style>
-            <p:txBody>
-              <a:bodyPr rtlCol="0" anchor="ctr"/>
-              <a:lstStyle/>
-              <a:p>
-                <a:pPr algn="ctr"/>
-                <a:r>
-                  <a:rPr kumimoji="1" lang="ja-JP" altLang="en-US" sz="2800" dirty="0">
-                    <a:solidFill>
-                      <a:schemeClr val="tx1"/>
-                    </a:solidFill>
-                  </a:rPr>
-                  <a:t>総合テスト</a:t>
-                </a:r>
-              </a:p>
-            </p:txBody>
-          </p:sp>
-          <p:sp>
-            <p:nvSpPr>
-              <p:cNvPr id="18" name="四角形: 角を丸くする 17">
-                <a:extLst>
-                  <a:ext uri="{FF2B5EF4-FFF2-40B4-BE49-F238E27FC236}">
-                    <a16:creationId xmlns:a16="http://schemas.microsoft.com/office/drawing/2014/main" id="{FAF9E905-25E1-4EE2-CA70-09968B07980D}"/>
-                  </a:ext>
-                </a:extLst>
-              </p:cNvPr>
-              <p:cNvSpPr/>
-              <p:nvPr/>
-            </p:nvSpPr>
-            <p:spPr>
-              <a:xfrm>
-                <a:off x="1633819" y="3829945"/>
-                <a:ext cx="1976718" cy="826994"/>
-              </a:xfrm>
-              <a:prstGeom prst="roundRect">
-                <a:avLst/>
-              </a:prstGeom>
-              <a:solidFill>
-                <a:schemeClr val="bg1"/>
-              </a:solidFill>
-              <a:ln>
-                <a:solidFill>
-                  <a:schemeClr val="tx1"/>
-                </a:solidFill>
-              </a:ln>
-            </p:spPr>
-            <p:style>
-              <a:lnRef idx="2">
-                <a:schemeClr val="accent1">
-                  <a:shade val="15000"/>
-                </a:schemeClr>
-              </a:lnRef>
-              <a:fillRef idx="1">
-                <a:schemeClr val="accent1"/>
-              </a:fillRef>
-              <a:effectRef idx="0">
-                <a:schemeClr val="accent1"/>
-              </a:effectRef>
-              <a:fontRef idx="minor">
-                <a:schemeClr val="lt1"/>
-              </a:fontRef>
-            </p:style>
-            <p:txBody>
-              <a:bodyPr rtlCol="0" anchor="ctr"/>
-              <a:lstStyle/>
-              <a:p>
-                <a:pPr algn="ctr"/>
-                <a:r>
-                  <a:rPr kumimoji="1" lang="ja-JP" altLang="en-US" sz="2800" dirty="0">
-                    <a:solidFill>
-                      <a:schemeClr val="tx1"/>
-                    </a:solidFill>
-                  </a:rPr>
-                  <a:t>設計</a:t>
-                </a:r>
-              </a:p>
-            </p:txBody>
-          </p:sp>
-          <p:cxnSp>
-            <p:nvCxnSpPr>
-              <p:cNvPr id="28" name="直線矢印コネクタ 27">
-                <a:extLst>
-                  <a:ext uri="{FF2B5EF4-FFF2-40B4-BE49-F238E27FC236}">
-                    <a16:creationId xmlns:a16="http://schemas.microsoft.com/office/drawing/2014/main" id="{EDDDFBFC-4996-5EEF-144F-4E4AF5B5AC7A}"/>
-                  </a:ext>
-                </a:extLst>
-              </p:cNvPr>
-              <p:cNvCxnSpPr>
-                <a:cxnSpLocks/>
-                <a:stCxn id="18" idx="3"/>
-                <a:endCxn id="17" idx="1"/>
-              </p:cNvCxnSpPr>
-              <p:nvPr/>
-            </p:nvCxnSpPr>
-            <p:spPr>
-              <a:xfrm>
-                <a:off x="3610537" y="4243442"/>
-                <a:ext cx="4215645" cy="0"/>
-              </a:xfrm>
-              <a:prstGeom prst="straightConnector1">
-                <a:avLst/>
-              </a:prstGeom>
-              <a:ln w="38100">
-                <a:solidFill>
-                  <a:schemeClr val="tx1"/>
-                </a:solidFill>
-                <a:tailEnd type="triangle"/>
-              </a:ln>
-            </p:spPr>
-            <p:style>
-              <a:lnRef idx="1">
-                <a:schemeClr val="accent1"/>
-              </a:lnRef>
-              <a:fillRef idx="0">
-                <a:schemeClr val="accent1"/>
-              </a:fillRef>
-              <a:effectRef idx="0">
-                <a:schemeClr val="accent1"/>
-              </a:effectRef>
-              <a:fontRef idx="minor">
-                <a:schemeClr val="tx1"/>
-              </a:fontRef>
-            </p:style>
-          </p:cxnSp>
-        </p:grpSp>
-        <p:cxnSp>
-          <p:nvCxnSpPr>
-            <p:cNvPr id="34" name="直線矢印コネクタ 33">
-              <a:extLst>
-                <a:ext uri="{FF2B5EF4-FFF2-40B4-BE49-F238E27FC236}">
-                  <a16:creationId xmlns:a16="http://schemas.microsoft.com/office/drawing/2014/main" id="{CF5ADA5E-727D-3296-3579-E3D1829DADBE}"/>
-                </a:ext>
-              </a:extLst>
-            </p:cNvPr>
-            <p:cNvCxnSpPr>
-              <a:cxnSpLocks/>
-              <a:stCxn id="16" idx="3"/>
-              <a:endCxn id="23" idx="1"/>
-            </p:cNvCxnSpPr>
-            <p:nvPr/>
-          </p:nvCxnSpPr>
-          <p:spPr>
-            <a:xfrm>
-              <a:off x="4961966" y="5749034"/>
-              <a:ext cx="2512358" cy="0"/>
-            </a:xfrm>
-            <a:prstGeom prst="straightConnector1">
-              <a:avLst/>
-            </a:prstGeom>
-            <a:ln w="38100">
-              <a:solidFill>
-                <a:schemeClr val="tx1"/>
-              </a:solidFill>
-              <a:tailEnd type="triangle"/>
-            </a:ln>
-          </p:spPr>
-          <p:style>
-            <a:lnRef idx="1">
-              <a:schemeClr val="accent1"/>
-            </a:lnRef>
-            <a:fillRef idx="0">
-              <a:schemeClr val="accent1"/>
-            </a:fillRef>
-            <a:effectRef idx="0">
-              <a:schemeClr val="accent1"/>
-            </a:effectRef>
-            <a:fontRef idx="minor">
-              <a:schemeClr val="tx1"/>
-            </a:fontRef>
-          </p:style>
-        </p:cxnSp>
-        <p:sp>
-          <p:nvSpPr>
-            <p:cNvPr id="45" name="テキスト ボックス 44">
-              <a:extLst>
-                <a:ext uri="{FF2B5EF4-FFF2-40B4-BE49-F238E27FC236}">
-                  <a16:creationId xmlns:a16="http://schemas.microsoft.com/office/drawing/2014/main" id="{84B4892D-1F4C-C00C-3639-967462DC74A8}"/>
-                </a:ext>
-              </a:extLst>
-            </p:cNvPr>
-            <p:cNvSpPr txBox="1"/>
-            <p:nvPr/>
-          </p:nvSpPr>
-          <p:spPr>
-            <a:xfrm>
-              <a:off x="4330448" y="2194775"/>
-              <a:ext cx="3775393" cy="707886"/>
-            </a:xfrm>
-            <a:prstGeom prst="rect">
-              <a:avLst/>
-            </a:prstGeom>
-            <a:noFill/>
-          </p:spPr>
-          <p:txBody>
-            <a:bodyPr wrap="none" rtlCol="0">
-              <a:spAutoFit/>
-            </a:bodyPr>
-            <a:lstStyle/>
-            <a:p>
-              <a:pPr algn="ctr"/>
-              <a:r>
-                <a:rPr kumimoji="1" lang="ja-JP" altLang="en-US" sz="2000" b="1" dirty="0"/>
-                <a:t>プロジェクト計画通り</a:t>
-              </a:r>
-              <a:r>
-                <a:rPr kumimoji="1" lang="ja-JP" altLang="en-US" sz="2000" dirty="0"/>
-                <a:t>に</a:t>
-              </a:r>
-              <a:endParaRPr kumimoji="1" lang="en-US" altLang="ja-JP" sz="2000" dirty="0"/>
-            </a:p>
-            <a:p>
-              <a:pPr algn="ctr"/>
-              <a:r>
-                <a:rPr kumimoji="1" lang="ja-JP" altLang="en-US" sz="2000" dirty="0"/>
-                <a:t>要件定義されていることを確認</a:t>
-              </a:r>
-            </a:p>
-          </p:txBody>
-        </p:sp>
-        <p:sp>
-          <p:nvSpPr>
-            <p:cNvPr id="46" name="テキスト ボックス 45">
-              <a:extLst>
-                <a:ext uri="{FF2B5EF4-FFF2-40B4-BE49-F238E27FC236}">
-                  <a16:creationId xmlns:a16="http://schemas.microsoft.com/office/drawing/2014/main" id="{3F2E6A2E-16EA-B254-9809-B686BF0060B1}"/>
-                </a:ext>
-              </a:extLst>
-            </p:cNvPr>
-            <p:cNvSpPr txBox="1"/>
-            <p:nvPr/>
-          </p:nvSpPr>
-          <p:spPr>
-            <a:xfrm>
-              <a:off x="4593163" y="3584859"/>
-              <a:ext cx="3262432" cy="707886"/>
-            </a:xfrm>
-            <a:prstGeom prst="rect">
-              <a:avLst/>
-            </a:prstGeom>
-            <a:noFill/>
-          </p:spPr>
-          <p:txBody>
-            <a:bodyPr wrap="none" rtlCol="0">
-              <a:spAutoFit/>
-            </a:bodyPr>
-            <a:lstStyle/>
-            <a:p>
-              <a:pPr algn="ctr"/>
-              <a:r>
-                <a:rPr kumimoji="1" lang="ja-JP" altLang="en-US" sz="2000" b="1" dirty="0"/>
-                <a:t>要件定義通り</a:t>
-              </a:r>
-              <a:r>
-                <a:rPr kumimoji="1" lang="ja-JP" altLang="en-US" sz="2000" dirty="0"/>
-                <a:t>に</a:t>
-              </a:r>
-              <a:endParaRPr kumimoji="1" lang="en-US" altLang="ja-JP" sz="2000" dirty="0"/>
-            </a:p>
-            <a:p>
-              <a:pPr algn="ctr"/>
-              <a:r>
-                <a:rPr kumimoji="1" lang="ja-JP" altLang="en-US" sz="2000" dirty="0"/>
-                <a:t>設計されていることを確認</a:t>
-              </a:r>
-            </a:p>
-          </p:txBody>
-        </p:sp>
-        <p:sp>
-          <p:nvSpPr>
-            <p:cNvPr id="47" name="テキスト ボックス 46">
-              <a:extLst>
-                <a:ext uri="{FF2B5EF4-FFF2-40B4-BE49-F238E27FC236}">
-                  <a16:creationId xmlns:a16="http://schemas.microsoft.com/office/drawing/2014/main" id="{EBC5868E-1160-FD74-ACC8-7E75CBC0D3B9}"/>
-                </a:ext>
-              </a:extLst>
-            </p:cNvPr>
-            <p:cNvSpPr txBox="1"/>
-            <p:nvPr/>
-          </p:nvSpPr>
-          <p:spPr>
-            <a:xfrm>
-              <a:off x="4749412" y="4895954"/>
-              <a:ext cx="2960233" cy="646331"/>
-            </a:xfrm>
-            <a:prstGeom prst="rect">
-              <a:avLst/>
-            </a:prstGeom>
-            <a:solidFill>
-              <a:schemeClr val="bg1"/>
-            </a:solidFill>
-          </p:spPr>
-          <p:txBody>
-            <a:bodyPr wrap="square" rtlCol="0">
-              <a:spAutoFit/>
-            </a:bodyPr>
-            <a:lstStyle/>
-            <a:p>
-              <a:pPr algn="ctr"/>
-              <a:r>
-                <a:rPr kumimoji="1" lang="ja-JP" altLang="en-US" b="1" dirty="0"/>
-                <a:t>設計通り</a:t>
-              </a:r>
-              <a:r>
-                <a:rPr kumimoji="1" lang="ja-JP" altLang="en-US" dirty="0"/>
-                <a:t>に</a:t>
-              </a:r>
-              <a:endParaRPr kumimoji="1" lang="en-US" altLang="ja-JP" dirty="0"/>
-            </a:p>
-            <a:p>
-              <a:pPr algn="ctr"/>
-              <a:r>
-                <a:rPr kumimoji="1" lang="ja-JP" altLang="en-US" dirty="0"/>
-                <a:t>実装されていることを確認</a:t>
-              </a:r>
-            </a:p>
-          </p:txBody>
-        </p:sp>
-      </p:grpSp>
+          </a:ln>
+        </p:spPr>
+      </p:pic>
     </p:spTree>
     <p:extLst>
       <p:ext uri="{BB962C8B-B14F-4D97-AF65-F5344CB8AC3E}">
-        <p14:creationId xmlns:p14="http://schemas.microsoft.com/office/powerpoint/2010/main" val="435787391"/>
+        <p14:creationId xmlns:p14="http://schemas.microsoft.com/office/powerpoint/2010/main" val="2772023192"/>
       </p:ext>
     </p:extLst>
   </p:cSld>
